--- a/Results_presentation.pptx
+++ b/Results_presentation.pptx
@@ -7,6 +7,12 @@
   <p:sldIdLst>
     <p:sldId id="256" r:id="rId2"/>
     <p:sldId id="257" r:id="rId3"/>
+    <p:sldId id="258" r:id="rId4"/>
+    <p:sldId id="261" r:id="rId5"/>
+    <p:sldId id="262" r:id="rId6"/>
+    <p:sldId id="260" r:id="rId7"/>
+    <p:sldId id="263" r:id="rId8"/>
+    <p:sldId id="259" r:id="rId9"/>
   </p:sldIdLst>
   <p:sldSz cx="12192000" cy="6858000"/>
   <p:notesSz cx="6858000" cy="9144000"/>
@@ -105,6 +111,11 @@
       </a:defRPr>
     </a:lvl9pPr>
   </p:defaultTextStyle>
+  <p:extLst>
+    <p:ext uri="{EFAFB233-063F-42B5-8137-9DF3F51BA10A}">
+      <p15:sldGuideLst xmlns:p15="http://schemas.microsoft.com/office/powerpoint/2012/main"/>
+    </p:ext>
+  </p:extLst>
 </p:presentation>
 </file>
 
@@ -257,7 +268,7 @@
           <a:p>
             <a:fld id="{4A2FDB5B-C9D2-4FF8-8C39-B98838B722B0}" type="datetimeFigureOut">
               <a:rPr lang="en-AT" smtClean="0"/>
-              <a:t>25/04/2022</a:t>
+              <a:t>03/05/2022</a:t>
             </a:fld>
             <a:endParaRPr lang="en-AT"/>
           </a:p>
@@ -457,7 +468,7 @@
           <a:p>
             <a:fld id="{4A2FDB5B-C9D2-4FF8-8C39-B98838B722B0}" type="datetimeFigureOut">
               <a:rPr lang="en-AT" smtClean="0"/>
-              <a:t>25/04/2022</a:t>
+              <a:t>03/05/2022</a:t>
             </a:fld>
             <a:endParaRPr lang="en-AT"/>
           </a:p>
@@ -667,7 +678,7 @@
           <a:p>
             <a:fld id="{4A2FDB5B-C9D2-4FF8-8C39-B98838B722B0}" type="datetimeFigureOut">
               <a:rPr lang="en-AT" smtClean="0"/>
-              <a:t>25/04/2022</a:t>
+              <a:t>03/05/2022</a:t>
             </a:fld>
             <a:endParaRPr lang="en-AT"/>
           </a:p>
@@ -867,7 +878,7 @@
           <a:p>
             <a:fld id="{4A2FDB5B-C9D2-4FF8-8C39-B98838B722B0}" type="datetimeFigureOut">
               <a:rPr lang="en-AT" smtClean="0"/>
-              <a:t>25/04/2022</a:t>
+              <a:t>03/05/2022</a:t>
             </a:fld>
             <a:endParaRPr lang="en-AT"/>
           </a:p>
@@ -1143,7 +1154,7 @@
           <a:p>
             <a:fld id="{4A2FDB5B-C9D2-4FF8-8C39-B98838B722B0}" type="datetimeFigureOut">
               <a:rPr lang="en-AT" smtClean="0"/>
-              <a:t>25/04/2022</a:t>
+              <a:t>03/05/2022</a:t>
             </a:fld>
             <a:endParaRPr lang="en-AT"/>
           </a:p>
@@ -1411,7 +1422,7 @@
           <a:p>
             <a:fld id="{4A2FDB5B-C9D2-4FF8-8C39-B98838B722B0}" type="datetimeFigureOut">
               <a:rPr lang="en-AT" smtClean="0"/>
-              <a:t>25/04/2022</a:t>
+              <a:t>03/05/2022</a:t>
             </a:fld>
             <a:endParaRPr lang="en-AT"/>
           </a:p>
@@ -1826,7 +1837,7 @@
           <a:p>
             <a:fld id="{4A2FDB5B-C9D2-4FF8-8C39-B98838B722B0}" type="datetimeFigureOut">
               <a:rPr lang="en-AT" smtClean="0"/>
-              <a:t>25/04/2022</a:t>
+              <a:t>03/05/2022</a:t>
             </a:fld>
             <a:endParaRPr lang="en-AT"/>
           </a:p>
@@ -1968,7 +1979,7 @@
           <a:p>
             <a:fld id="{4A2FDB5B-C9D2-4FF8-8C39-B98838B722B0}" type="datetimeFigureOut">
               <a:rPr lang="en-AT" smtClean="0"/>
-              <a:t>25/04/2022</a:t>
+              <a:t>03/05/2022</a:t>
             </a:fld>
             <a:endParaRPr lang="en-AT"/>
           </a:p>
@@ -2081,7 +2092,7 @@
           <a:p>
             <a:fld id="{4A2FDB5B-C9D2-4FF8-8C39-B98838B722B0}" type="datetimeFigureOut">
               <a:rPr lang="en-AT" smtClean="0"/>
-              <a:t>25/04/2022</a:t>
+              <a:t>03/05/2022</a:t>
             </a:fld>
             <a:endParaRPr lang="en-AT"/>
           </a:p>
@@ -2394,7 +2405,7 @@
           <a:p>
             <a:fld id="{4A2FDB5B-C9D2-4FF8-8C39-B98838B722B0}" type="datetimeFigureOut">
               <a:rPr lang="en-AT" smtClean="0"/>
-              <a:t>25/04/2022</a:t>
+              <a:t>03/05/2022</a:t>
             </a:fld>
             <a:endParaRPr lang="en-AT"/>
           </a:p>
@@ -2683,7 +2694,7 @@
           <a:p>
             <a:fld id="{4A2FDB5B-C9D2-4FF8-8C39-B98838B722B0}" type="datetimeFigureOut">
               <a:rPr lang="en-AT" smtClean="0"/>
-              <a:t>25/04/2022</a:t>
+              <a:t>03/05/2022</a:t>
             </a:fld>
             <a:endParaRPr lang="en-AT"/>
           </a:p>
@@ -2926,7 +2937,7 @@
           <a:p>
             <a:fld id="{4A2FDB5B-C9D2-4FF8-8C39-B98838B722B0}" type="datetimeFigureOut">
               <a:rPr lang="en-AT" smtClean="0"/>
-              <a:t>25/04/2022</a:t>
+              <a:t>03/05/2022</a:t>
             </a:fld>
             <a:endParaRPr lang="en-AT"/>
           </a:p>
@@ -3364,7 +3375,7 @@
           <a:bodyPr/>
           <a:lstStyle/>
           <a:p>
-            <a:endParaRPr lang="en-AT"/>
+            <a:endParaRPr lang="en-AT" dirty="0"/>
           </a:p>
         </p:txBody>
       </p:sp>
@@ -3423,12 +3434,143 @@
           <a:chExt cx="0" cy="0"/>
         </a:xfrm>
       </p:grpSpPr>
+      <p:grpSp>
+        <p:nvGrpSpPr>
+          <p:cNvPr id="10" name="Group 9">
+            <a:extLst>
+              <a:ext uri="{FF2B5EF4-FFF2-40B4-BE49-F238E27FC236}">
+                <a16:creationId xmlns:a16="http://schemas.microsoft.com/office/drawing/2014/main" id="{649E7711-5A9B-B2E1-2211-65EE11A545CA}"/>
+              </a:ext>
+            </a:extLst>
+          </p:cNvPr>
+          <p:cNvGrpSpPr/>
+          <p:nvPr/>
+        </p:nvGrpSpPr>
+        <p:grpSpPr>
+          <a:xfrm>
+            <a:off x="1176719" y="2334363"/>
+            <a:ext cx="1367231" cy="1734790"/>
+            <a:chOff x="1176719" y="2334363"/>
+            <a:chExt cx="1367231" cy="1734790"/>
+          </a:xfrm>
+        </p:grpSpPr>
+        <p:pic>
+          <p:nvPicPr>
+            <p:cNvPr id="4" name="Graphic 3" descr="Group">
+              <a:extLst>
+                <a:ext uri="{FF2B5EF4-FFF2-40B4-BE49-F238E27FC236}">
+                  <a16:creationId xmlns:a16="http://schemas.microsoft.com/office/drawing/2014/main" id="{830208BB-D66C-4E0C-BBD5-67E654FCCBB6}"/>
+                </a:ext>
+              </a:extLst>
+            </p:cNvPr>
+            <p:cNvPicPr>
+              <a:picLocks noChangeAspect="1"/>
+            </p:cNvPicPr>
+            <p:nvPr/>
+          </p:nvPicPr>
+          <p:blipFill>
+            <a:blip r:embed="rId2">
+              <a:extLst>
+                <a:ext uri="{28A0092B-C50C-407E-A947-70E740481C1C}">
+                  <a14:useLocalDpi xmlns:a14="http://schemas.microsoft.com/office/drawing/2010/main" val="0"/>
+                </a:ext>
+                <a:ext uri="{96DAC541-7B7A-43D3-8B79-37D633B846F1}">
+                  <asvg:svgBlip xmlns:asvg="http://schemas.microsoft.com/office/drawing/2016/SVG/main" r:embed="rId3"/>
+                </a:ext>
+              </a:extLst>
+            </a:blip>
+            <a:stretch>
+              <a:fillRect/>
+            </a:stretch>
+          </p:blipFill>
+          <p:spPr>
+            <a:xfrm>
+              <a:off x="1221759" y="2334363"/>
+              <a:ext cx="1277153" cy="1277153"/>
+            </a:xfrm>
+            <a:prstGeom prst="rect">
+              <a:avLst/>
+            </a:prstGeom>
+          </p:spPr>
+        </p:pic>
+        <p:sp>
+          <p:nvSpPr>
+            <p:cNvPr id="5" name="TextBox 4">
+              <a:extLst>
+                <a:ext uri="{FF2B5EF4-FFF2-40B4-BE49-F238E27FC236}">
+                  <a16:creationId xmlns:a16="http://schemas.microsoft.com/office/drawing/2014/main" id="{BAF77A4D-BBD2-406F-B91F-C042402D35BF}"/>
+                </a:ext>
+              </a:extLst>
+            </p:cNvPr>
+            <p:cNvSpPr txBox="1"/>
+            <p:nvPr/>
+          </p:nvSpPr>
+          <p:spPr>
+            <a:xfrm>
+              <a:off x="1176719" y="3422822"/>
+              <a:ext cx="1367231" cy="646331"/>
+            </a:xfrm>
+            <a:prstGeom prst="rect">
+              <a:avLst/>
+            </a:prstGeom>
+            <a:noFill/>
+          </p:spPr>
+          <p:txBody>
+            <a:bodyPr wrap="square" rtlCol="0">
+              <a:spAutoFit/>
+            </a:bodyPr>
+            <a:lstStyle/>
+            <a:p>
+              <a:pPr algn="ctr"/>
+              <a:r>
+                <a:rPr lang="en-GB" dirty="0"/>
+                <a:t>39 participants</a:t>
+              </a:r>
+              <a:endParaRPr lang="en-AT" dirty="0"/>
+            </a:p>
+          </p:txBody>
+        </p:sp>
+      </p:grpSp>
+      <p:sp>
+        <p:nvSpPr>
+          <p:cNvPr id="24" name="Title 1">
+            <a:extLst>
+              <a:ext uri="{FF2B5EF4-FFF2-40B4-BE49-F238E27FC236}">
+                <a16:creationId xmlns:a16="http://schemas.microsoft.com/office/drawing/2014/main" id="{E5762E24-8A34-9E92-C144-816A9A6B3B0F}"/>
+              </a:ext>
+            </a:extLst>
+          </p:cNvPr>
+          <p:cNvSpPr>
+            <a:spLocks noGrp="1"/>
+          </p:cNvSpPr>
+          <p:nvPr>
+            <p:ph type="title"/>
+          </p:nvPr>
+        </p:nvSpPr>
+        <p:spPr>
+          <a:xfrm>
+            <a:off x="838200" y="365125"/>
+            <a:ext cx="10515600" cy="1325563"/>
+          </a:xfrm>
+        </p:spPr>
+        <p:txBody>
+          <a:bodyPr/>
+          <a:lstStyle/>
+          <a:p>
+            <a:r>
+              <a:rPr lang="en-GB" dirty="0"/>
+              <a:t>ESM data</a:t>
+            </a:r>
+            <a:endParaRPr lang="en-AT" dirty="0"/>
+          </a:p>
+        </p:txBody>
+      </p:sp>
       <p:pic>
         <p:nvPicPr>
-          <p:cNvPr id="4" name="Graphic 3" descr="Group">
+          <p:cNvPr id="8" name="Picture 7">
             <a:extLst>
               <a:ext uri="{FF2B5EF4-FFF2-40B4-BE49-F238E27FC236}">
-                <a16:creationId xmlns:a16="http://schemas.microsoft.com/office/drawing/2014/main" id="{830208BB-D66C-4E0C-BBD5-67E654FCCBB6}"/>
+                <a16:creationId xmlns:a16="http://schemas.microsoft.com/office/drawing/2014/main" id="{009340A9-A358-4FB9-82F5-FBDE7B82D577}"/>
               </a:ext>
             </a:extLst>
           </p:cNvPr>
@@ -3438,72 +3580,3915 @@
           <p:nvPr/>
         </p:nvPicPr>
         <p:blipFill>
-          <a:blip r:embed="rId2">
-            <a:extLst>
-              <a:ext uri="{28A0092B-C50C-407E-A947-70E740481C1C}">
-                <a14:useLocalDpi xmlns:a14="http://schemas.microsoft.com/office/drawing/2010/main" val="0"/>
-              </a:ext>
-              <a:ext uri="{96DAC541-7B7A-43D3-8B79-37D633B846F1}">
-                <asvg:svgBlip xmlns:asvg="http://schemas.microsoft.com/office/drawing/2016/SVG/main" r:embed="rId3"/>
-              </a:ext>
-            </a:extLst>
-          </a:blip>
+          <a:blip r:embed="rId4"/>
           <a:stretch>
             <a:fillRect/>
           </a:stretch>
         </p:blipFill>
         <p:spPr>
           <a:xfrm>
-            <a:off x="4890541" y="0"/>
-            <a:ext cx="2410918" cy="2410918"/>
+            <a:off x="3331207" y="2492829"/>
+            <a:ext cx="8022593" cy="1576324"/>
           </a:xfrm>
           <a:prstGeom prst="rect">
             <a:avLst/>
           </a:prstGeom>
         </p:spPr>
       </p:pic>
+    </p:spTree>
+    <p:extLst>
+      <p:ext uri="{BB962C8B-B14F-4D97-AF65-F5344CB8AC3E}">
+        <p14:creationId xmlns:p14="http://schemas.microsoft.com/office/powerpoint/2010/main" val="1029309397"/>
+      </p:ext>
+    </p:extLst>
+  </p:cSld>
+  <p:clrMapOvr>
+    <a:masterClrMapping/>
+  </p:clrMapOvr>
+</p:sld>
+</file>
+
+<file path=ppt/slides/slide3.xml><?xml version="1.0" encoding="utf-8"?>
+<p:sld xmlns:a="http://schemas.openxmlformats.org/drawingml/2006/main" xmlns:r="http://schemas.openxmlformats.org/officeDocument/2006/relationships" xmlns:p="http://schemas.openxmlformats.org/presentationml/2006/main">
+  <p:cSld>
+    <p:spTree>
+      <p:nvGrpSpPr>
+        <p:cNvPr id="1" name=""/>
+        <p:cNvGrpSpPr/>
+        <p:nvPr/>
+      </p:nvGrpSpPr>
+      <p:grpSpPr>
+        <a:xfrm>
+          <a:off x="0" y="0"/>
+          <a:ext cx="0" cy="0"/>
+          <a:chOff x="0" y="0"/>
+          <a:chExt cx="0" cy="0"/>
+        </a:xfrm>
+      </p:grpSpPr>
       <p:sp>
         <p:nvSpPr>
-          <p:cNvPr id="5" name="TextBox 4">
+          <p:cNvPr id="2" name="Title 1">
             <a:extLst>
               <a:ext uri="{FF2B5EF4-FFF2-40B4-BE49-F238E27FC236}">
-                <a16:creationId xmlns:a16="http://schemas.microsoft.com/office/drawing/2014/main" id="{BAF77A4D-BBD2-406F-B91F-C042402D35BF}"/>
+                <a16:creationId xmlns:a16="http://schemas.microsoft.com/office/drawing/2014/main" id="{C2ADB67B-566B-B61E-3643-4A8D10E560B2}"/>
               </a:ext>
             </a:extLst>
           </p:cNvPr>
-          <p:cNvSpPr txBox="1"/>
-          <p:nvPr/>
+          <p:cNvSpPr>
+            <a:spLocks noGrp="1"/>
+          </p:cNvSpPr>
+          <p:nvPr>
+            <p:ph type="title"/>
+          </p:nvPr>
         </p:nvSpPr>
-        <p:spPr>
-          <a:xfrm>
-            <a:off x="5271768" y="1953718"/>
-            <a:ext cx="1648464" cy="369332"/>
-          </a:xfrm>
-          <a:prstGeom prst="rect">
-            <a:avLst/>
-          </a:prstGeom>
-          <a:noFill/>
-        </p:spPr>
+        <p:spPr/>
         <p:txBody>
-          <a:bodyPr wrap="square" rtlCol="0">
-            <a:spAutoFit/>
-          </a:bodyPr>
+          <a:bodyPr/>
           <a:lstStyle/>
           <a:p>
             <a:r>
               <a:rPr lang="en-GB" dirty="0"/>
-              <a:t>38 participants</a:t>
+              <a:t>Remaining </a:t>
+            </a:r>
+            <a:r>
+              <a:rPr lang="en-GB" dirty="0" err="1"/>
+              <a:t>patient_id</a:t>
+            </a:r>
+            <a:r>
+              <a:rPr lang="en-GB" dirty="0"/>
+              <a:t> issues</a:t>
             </a:r>
             <a:endParaRPr lang="en-AT" dirty="0"/>
+          </a:p>
+        </p:txBody>
+      </p:sp>
+      <p:graphicFrame>
+        <p:nvGraphicFramePr>
+          <p:cNvPr id="3" name="Table 2">
+            <a:extLst>
+              <a:ext uri="{FF2B5EF4-FFF2-40B4-BE49-F238E27FC236}">
+                <a16:creationId xmlns:a16="http://schemas.microsoft.com/office/drawing/2014/main" id="{AC2FA68A-B1F3-5379-0903-7C82389B8E8B}"/>
+              </a:ext>
+            </a:extLst>
+          </p:cNvPr>
+          <p:cNvGraphicFramePr>
+            <a:graphicFrameLocks noGrp="1"/>
+          </p:cNvGraphicFramePr>
+          <p:nvPr>
+            <p:extLst>
+              <p:ext uri="{D42A27DB-BD31-4B8C-83A1-F6EECF244321}">
+                <p14:modId xmlns:p14="http://schemas.microsoft.com/office/powerpoint/2010/main" val="1974888380"/>
+              </p:ext>
+            </p:extLst>
+          </p:nvPr>
+        </p:nvGraphicFramePr>
+        <p:xfrm>
+          <a:off x="2230016" y="2136710"/>
+          <a:ext cx="7641773" cy="3984155"/>
+        </p:xfrm>
+        <a:graphic>
+          <a:graphicData uri="http://schemas.openxmlformats.org/drawingml/2006/table">
+            <a:tbl>
+              <a:tblPr/>
+              <a:tblGrid>
+                <a:gridCol w="3464038">
+                  <a:extLst>
+                    <a:ext uri="{9D8B030D-6E8A-4147-A177-3AD203B41FA5}">
+                      <a16:colId xmlns:a16="http://schemas.microsoft.com/office/drawing/2014/main" val="3910477315"/>
+                    </a:ext>
+                  </a:extLst>
+                </a:gridCol>
+                <a:gridCol w="835547">
+                  <a:extLst>
+                    <a:ext uri="{9D8B030D-6E8A-4147-A177-3AD203B41FA5}">
+                      <a16:colId xmlns:a16="http://schemas.microsoft.com/office/drawing/2014/main" val="2594145985"/>
+                    </a:ext>
+                  </a:extLst>
+                </a:gridCol>
+                <a:gridCol w="835547">
+                  <a:extLst>
+                    <a:ext uri="{9D8B030D-6E8A-4147-A177-3AD203B41FA5}">
+                      <a16:colId xmlns:a16="http://schemas.microsoft.com/office/drawing/2014/main" val="2812507563"/>
+                    </a:ext>
+                  </a:extLst>
+                </a:gridCol>
+                <a:gridCol w="835547">
+                  <a:extLst>
+                    <a:ext uri="{9D8B030D-6E8A-4147-A177-3AD203B41FA5}">
+                      <a16:colId xmlns:a16="http://schemas.microsoft.com/office/drawing/2014/main" val="486216592"/>
+                    </a:ext>
+                  </a:extLst>
+                </a:gridCol>
+                <a:gridCol w="835547">
+                  <a:extLst>
+                    <a:ext uri="{9D8B030D-6E8A-4147-A177-3AD203B41FA5}">
+                      <a16:colId xmlns:a16="http://schemas.microsoft.com/office/drawing/2014/main" val="3784721253"/>
+                    </a:ext>
+                  </a:extLst>
+                </a:gridCol>
+                <a:gridCol w="835547">
+                  <a:extLst>
+                    <a:ext uri="{9D8B030D-6E8A-4147-A177-3AD203B41FA5}">
+                      <a16:colId xmlns:a16="http://schemas.microsoft.com/office/drawing/2014/main" val="3930072882"/>
+                    </a:ext>
+                  </a:extLst>
+                </a:gridCol>
+              </a:tblGrid>
+              <a:tr h="395778">
+                <a:tc>
+                  <a:txBody>
+                    <a:bodyPr/>
+                    <a:lstStyle/>
+                    <a:p>
+                      <a:pPr algn="l" fontAlgn="b"/>
+                      <a:r>
+                        <a:rPr lang="en-GB" sz="1100" b="0" i="0" u="none" strike="noStrike">
+                          <a:solidFill>
+                            <a:srgbClr val="000000"/>
+                          </a:solidFill>
+                          <a:effectLst/>
+                          <a:latin typeface="Calibri" panose="020F0502020204030204" pitchFamily="34" charset="0"/>
+                        </a:rPr>
+                        <a:t>patient_id</a:t>
+                      </a:r>
+                    </a:p>
+                  </a:txBody>
+                  <a:tcPr marL="7620" marR="7620" marT="7620" marB="0" anchor="b">
+                    <a:lnL>
+                      <a:noFill/>
+                    </a:lnL>
+                    <a:lnR>
+                      <a:noFill/>
+                    </a:lnR>
+                    <a:lnT>
+                      <a:noFill/>
+                    </a:lnT>
+                    <a:lnB>
+                      <a:noFill/>
+                    </a:lnB>
+                  </a:tcPr>
+                </a:tc>
+                <a:tc>
+                  <a:txBody>
+                    <a:bodyPr/>
+                    <a:lstStyle/>
+                    <a:p>
+                      <a:pPr algn="l" fontAlgn="b"/>
+                      <a:r>
+                        <a:rPr lang="en-GB" sz="1100" b="0" i="0" u="none" strike="noStrike">
+                          <a:solidFill>
+                            <a:srgbClr val="000000"/>
+                          </a:solidFill>
+                          <a:effectLst/>
+                          <a:latin typeface="Calibri" panose="020F0502020204030204" pitchFamily="34" charset="0"/>
+                        </a:rPr>
+                        <a:t>id</a:t>
+                      </a:r>
+                    </a:p>
+                  </a:txBody>
+                  <a:tcPr marL="7620" marR="7620" marT="7620" marB="0" anchor="b">
+                    <a:lnL>
+                      <a:noFill/>
+                    </a:lnL>
+                    <a:lnR>
+                      <a:noFill/>
+                    </a:lnR>
+                    <a:lnT>
+                      <a:noFill/>
+                    </a:lnT>
+                    <a:lnB>
+                      <a:noFill/>
+                    </a:lnB>
+                  </a:tcPr>
+                </a:tc>
+                <a:tc>
+                  <a:txBody>
+                    <a:bodyPr/>
+                    <a:lstStyle/>
+                    <a:p>
+                      <a:pPr algn="l" fontAlgn="b"/>
+                      <a:r>
+                        <a:rPr lang="en-GB" sz="1100" b="0" i="0" u="none" strike="noStrike">
+                          <a:solidFill>
+                            <a:srgbClr val="000000"/>
+                          </a:solidFill>
+                          <a:effectLst/>
+                          <a:latin typeface="Calibri" panose="020F0502020204030204" pitchFamily="34" charset="0"/>
+                        </a:rPr>
+                        <a:t>group</a:t>
+                      </a:r>
+                    </a:p>
+                  </a:txBody>
+                  <a:tcPr marL="7620" marR="7620" marT="7620" marB="0" anchor="b">
+                    <a:lnL>
+                      <a:noFill/>
+                    </a:lnL>
+                    <a:lnR>
+                      <a:noFill/>
+                    </a:lnR>
+                    <a:lnT>
+                      <a:noFill/>
+                    </a:lnT>
+                    <a:lnB>
+                      <a:noFill/>
+                    </a:lnB>
+                  </a:tcPr>
+                </a:tc>
+                <a:tc>
+                  <a:txBody>
+                    <a:bodyPr/>
+                    <a:lstStyle/>
+                    <a:p>
+                      <a:pPr algn="l" fontAlgn="b"/>
+                      <a:r>
+                        <a:rPr lang="en-GB" sz="1100" b="0" i="0" u="none" strike="noStrike">
+                          <a:solidFill>
+                            <a:srgbClr val="000000"/>
+                          </a:solidFill>
+                          <a:effectLst/>
+                          <a:latin typeface="Calibri" panose="020F0502020204030204" pitchFamily="34" charset="0"/>
+                        </a:rPr>
+                        <a:t>intervention</a:t>
+                      </a:r>
+                    </a:p>
+                  </a:txBody>
+                  <a:tcPr marL="7620" marR="7620" marT="7620" marB="0" anchor="b">
+                    <a:lnL>
+                      <a:noFill/>
+                    </a:lnL>
+                    <a:lnR>
+                      <a:noFill/>
+                    </a:lnR>
+                    <a:lnT>
+                      <a:noFill/>
+                    </a:lnT>
+                    <a:lnB>
+                      <a:noFill/>
+                    </a:lnB>
+                  </a:tcPr>
+                </a:tc>
+                <a:tc>
+                  <a:txBody>
+                    <a:bodyPr/>
+                    <a:lstStyle/>
+                    <a:p>
+                      <a:pPr algn="l" fontAlgn="b"/>
+                      <a:r>
+                        <a:rPr lang="en-GB" sz="1100" b="0" i="0" u="none" strike="noStrike">
+                          <a:solidFill>
+                            <a:srgbClr val="000000"/>
+                          </a:solidFill>
+                          <a:effectLst/>
+                          <a:latin typeface="Calibri" panose="020F0502020204030204" pitchFamily="34" charset="0"/>
+                        </a:rPr>
+                        <a:t>numBeeped</a:t>
+                      </a:r>
+                    </a:p>
+                  </a:txBody>
+                  <a:tcPr marL="7620" marR="7620" marT="7620" marB="0" anchor="b">
+                    <a:lnL>
+                      <a:noFill/>
+                    </a:lnL>
+                    <a:lnR>
+                      <a:noFill/>
+                    </a:lnR>
+                    <a:lnT>
+                      <a:noFill/>
+                    </a:lnT>
+                    <a:lnB>
+                      <a:noFill/>
+                    </a:lnB>
+                  </a:tcPr>
+                </a:tc>
+                <a:tc>
+                  <a:txBody>
+                    <a:bodyPr/>
+                    <a:lstStyle/>
+                    <a:p>
+                      <a:pPr algn="l" fontAlgn="b"/>
+                      <a:r>
+                        <a:rPr lang="en-GB" sz="1100" b="0" i="0" u="none" strike="noStrike">
+                          <a:solidFill>
+                            <a:srgbClr val="000000"/>
+                          </a:solidFill>
+                          <a:effectLst/>
+                          <a:latin typeface="Calibri" panose="020F0502020204030204" pitchFamily="34" charset="0"/>
+                        </a:rPr>
+                        <a:t>responseRate</a:t>
+                      </a:r>
+                    </a:p>
+                  </a:txBody>
+                  <a:tcPr marL="7620" marR="7620" marT="7620" marB="0" anchor="b">
+                    <a:lnL>
+                      <a:noFill/>
+                    </a:lnL>
+                    <a:lnR>
+                      <a:noFill/>
+                    </a:lnR>
+                    <a:lnT>
+                      <a:noFill/>
+                    </a:lnT>
+                    <a:lnB>
+                      <a:noFill/>
+                    </a:lnB>
+                  </a:tcPr>
+                </a:tc>
+                <a:extLst>
+                  <a:ext uri="{0D108BD9-81ED-4DB2-BD59-A6C34878D82A}">
+                    <a16:rowId xmlns:a16="http://schemas.microsoft.com/office/drawing/2014/main" val="391710159"/>
+                  </a:ext>
+                </a:extLst>
+              </a:tr>
+              <a:tr h="211081">
+                <a:tc>
+                  <a:txBody>
+                    <a:bodyPr/>
+                    <a:lstStyle/>
+                    <a:p>
+                      <a:pPr algn="l" fontAlgn="b"/>
+                      <a:r>
+                        <a:rPr lang="en-GB" sz="1100" b="0" i="0" u="none" strike="noStrike" dirty="0">
+                          <a:solidFill>
+                            <a:srgbClr val="000000"/>
+                          </a:solidFill>
+                          <a:effectLst/>
+                          <a:latin typeface="Calibri" panose="020F0502020204030204" pitchFamily="34" charset="0"/>
+                        </a:rPr>
+                        <a:t>md-031fd810b25401391af60242ac120002</a:t>
+                      </a:r>
+                    </a:p>
+                  </a:txBody>
+                  <a:tcPr marL="7620" marR="7620" marT="7620" marB="0" anchor="b">
+                    <a:lnL>
+                      <a:noFill/>
+                    </a:lnL>
+                    <a:lnR>
+                      <a:noFill/>
+                    </a:lnR>
+                    <a:lnT>
+                      <a:noFill/>
+                    </a:lnT>
+                    <a:lnB>
+                      <a:noFill/>
+                    </a:lnB>
+                  </a:tcPr>
+                </a:tc>
+                <a:tc>
+                  <a:txBody>
+                    <a:bodyPr/>
+                    <a:lstStyle/>
+                    <a:p>
+                      <a:pPr algn="l" fontAlgn="b"/>
+                      <a:r>
+                        <a:rPr lang="en-GB" sz="1100" b="0" i="0" u="none" strike="noStrike">
+                          <a:solidFill>
+                            <a:srgbClr val="000000"/>
+                          </a:solidFill>
+                          <a:effectLst/>
+                          <a:latin typeface="Calibri" panose="020F0502020204030204" pitchFamily="34" charset="0"/>
+                        </a:rPr>
+                        <a:t>NA</a:t>
+                      </a:r>
+                    </a:p>
+                  </a:txBody>
+                  <a:tcPr marL="7620" marR="7620" marT="7620" marB="0" anchor="b">
+                    <a:lnL>
+                      <a:noFill/>
+                    </a:lnL>
+                    <a:lnR>
+                      <a:noFill/>
+                    </a:lnR>
+                    <a:lnT>
+                      <a:noFill/>
+                    </a:lnT>
+                    <a:lnB>
+                      <a:noFill/>
+                    </a:lnB>
+                  </a:tcPr>
+                </a:tc>
+                <a:tc>
+                  <a:txBody>
+                    <a:bodyPr/>
+                    <a:lstStyle/>
+                    <a:p>
+                      <a:pPr algn="l" fontAlgn="b"/>
+                      <a:r>
+                        <a:rPr lang="en-GB" sz="1100" b="0" i="0" u="none" strike="noStrike">
+                          <a:solidFill>
+                            <a:srgbClr val="000000"/>
+                          </a:solidFill>
+                          <a:effectLst/>
+                          <a:latin typeface="Calibri" panose="020F0502020204030204" pitchFamily="34" charset="0"/>
+                        </a:rPr>
+                        <a:t>NA</a:t>
+                      </a:r>
+                    </a:p>
+                  </a:txBody>
+                  <a:tcPr marL="7620" marR="7620" marT="7620" marB="0" anchor="b">
+                    <a:lnL>
+                      <a:noFill/>
+                    </a:lnL>
+                    <a:lnR>
+                      <a:noFill/>
+                    </a:lnR>
+                    <a:lnT>
+                      <a:noFill/>
+                    </a:lnT>
+                    <a:lnB>
+                      <a:noFill/>
+                    </a:lnB>
+                  </a:tcPr>
+                </a:tc>
+                <a:tc>
+                  <a:txBody>
+                    <a:bodyPr/>
+                    <a:lstStyle/>
+                    <a:p>
+                      <a:pPr algn="l" fontAlgn="b"/>
+                      <a:r>
+                        <a:rPr lang="en-GB" sz="1100" b="0" i="0" u="none" strike="noStrike">
+                          <a:solidFill>
+                            <a:srgbClr val="000000"/>
+                          </a:solidFill>
+                          <a:effectLst/>
+                          <a:latin typeface="Calibri" panose="020F0502020204030204" pitchFamily="34" charset="0"/>
+                        </a:rPr>
+                        <a:t>NA</a:t>
+                      </a:r>
+                    </a:p>
+                  </a:txBody>
+                  <a:tcPr marL="7620" marR="7620" marT="7620" marB="0" anchor="b">
+                    <a:lnL>
+                      <a:noFill/>
+                    </a:lnL>
+                    <a:lnR>
+                      <a:noFill/>
+                    </a:lnR>
+                    <a:lnT>
+                      <a:noFill/>
+                    </a:lnT>
+                    <a:lnB>
+                      <a:noFill/>
+                    </a:lnB>
+                  </a:tcPr>
+                </a:tc>
+                <a:tc>
+                  <a:txBody>
+                    <a:bodyPr/>
+                    <a:lstStyle/>
+                    <a:p>
+                      <a:pPr algn="r" fontAlgn="b"/>
+                      <a:r>
+                        <a:rPr lang="en-AT" sz="1100" b="0" i="0" u="none" strike="noStrike">
+                          <a:solidFill>
+                            <a:srgbClr val="000000"/>
+                          </a:solidFill>
+                          <a:effectLst/>
+                          <a:latin typeface="Calibri" panose="020F0502020204030204" pitchFamily="34" charset="0"/>
+                        </a:rPr>
+                        <a:t>5</a:t>
+                      </a:r>
+                    </a:p>
+                  </a:txBody>
+                  <a:tcPr marL="7620" marR="7620" marT="7620" marB="0" anchor="b">
+                    <a:lnL>
+                      <a:noFill/>
+                    </a:lnL>
+                    <a:lnR>
+                      <a:noFill/>
+                    </a:lnR>
+                    <a:lnT>
+                      <a:noFill/>
+                    </a:lnT>
+                    <a:lnB>
+                      <a:noFill/>
+                    </a:lnB>
+                  </a:tcPr>
+                </a:tc>
+                <a:tc>
+                  <a:txBody>
+                    <a:bodyPr/>
+                    <a:lstStyle/>
+                    <a:p>
+                      <a:pPr algn="r" fontAlgn="b"/>
+                      <a:r>
+                        <a:rPr lang="en-AT" sz="1100" b="0" i="0" u="none" strike="noStrike">
+                          <a:solidFill>
+                            <a:srgbClr val="000000"/>
+                          </a:solidFill>
+                          <a:effectLst/>
+                          <a:latin typeface="Calibri" panose="020F0502020204030204" pitchFamily="34" charset="0"/>
+                        </a:rPr>
+                        <a:t>0</a:t>
+                      </a:r>
+                    </a:p>
+                  </a:txBody>
+                  <a:tcPr marL="7620" marR="7620" marT="7620" marB="0" anchor="b">
+                    <a:lnL>
+                      <a:noFill/>
+                    </a:lnL>
+                    <a:lnR>
+                      <a:noFill/>
+                    </a:lnR>
+                    <a:lnT>
+                      <a:noFill/>
+                    </a:lnT>
+                    <a:lnB>
+                      <a:noFill/>
+                    </a:lnB>
+                  </a:tcPr>
+                </a:tc>
+                <a:extLst>
+                  <a:ext uri="{0D108BD9-81ED-4DB2-BD59-A6C34878D82A}">
+                    <a16:rowId xmlns:a16="http://schemas.microsoft.com/office/drawing/2014/main" val="2713478393"/>
+                  </a:ext>
+                </a:extLst>
+              </a:tr>
+              <a:tr h="211081">
+                <a:tc>
+                  <a:txBody>
+                    <a:bodyPr/>
+                    <a:lstStyle/>
+                    <a:p>
+                      <a:pPr algn="l" fontAlgn="b"/>
+                      <a:r>
+                        <a:rPr lang="en-GB" sz="1100" b="0" i="0" u="none" strike="noStrike">
+                          <a:solidFill>
+                            <a:srgbClr val="000000"/>
+                          </a:solidFill>
+                          <a:effectLst/>
+                          <a:latin typeface="Calibri" panose="020F0502020204030204" pitchFamily="34" charset="0"/>
+                        </a:rPr>
+                        <a:t>md-0f7ce6d02fcd0138a7a20242ac120002</a:t>
+                      </a:r>
+                    </a:p>
+                  </a:txBody>
+                  <a:tcPr marL="7620" marR="7620" marT="7620" marB="0" anchor="b">
+                    <a:lnL>
+                      <a:noFill/>
+                    </a:lnL>
+                    <a:lnR>
+                      <a:noFill/>
+                    </a:lnR>
+                    <a:lnT>
+                      <a:noFill/>
+                    </a:lnT>
+                    <a:lnB>
+                      <a:noFill/>
+                    </a:lnB>
+                  </a:tcPr>
+                </a:tc>
+                <a:tc>
+                  <a:txBody>
+                    <a:bodyPr/>
+                    <a:lstStyle/>
+                    <a:p>
+                      <a:pPr algn="l" fontAlgn="b"/>
+                      <a:r>
+                        <a:rPr lang="en-GB" sz="1100" b="0" i="0" u="none" strike="noStrike">
+                          <a:solidFill>
+                            <a:srgbClr val="000000"/>
+                          </a:solidFill>
+                          <a:effectLst/>
+                          <a:latin typeface="Calibri" panose="020F0502020204030204" pitchFamily="34" charset="0"/>
+                        </a:rPr>
+                        <a:t>NA</a:t>
+                      </a:r>
+                    </a:p>
+                  </a:txBody>
+                  <a:tcPr marL="7620" marR="7620" marT="7620" marB="0" anchor="b">
+                    <a:lnL>
+                      <a:noFill/>
+                    </a:lnL>
+                    <a:lnR>
+                      <a:noFill/>
+                    </a:lnR>
+                    <a:lnT>
+                      <a:noFill/>
+                    </a:lnT>
+                    <a:lnB>
+                      <a:noFill/>
+                    </a:lnB>
+                  </a:tcPr>
+                </a:tc>
+                <a:tc>
+                  <a:txBody>
+                    <a:bodyPr/>
+                    <a:lstStyle/>
+                    <a:p>
+                      <a:pPr algn="l" fontAlgn="b"/>
+                      <a:r>
+                        <a:rPr lang="en-GB" sz="1100" b="0" i="0" u="none" strike="noStrike">
+                          <a:solidFill>
+                            <a:srgbClr val="000000"/>
+                          </a:solidFill>
+                          <a:effectLst/>
+                          <a:latin typeface="Calibri" panose="020F0502020204030204" pitchFamily="34" charset="0"/>
+                        </a:rPr>
+                        <a:t>NA</a:t>
+                      </a:r>
+                    </a:p>
+                  </a:txBody>
+                  <a:tcPr marL="7620" marR="7620" marT="7620" marB="0" anchor="b">
+                    <a:lnL>
+                      <a:noFill/>
+                    </a:lnL>
+                    <a:lnR>
+                      <a:noFill/>
+                    </a:lnR>
+                    <a:lnT>
+                      <a:noFill/>
+                    </a:lnT>
+                    <a:lnB>
+                      <a:noFill/>
+                    </a:lnB>
+                  </a:tcPr>
+                </a:tc>
+                <a:tc>
+                  <a:txBody>
+                    <a:bodyPr/>
+                    <a:lstStyle/>
+                    <a:p>
+                      <a:pPr algn="l" fontAlgn="b"/>
+                      <a:r>
+                        <a:rPr lang="en-GB" sz="1100" b="0" i="0" u="none" strike="noStrike">
+                          <a:solidFill>
+                            <a:srgbClr val="000000"/>
+                          </a:solidFill>
+                          <a:effectLst/>
+                          <a:latin typeface="Calibri" panose="020F0502020204030204" pitchFamily="34" charset="0"/>
+                        </a:rPr>
+                        <a:t>NA</a:t>
+                      </a:r>
+                    </a:p>
+                  </a:txBody>
+                  <a:tcPr marL="7620" marR="7620" marT="7620" marB="0" anchor="b">
+                    <a:lnL>
+                      <a:noFill/>
+                    </a:lnL>
+                    <a:lnR>
+                      <a:noFill/>
+                    </a:lnR>
+                    <a:lnT>
+                      <a:noFill/>
+                    </a:lnT>
+                    <a:lnB>
+                      <a:noFill/>
+                    </a:lnB>
+                  </a:tcPr>
+                </a:tc>
+                <a:tc>
+                  <a:txBody>
+                    <a:bodyPr/>
+                    <a:lstStyle/>
+                    <a:p>
+                      <a:pPr algn="r" fontAlgn="b"/>
+                      <a:r>
+                        <a:rPr lang="en-AT" sz="1100" b="0" i="0" u="none" strike="noStrike">
+                          <a:solidFill>
+                            <a:srgbClr val="000000"/>
+                          </a:solidFill>
+                          <a:effectLst/>
+                          <a:latin typeface="Calibri" panose="020F0502020204030204" pitchFamily="34" charset="0"/>
+                        </a:rPr>
+                        <a:t>70</a:t>
+                      </a:r>
+                    </a:p>
+                  </a:txBody>
+                  <a:tcPr marL="7620" marR="7620" marT="7620" marB="0" anchor="b">
+                    <a:lnL>
+                      <a:noFill/>
+                    </a:lnL>
+                    <a:lnR>
+                      <a:noFill/>
+                    </a:lnR>
+                    <a:lnT>
+                      <a:noFill/>
+                    </a:lnT>
+                    <a:lnB>
+                      <a:noFill/>
+                    </a:lnB>
+                  </a:tcPr>
+                </a:tc>
+                <a:tc>
+                  <a:txBody>
+                    <a:bodyPr/>
+                    <a:lstStyle/>
+                    <a:p>
+                      <a:pPr algn="r" fontAlgn="b"/>
+                      <a:r>
+                        <a:rPr lang="en-AT" sz="1100" b="0" i="0" u="none" strike="noStrike">
+                          <a:solidFill>
+                            <a:srgbClr val="000000"/>
+                          </a:solidFill>
+                          <a:effectLst/>
+                          <a:latin typeface="Calibri" panose="020F0502020204030204" pitchFamily="34" charset="0"/>
+                        </a:rPr>
+                        <a:t>0.56</a:t>
+                      </a:r>
+                    </a:p>
+                  </a:txBody>
+                  <a:tcPr marL="7620" marR="7620" marT="7620" marB="0" anchor="b">
+                    <a:lnL>
+                      <a:noFill/>
+                    </a:lnL>
+                    <a:lnR>
+                      <a:noFill/>
+                    </a:lnR>
+                    <a:lnT>
+                      <a:noFill/>
+                    </a:lnT>
+                    <a:lnB>
+                      <a:noFill/>
+                    </a:lnB>
+                  </a:tcPr>
+                </a:tc>
+                <a:extLst>
+                  <a:ext uri="{0D108BD9-81ED-4DB2-BD59-A6C34878D82A}">
+                    <a16:rowId xmlns:a16="http://schemas.microsoft.com/office/drawing/2014/main" val="1912402101"/>
+                  </a:ext>
+                </a:extLst>
+              </a:tr>
+              <a:tr h="211081">
+                <a:tc>
+                  <a:txBody>
+                    <a:bodyPr/>
+                    <a:lstStyle/>
+                    <a:p>
+                      <a:pPr algn="l" fontAlgn="b"/>
+                      <a:r>
+                        <a:rPr lang="en-GB" sz="1100" b="0" i="0" u="none" strike="noStrike">
+                          <a:solidFill>
+                            <a:srgbClr val="000000"/>
+                          </a:solidFill>
+                          <a:effectLst/>
+                          <a:latin typeface="Calibri" panose="020F0502020204030204" pitchFamily="34" charset="0"/>
+                        </a:rPr>
+                        <a:t>md-14a53fa038ce013a771d0242ac120003</a:t>
+                      </a:r>
+                    </a:p>
+                  </a:txBody>
+                  <a:tcPr marL="7620" marR="7620" marT="7620" marB="0" anchor="b">
+                    <a:lnL>
+                      <a:noFill/>
+                    </a:lnL>
+                    <a:lnR>
+                      <a:noFill/>
+                    </a:lnR>
+                    <a:lnT>
+                      <a:noFill/>
+                    </a:lnT>
+                    <a:lnB>
+                      <a:noFill/>
+                    </a:lnB>
+                  </a:tcPr>
+                </a:tc>
+                <a:tc>
+                  <a:txBody>
+                    <a:bodyPr/>
+                    <a:lstStyle/>
+                    <a:p>
+                      <a:pPr algn="l" fontAlgn="b"/>
+                      <a:r>
+                        <a:rPr lang="en-GB" sz="1100" b="0" i="0" u="none" strike="noStrike">
+                          <a:solidFill>
+                            <a:srgbClr val="000000"/>
+                          </a:solidFill>
+                          <a:effectLst/>
+                          <a:latin typeface="Calibri" panose="020F0502020204030204" pitchFamily="34" charset="0"/>
+                        </a:rPr>
+                        <a:t>NA</a:t>
+                      </a:r>
+                    </a:p>
+                  </a:txBody>
+                  <a:tcPr marL="7620" marR="7620" marT="7620" marB="0" anchor="b">
+                    <a:lnL>
+                      <a:noFill/>
+                    </a:lnL>
+                    <a:lnR>
+                      <a:noFill/>
+                    </a:lnR>
+                    <a:lnT>
+                      <a:noFill/>
+                    </a:lnT>
+                    <a:lnB>
+                      <a:noFill/>
+                    </a:lnB>
+                  </a:tcPr>
+                </a:tc>
+                <a:tc>
+                  <a:txBody>
+                    <a:bodyPr/>
+                    <a:lstStyle/>
+                    <a:p>
+                      <a:pPr algn="l" fontAlgn="b"/>
+                      <a:r>
+                        <a:rPr lang="en-GB" sz="1100" b="0" i="0" u="none" strike="noStrike">
+                          <a:solidFill>
+                            <a:srgbClr val="000000"/>
+                          </a:solidFill>
+                          <a:effectLst/>
+                          <a:latin typeface="Calibri" panose="020F0502020204030204" pitchFamily="34" charset="0"/>
+                        </a:rPr>
+                        <a:t>NA</a:t>
+                      </a:r>
+                    </a:p>
+                  </a:txBody>
+                  <a:tcPr marL="7620" marR="7620" marT="7620" marB="0" anchor="b">
+                    <a:lnL>
+                      <a:noFill/>
+                    </a:lnL>
+                    <a:lnR>
+                      <a:noFill/>
+                    </a:lnR>
+                    <a:lnT>
+                      <a:noFill/>
+                    </a:lnT>
+                    <a:lnB>
+                      <a:noFill/>
+                    </a:lnB>
+                  </a:tcPr>
+                </a:tc>
+                <a:tc>
+                  <a:txBody>
+                    <a:bodyPr/>
+                    <a:lstStyle/>
+                    <a:p>
+                      <a:pPr algn="l" fontAlgn="b"/>
+                      <a:r>
+                        <a:rPr lang="en-GB" sz="1100" b="0" i="0" u="none" strike="noStrike">
+                          <a:solidFill>
+                            <a:srgbClr val="000000"/>
+                          </a:solidFill>
+                          <a:effectLst/>
+                          <a:latin typeface="Calibri" panose="020F0502020204030204" pitchFamily="34" charset="0"/>
+                        </a:rPr>
+                        <a:t>NA</a:t>
+                      </a:r>
+                    </a:p>
+                  </a:txBody>
+                  <a:tcPr marL="7620" marR="7620" marT="7620" marB="0" anchor="b">
+                    <a:lnL>
+                      <a:noFill/>
+                    </a:lnL>
+                    <a:lnR>
+                      <a:noFill/>
+                    </a:lnR>
+                    <a:lnT>
+                      <a:noFill/>
+                    </a:lnT>
+                    <a:lnB>
+                      <a:noFill/>
+                    </a:lnB>
+                  </a:tcPr>
+                </a:tc>
+                <a:tc>
+                  <a:txBody>
+                    <a:bodyPr/>
+                    <a:lstStyle/>
+                    <a:p>
+                      <a:pPr algn="r" fontAlgn="b"/>
+                      <a:r>
+                        <a:rPr lang="en-AT" sz="1100" b="0" i="0" u="none" strike="noStrike">
+                          <a:solidFill>
+                            <a:srgbClr val="000000"/>
+                          </a:solidFill>
+                          <a:effectLst/>
+                          <a:latin typeface="Calibri" panose="020F0502020204030204" pitchFamily="34" charset="0"/>
+                        </a:rPr>
+                        <a:t>10</a:t>
+                      </a:r>
+                    </a:p>
+                  </a:txBody>
+                  <a:tcPr marL="7620" marR="7620" marT="7620" marB="0" anchor="b">
+                    <a:lnL>
+                      <a:noFill/>
+                    </a:lnL>
+                    <a:lnR>
+                      <a:noFill/>
+                    </a:lnR>
+                    <a:lnT>
+                      <a:noFill/>
+                    </a:lnT>
+                    <a:lnB>
+                      <a:noFill/>
+                    </a:lnB>
+                  </a:tcPr>
+                </a:tc>
+                <a:tc>
+                  <a:txBody>
+                    <a:bodyPr/>
+                    <a:lstStyle/>
+                    <a:p>
+                      <a:pPr algn="r" fontAlgn="b"/>
+                      <a:r>
+                        <a:rPr lang="en-AT" sz="1100" b="0" i="0" u="none" strike="noStrike">
+                          <a:solidFill>
+                            <a:srgbClr val="000000"/>
+                          </a:solidFill>
+                          <a:effectLst/>
+                          <a:latin typeface="Calibri" panose="020F0502020204030204" pitchFamily="34" charset="0"/>
+                        </a:rPr>
+                        <a:t>0.2</a:t>
+                      </a:r>
+                    </a:p>
+                  </a:txBody>
+                  <a:tcPr marL="7620" marR="7620" marT="7620" marB="0" anchor="b">
+                    <a:lnL>
+                      <a:noFill/>
+                    </a:lnL>
+                    <a:lnR>
+                      <a:noFill/>
+                    </a:lnR>
+                    <a:lnT>
+                      <a:noFill/>
+                    </a:lnT>
+                    <a:lnB>
+                      <a:noFill/>
+                    </a:lnB>
+                  </a:tcPr>
+                </a:tc>
+                <a:extLst>
+                  <a:ext uri="{0D108BD9-81ED-4DB2-BD59-A6C34878D82A}">
+                    <a16:rowId xmlns:a16="http://schemas.microsoft.com/office/drawing/2014/main" val="2772051462"/>
+                  </a:ext>
+                </a:extLst>
+              </a:tr>
+              <a:tr h="211081">
+                <a:tc>
+                  <a:txBody>
+                    <a:bodyPr/>
+                    <a:lstStyle/>
+                    <a:p>
+                      <a:pPr algn="l" fontAlgn="b"/>
+                      <a:r>
+                        <a:rPr lang="en-GB" sz="1100" b="0" i="0" u="none" strike="noStrike">
+                          <a:solidFill>
+                            <a:srgbClr val="000000"/>
+                          </a:solidFill>
+                          <a:effectLst/>
+                          <a:latin typeface="Calibri" panose="020F0502020204030204" pitchFamily="34" charset="0"/>
+                        </a:rPr>
+                        <a:t>md-1a8d57203a1401393fe60242ac120002</a:t>
+                      </a:r>
+                    </a:p>
+                  </a:txBody>
+                  <a:tcPr marL="7620" marR="7620" marT="7620" marB="0" anchor="b">
+                    <a:lnL>
+                      <a:noFill/>
+                    </a:lnL>
+                    <a:lnR>
+                      <a:noFill/>
+                    </a:lnR>
+                    <a:lnT>
+                      <a:noFill/>
+                    </a:lnT>
+                    <a:lnB>
+                      <a:noFill/>
+                    </a:lnB>
+                  </a:tcPr>
+                </a:tc>
+                <a:tc>
+                  <a:txBody>
+                    <a:bodyPr/>
+                    <a:lstStyle/>
+                    <a:p>
+                      <a:pPr algn="l" fontAlgn="b"/>
+                      <a:r>
+                        <a:rPr lang="en-GB" sz="1100" b="0" i="0" u="none" strike="noStrike">
+                          <a:solidFill>
+                            <a:srgbClr val="000000"/>
+                          </a:solidFill>
+                          <a:effectLst/>
+                          <a:latin typeface="Calibri" panose="020F0502020204030204" pitchFamily="34" charset="0"/>
+                        </a:rPr>
+                        <a:t>NA</a:t>
+                      </a:r>
+                    </a:p>
+                  </a:txBody>
+                  <a:tcPr marL="7620" marR="7620" marT="7620" marB="0" anchor="b">
+                    <a:lnL>
+                      <a:noFill/>
+                    </a:lnL>
+                    <a:lnR>
+                      <a:noFill/>
+                    </a:lnR>
+                    <a:lnT>
+                      <a:noFill/>
+                    </a:lnT>
+                    <a:lnB>
+                      <a:noFill/>
+                    </a:lnB>
+                  </a:tcPr>
+                </a:tc>
+                <a:tc>
+                  <a:txBody>
+                    <a:bodyPr/>
+                    <a:lstStyle/>
+                    <a:p>
+                      <a:pPr algn="l" fontAlgn="b"/>
+                      <a:r>
+                        <a:rPr lang="en-GB" sz="1100" b="0" i="0" u="none" strike="noStrike">
+                          <a:solidFill>
+                            <a:srgbClr val="000000"/>
+                          </a:solidFill>
+                          <a:effectLst/>
+                          <a:latin typeface="Calibri" panose="020F0502020204030204" pitchFamily="34" charset="0"/>
+                        </a:rPr>
+                        <a:t>NA</a:t>
+                      </a:r>
+                    </a:p>
+                  </a:txBody>
+                  <a:tcPr marL="7620" marR="7620" marT="7620" marB="0" anchor="b">
+                    <a:lnL>
+                      <a:noFill/>
+                    </a:lnL>
+                    <a:lnR>
+                      <a:noFill/>
+                    </a:lnR>
+                    <a:lnT>
+                      <a:noFill/>
+                    </a:lnT>
+                    <a:lnB>
+                      <a:noFill/>
+                    </a:lnB>
+                  </a:tcPr>
+                </a:tc>
+                <a:tc>
+                  <a:txBody>
+                    <a:bodyPr/>
+                    <a:lstStyle/>
+                    <a:p>
+                      <a:pPr algn="l" fontAlgn="b"/>
+                      <a:r>
+                        <a:rPr lang="en-GB" sz="1100" b="0" i="0" u="none" strike="noStrike">
+                          <a:solidFill>
+                            <a:srgbClr val="000000"/>
+                          </a:solidFill>
+                          <a:effectLst/>
+                          <a:latin typeface="Calibri" panose="020F0502020204030204" pitchFamily="34" charset="0"/>
+                        </a:rPr>
+                        <a:t>NA</a:t>
+                      </a:r>
+                    </a:p>
+                  </a:txBody>
+                  <a:tcPr marL="7620" marR="7620" marT="7620" marB="0" anchor="b">
+                    <a:lnL>
+                      <a:noFill/>
+                    </a:lnL>
+                    <a:lnR>
+                      <a:noFill/>
+                    </a:lnR>
+                    <a:lnT>
+                      <a:noFill/>
+                    </a:lnT>
+                    <a:lnB>
+                      <a:noFill/>
+                    </a:lnB>
+                  </a:tcPr>
+                </a:tc>
+                <a:tc>
+                  <a:txBody>
+                    <a:bodyPr/>
+                    <a:lstStyle/>
+                    <a:p>
+                      <a:pPr algn="r" fontAlgn="b"/>
+                      <a:r>
+                        <a:rPr lang="en-AT" sz="1100" b="0" i="0" u="none" strike="noStrike">
+                          <a:solidFill>
+                            <a:srgbClr val="000000"/>
+                          </a:solidFill>
+                          <a:effectLst/>
+                          <a:latin typeface="Calibri" panose="020F0502020204030204" pitchFamily="34" charset="0"/>
+                        </a:rPr>
+                        <a:t>24</a:t>
+                      </a:r>
+                    </a:p>
+                  </a:txBody>
+                  <a:tcPr marL="7620" marR="7620" marT="7620" marB="0" anchor="b">
+                    <a:lnL>
+                      <a:noFill/>
+                    </a:lnL>
+                    <a:lnR>
+                      <a:noFill/>
+                    </a:lnR>
+                    <a:lnT>
+                      <a:noFill/>
+                    </a:lnT>
+                    <a:lnB>
+                      <a:noFill/>
+                    </a:lnB>
+                  </a:tcPr>
+                </a:tc>
+                <a:tc>
+                  <a:txBody>
+                    <a:bodyPr/>
+                    <a:lstStyle/>
+                    <a:p>
+                      <a:pPr algn="r" fontAlgn="b"/>
+                      <a:r>
+                        <a:rPr lang="en-AT" sz="1100" b="0" i="0" u="none" strike="noStrike">
+                          <a:solidFill>
+                            <a:srgbClr val="000000"/>
+                          </a:solidFill>
+                          <a:effectLst/>
+                          <a:latin typeface="Calibri" panose="020F0502020204030204" pitchFamily="34" charset="0"/>
+                        </a:rPr>
+                        <a:t>0.62</a:t>
+                      </a:r>
+                    </a:p>
+                  </a:txBody>
+                  <a:tcPr marL="7620" marR="7620" marT="7620" marB="0" anchor="b">
+                    <a:lnL>
+                      <a:noFill/>
+                    </a:lnL>
+                    <a:lnR>
+                      <a:noFill/>
+                    </a:lnR>
+                    <a:lnT>
+                      <a:noFill/>
+                    </a:lnT>
+                    <a:lnB>
+                      <a:noFill/>
+                    </a:lnB>
+                  </a:tcPr>
+                </a:tc>
+                <a:extLst>
+                  <a:ext uri="{0D108BD9-81ED-4DB2-BD59-A6C34878D82A}">
+                    <a16:rowId xmlns:a16="http://schemas.microsoft.com/office/drawing/2014/main" val="2392660202"/>
+                  </a:ext>
+                </a:extLst>
+              </a:tr>
+              <a:tr h="211081">
+                <a:tc>
+                  <a:txBody>
+                    <a:bodyPr/>
+                    <a:lstStyle/>
+                    <a:p>
+                      <a:pPr algn="l" fontAlgn="b"/>
+                      <a:r>
+                        <a:rPr lang="en-GB" sz="1100" b="0" i="0" u="none" strike="noStrike">
+                          <a:solidFill>
+                            <a:srgbClr val="000000"/>
+                          </a:solidFill>
+                          <a:effectLst/>
+                          <a:latin typeface="Calibri" panose="020F0502020204030204" pitchFamily="34" charset="0"/>
+                        </a:rPr>
+                        <a:t>md-2d236e801b710139743f0242ac120003</a:t>
+                      </a:r>
+                    </a:p>
+                  </a:txBody>
+                  <a:tcPr marL="7620" marR="7620" marT="7620" marB="0" anchor="b">
+                    <a:lnL>
+                      <a:noFill/>
+                    </a:lnL>
+                    <a:lnR>
+                      <a:noFill/>
+                    </a:lnR>
+                    <a:lnT>
+                      <a:noFill/>
+                    </a:lnT>
+                    <a:lnB>
+                      <a:noFill/>
+                    </a:lnB>
+                  </a:tcPr>
+                </a:tc>
+                <a:tc>
+                  <a:txBody>
+                    <a:bodyPr/>
+                    <a:lstStyle/>
+                    <a:p>
+                      <a:pPr algn="l" fontAlgn="b"/>
+                      <a:r>
+                        <a:rPr lang="en-GB" sz="1100" b="0" i="0" u="none" strike="noStrike">
+                          <a:solidFill>
+                            <a:srgbClr val="000000"/>
+                          </a:solidFill>
+                          <a:effectLst/>
+                          <a:latin typeface="Calibri" panose="020F0502020204030204" pitchFamily="34" charset="0"/>
+                        </a:rPr>
+                        <a:t>NA</a:t>
+                      </a:r>
+                    </a:p>
+                  </a:txBody>
+                  <a:tcPr marL="7620" marR="7620" marT="7620" marB="0" anchor="b">
+                    <a:lnL>
+                      <a:noFill/>
+                    </a:lnL>
+                    <a:lnR>
+                      <a:noFill/>
+                    </a:lnR>
+                    <a:lnT>
+                      <a:noFill/>
+                    </a:lnT>
+                    <a:lnB>
+                      <a:noFill/>
+                    </a:lnB>
+                  </a:tcPr>
+                </a:tc>
+                <a:tc>
+                  <a:txBody>
+                    <a:bodyPr/>
+                    <a:lstStyle/>
+                    <a:p>
+                      <a:pPr algn="l" fontAlgn="b"/>
+                      <a:r>
+                        <a:rPr lang="en-GB" sz="1100" b="0" i="0" u="none" strike="noStrike">
+                          <a:solidFill>
+                            <a:srgbClr val="000000"/>
+                          </a:solidFill>
+                          <a:effectLst/>
+                          <a:latin typeface="Calibri" panose="020F0502020204030204" pitchFamily="34" charset="0"/>
+                        </a:rPr>
+                        <a:t>NA</a:t>
+                      </a:r>
+                    </a:p>
+                  </a:txBody>
+                  <a:tcPr marL="7620" marR="7620" marT="7620" marB="0" anchor="b">
+                    <a:lnL>
+                      <a:noFill/>
+                    </a:lnL>
+                    <a:lnR>
+                      <a:noFill/>
+                    </a:lnR>
+                    <a:lnT>
+                      <a:noFill/>
+                    </a:lnT>
+                    <a:lnB>
+                      <a:noFill/>
+                    </a:lnB>
+                  </a:tcPr>
+                </a:tc>
+                <a:tc>
+                  <a:txBody>
+                    <a:bodyPr/>
+                    <a:lstStyle/>
+                    <a:p>
+                      <a:pPr algn="l" fontAlgn="b"/>
+                      <a:r>
+                        <a:rPr lang="en-GB" sz="1100" b="0" i="0" u="none" strike="noStrike">
+                          <a:solidFill>
+                            <a:srgbClr val="000000"/>
+                          </a:solidFill>
+                          <a:effectLst/>
+                          <a:latin typeface="Calibri" panose="020F0502020204030204" pitchFamily="34" charset="0"/>
+                        </a:rPr>
+                        <a:t>NA</a:t>
+                      </a:r>
+                    </a:p>
+                  </a:txBody>
+                  <a:tcPr marL="7620" marR="7620" marT="7620" marB="0" anchor="b">
+                    <a:lnL>
+                      <a:noFill/>
+                    </a:lnL>
+                    <a:lnR>
+                      <a:noFill/>
+                    </a:lnR>
+                    <a:lnT>
+                      <a:noFill/>
+                    </a:lnT>
+                    <a:lnB>
+                      <a:noFill/>
+                    </a:lnB>
+                  </a:tcPr>
+                </a:tc>
+                <a:tc>
+                  <a:txBody>
+                    <a:bodyPr/>
+                    <a:lstStyle/>
+                    <a:p>
+                      <a:pPr algn="r" fontAlgn="b"/>
+                      <a:r>
+                        <a:rPr lang="en-AT" sz="1100" b="0" i="0" u="none" strike="noStrike">
+                          <a:solidFill>
+                            <a:srgbClr val="000000"/>
+                          </a:solidFill>
+                          <a:effectLst/>
+                          <a:latin typeface="Calibri" panose="020F0502020204030204" pitchFamily="34" charset="0"/>
+                        </a:rPr>
+                        <a:t>140</a:t>
+                      </a:r>
+                    </a:p>
+                  </a:txBody>
+                  <a:tcPr marL="7620" marR="7620" marT="7620" marB="0" anchor="b">
+                    <a:lnL>
+                      <a:noFill/>
+                    </a:lnL>
+                    <a:lnR>
+                      <a:noFill/>
+                    </a:lnR>
+                    <a:lnT>
+                      <a:noFill/>
+                    </a:lnT>
+                    <a:lnB>
+                      <a:noFill/>
+                    </a:lnB>
+                  </a:tcPr>
+                </a:tc>
+                <a:tc>
+                  <a:txBody>
+                    <a:bodyPr/>
+                    <a:lstStyle/>
+                    <a:p>
+                      <a:pPr algn="r" fontAlgn="b"/>
+                      <a:r>
+                        <a:rPr lang="en-AT" sz="1100" b="0" i="0" u="none" strike="noStrike">
+                          <a:solidFill>
+                            <a:srgbClr val="000000"/>
+                          </a:solidFill>
+                          <a:effectLst/>
+                          <a:latin typeface="Calibri" panose="020F0502020204030204" pitchFamily="34" charset="0"/>
+                        </a:rPr>
+                        <a:t>0.68</a:t>
+                      </a:r>
+                    </a:p>
+                  </a:txBody>
+                  <a:tcPr marL="7620" marR="7620" marT="7620" marB="0" anchor="b">
+                    <a:lnL>
+                      <a:noFill/>
+                    </a:lnL>
+                    <a:lnR>
+                      <a:noFill/>
+                    </a:lnR>
+                    <a:lnT>
+                      <a:noFill/>
+                    </a:lnT>
+                    <a:lnB>
+                      <a:noFill/>
+                    </a:lnB>
+                  </a:tcPr>
+                </a:tc>
+                <a:extLst>
+                  <a:ext uri="{0D108BD9-81ED-4DB2-BD59-A6C34878D82A}">
+                    <a16:rowId xmlns:a16="http://schemas.microsoft.com/office/drawing/2014/main" val="3539927286"/>
+                  </a:ext>
+                </a:extLst>
+              </a:tr>
+              <a:tr h="211081">
+                <a:tc>
+                  <a:txBody>
+                    <a:bodyPr/>
+                    <a:lstStyle/>
+                    <a:p>
+                      <a:pPr algn="l" fontAlgn="b"/>
+                      <a:r>
+                        <a:rPr lang="en-GB" sz="1100" b="0" i="0" u="none" strike="noStrike">
+                          <a:solidFill>
+                            <a:srgbClr val="000000"/>
+                          </a:solidFill>
+                          <a:effectLst/>
+                          <a:latin typeface="Calibri" panose="020F0502020204030204" pitchFamily="34" charset="0"/>
+                        </a:rPr>
+                        <a:t>md-2f5b0660359c013a32760242ac120003</a:t>
+                      </a:r>
+                    </a:p>
+                  </a:txBody>
+                  <a:tcPr marL="7620" marR="7620" marT="7620" marB="0" anchor="b">
+                    <a:lnL>
+                      <a:noFill/>
+                    </a:lnL>
+                    <a:lnR>
+                      <a:noFill/>
+                    </a:lnR>
+                    <a:lnT>
+                      <a:noFill/>
+                    </a:lnT>
+                    <a:lnB>
+                      <a:noFill/>
+                    </a:lnB>
+                  </a:tcPr>
+                </a:tc>
+                <a:tc>
+                  <a:txBody>
+                    <a:bodyPr/>
+                    <a:lstStyle/>
+                    <a:p>
+                      <a:pPr algn="l" fontAlgn="b"/>
+                      <a:r>
+                        <a:rPr lang="en-GB" sz="1100" b="0" i="0" u="none" strike="noStrike">
+                          <a:solidFill>
+                            <a:srgbClr val="000000"/>
+                          </a:solidFill>
+                          <a:effectLst/>
+                          <a:latin typeface="Calibri" panose="020F0502020204030204" pitchFamily="34" charset="0"/>
+                        </a:rPr>
+                        <a:t>NA</a:t>
+                      </a:r>
+                    </a:p>
+                  </a:txBody>
+                  <a:tcPr marL="7620" marR="7620" marT="7620" marB="0" anchor="b">
+                    <a:lnL>
+                      <a:noFill/>
+                    </a:lnL>
+                    <a:lnR>
+                      <a:noFill/>
+                    </a:lnR>
+                    <a:lnT>
+                      <a:noFill/>
+                    </a:lnT>
+                    <a:lnB>
+                      <a:noFill/>
+                    </a:lnB>
+                  </a:tcPr>
+                </a:tc>
+                <a:tc>
+                  <a:txBody>
+                    <a:bodyPr/>
+                    <a:lstStyle/>
+                    <a:p>
+                      <a:pPr algn="l" fontAlgn="b"/>
+                      <a:r>
+                        <a:rPr lang="en-GB" sz="1100" b="0" i="0" u="none" strike="noStrike">
+                          <a:solidFill>
+                            <a:srgbClr val="000000"/>
+                          </a:solidFill>
+                          <a:effectLst/>
+                          <a:latin typeface="Calibri" panose="020F0502020204030204" pitchFamily="34" charset="0"/>
+                        </a:rPr>
+                        <a:t>NA</a:t>
+                      </a:r>
+                    </a:p>
+                  </a:txBody>
+                  <a:tcPr marL="7620" marR="7620" marT="7620" marB="0" anchor="b">
+                    <a:lnL>
+                      <a:noFill/>
+                    </a:lnL>
+                    <a:lnR>
+                      <a:noFill/>
+                    </a:lnR>
+                    <a:lnT>
+                      <a:noFill/>
+                    </a:lnT>
+                    <a:lnB>
+                      <a:noFill/>
+                    </a:lnB>
+                  </a:tcPr>
+                </a:tc>
+                <a:tc>
+                  <a:txBody>
+                    <a:bodyPr/>
+                    <a:lstStyle/>
+                    <a:p>
+                      <a:pPr algn="l" fontAlgn="b"/>
+                      <a:r>
+                        <a:rPr lang="en-GB" sz="1100" b="0" i="0" u="none" strike="noStrike">
+                          <a:solidFill>
+                            <a:srgbClr val="000000"/>
+                          </a:solidFill>
+                          <a:effectLst/>
+                          <a:latin typeface="Calibri" panose="020F0502020204030204" pitchFamily="34" charset="0"/>
+                        </a:rPr>
+                        <a:t>NA</a:t>
+                      </a:r>
+                    </a:p>
+                  </a:txBody>
+                  <a:tcPr marL="7620" marR="7620" marT="7620" marB="0" anchor="b">
+                    <a:lnL>
+                      <a:noFill/>
+                    </a:lnL>
+                    <a:lnR>
+                      <a:noFill/>
+                    </a:lnR>
+                    <a:lnT>
+                      <a:noFill/>
+                    </a:lnT>
+                    <a:lnB>
+                      <a:noFill/>
+                    </a:lnB>
+                  </a:tcPr>
+                </a:tc>
+                <a:tc>
+                  <a:txBody>
+                    <a:bodyPr/>
+                    <a:lstStyle/>
+                    <a:p>
+                      <a:pPr algn="r" fontAlgn="b"/>
+                      <a:r>
+                        <a:rPr lang="en-AT" sz="1100" b="0" i="0" u="none" strike="noStrike">
+                          <a:solidFill>
+                            <a:srgbClr val="000000"/>
+                          </a:solidFill>
+                          <a:effectLst/>
+                          <a:latin typeface="Calibri" panose="020F0502020204030204" pitchFamily="34" charset="0"/>
+                        </a:rPr>
+                        <a:t>14</a:t>
+                      </a:r>
+                    </a:p>
+                  </a:txBody>
+                  <a:tcPr marL="7620" marR="7620" marT="7620" marB="0" anchor="b">
+                    <a:lnL>
+                      <a:noFill/>
+                    </a:lnL>
+                    <a:lnR>
+                      <a:noFill/>
+                    </a:lnR>
+                    <a:lnT>
+                      <a:noFill/>
+                    </a:lnT>
+                    <a:lnB>
+                      <a:noFill/>
+                    </a:lnB>
+                  </a:tcPr>
+                </a:tc>
+                <a:tc>
+                  <a:txBody>
+                    <a:bodyPr/>
+                    <a:lstStyle/>
+                    <a:p>
+                      <a:pPr algn="r" fontAlgn="b"/>
+                      <a:r>
+                        <a:rPr lang="en-AT" sz="1100" b="0" i="0" u="none" strike="noStrike">
+                          <a:solidFill>
+                            <a:srgbClr val="000000"/>
+                          </a:solidFill>
+                          <a:effectLst/>
+                          <a:latin typeface="Calibri" panose="020F0502020204030204" pitchFamily="34" charset="0"/>
+                        </a:rPr>
+                        <a:t>0.07</a:t>
+                      </a:r>
+                    </a:p>
+                  </a:txBody>
+                  <a:tcPr marL="7620" marR="7620" marT="7620" marB="0" anchor="b">
+                    <a:lnL>
+                      <a:noFill/>
+                    </a:lnL>
+                    <a:lnR>
+                      <a:noFill/>
+                    </a:lnR>
+                    <a:lnT>
+                      <a:noFill/>
+                    </a:lnT>
+                    <a:lnB>
+                      <a:noFill/>
+                    </a:lnB>
+                  </a:tcPr>
+                </a:tc>
+                <a:extLst>
+                  <a:ext uri="{0D108BD9-81ED-4DB2-BD59-A6C34878D82A}">
+                    <a16:rowId xmlns:a16="http://schemas.microsoft.com/office/drawing/2014/main" val="3294582833"/>
+                  </a:ext>
+                </a:extLst>
+              </a:tr>
+              <a:tr h="211081">
+                <a:tc>
+                  <a:txBody>
+                    <a:bodyPr/>
+                    <a:lstStyle/>
+                    <a:p>
+                      <a:pPr algn="l" fontAlgn="b"/>
+                      <a:r>
+                        <a:rPr lang="en-GB" sz="1100" b="0" i="0" u="none" strike="noStrike">
+                          <a:solidFill>
+                            <a:srgbClr val="000000"/>
+                          </a:solidFill>
+                          <a:effectLst/>
+                          <a:latin typeface="Calibri" panose="020F0502020204030204" pitchFamily="34" charset="0"/>
+                        </a:rPr>
+                        <a:t>md-3cd1a870d57b013840550242ac120003</a:t>
+                      </a:r>
+                    </a:p>
+                  </a:txBody>
+                  <a:tcPr marL="7620" marR="7620" marT="7620" marB="0" anchor="b">
+                    <a:lnL>
+                      <a:noFill/>
+                    </a:lnL>
+                    <a:lnR>
+                      <a:noFill/>
+                    </a:lnR>
+                    <a:lnT>
+                      <a:noFill/>
+                    </a:lnT>
+                    <a:lnB>
+                      <a:noFill/>
+                    </a:lnB>
+                  </a:tcPr>
+                </a:tc>
+                <a:tc>
+                  <a:txBody>
+                    <a:bodyPr/>
+                    <a:lstStyle/>
+                    <a:p>
+                      <a:pPr algn="l" fontAlgn="b"/>
+                      <a:r>
+                        <a:rPr lang="en-GB" sz="1100" b="0" i="0" u="none" strike="noStrike">
+                          <a:solidFill>
+                            <a:srgbClr val="000000"/>
+                          </a:solidFill>
+                          <a:effectLst/>
+                          <a:latin typeface="Calibri" panose="020F0502020204030204" pitchFamily="34" charset="0"/>
+                        </a:rPr>
+                        <a:t>NA</a:t>
+                      </a:r>
+                    </a:p>
+                  </a:txBody>
+                  <a:tcPr marL="7620" marR="7620" marT="7620" marB="0" anchor="b">
+                    <a:lnL>
+                      <a:noFill/>
+                    </a:lnL>
+                    <a:lnR>
+                      <a:noFill/>
+                    </a:lnR>
+                    <a:lnT>
+                      <a:noFill/>
+                    </a:lnT>
+                    <a:lnB>
+                      <a:noFill/>
+                    </a:lnB>
+                  </a:tcPr>
+                </a:tc>
+                <a:tc>
+                  <a:txBody>
+                    <a:bodyPr/>
+                    <a:lstStyle/>
+                    <a:p>
+                      <a:pPr algn="l" fontAlgn="b"/>
+                      <a:r>
+                        <a:rPr lang="en-GB" sz="1100" b="0" i="0" u="none" strike="noStrike">
+                          <a:solidFill>
+                            <a:srgbClr val="000000"/>
+                          </a:solidFill>
+                          <a:effectLst/>
+                          <a:latin typeface="Calibri" panose="020F0502020204030204" pitchFamily="34" charset="0"/>
+                        </a:rPr>
+                        <a:t>NA</a:t>
+                      </a:r>
+                    </a:p>
+                  </a:txBody>
+                  <a:tcPr marL="7620" marR="7620" marT="7620" marB="0" anchor="b">
+                    <a:lnL>
+                      <a:noFill/>
+                    </a:lnL>
+                    <a:lnR>
+                      <a:noFill/>
+                    </a:lnR>
+                    <a:lnT>
+                      <a:noFill/>
+                    </a:lnT>
+                    <a:lnB>
+                      <a:noFill/>
+                    </a:lnB>
+                  </a:tcPr>
+                </a:tc>
+                <a:tc>
+                  <a:txBody>
+                    <a:bodyPr/>
+                    <a:lstStyle/>
+                    <a:p>
+                      <a:pPr algn="l" fontAlgn="b"/>
+                      <a:r>
+                        <a:rPr lang="en-GB" sz="1100" b="0" i="0" u="none" strike="noStrike">
+                          <a:solidFill>
+                            <a:srgbClr val="000000"/>
+                          </a:solidFill>
+                          <a:effectLst/>
+                          <a:latin typeface="Calibri" panose="020F0502020204030204" pitchFamily="34" charset="0"/>
+                        </a:rPr>
+                        <a:t>NA</a:t>
+                      </a:r>
+                    </a:p>
+                  </a:txBody>
+                  <a:tcPr marL="7620" marR="7620" marT="7620" marB="0" anchor="b">
+                    <a:lnL>
+                      <a:noFill/>
+                    </a:lnL>
+                    <a:lnR>
+                      <a:noFill/>
+                    </a:lnR>
+                    <a:lnT>
+                      <a:noFill/>
+                    </a:lnT>
+                    <a:lnB>
+                      <a:noFill/>
+                    </a:lnB>
+                  </a:tcPr>
+                </a:tc>
+                <a:tc>
+                  <a:txBody>
+                    <a:bodyPr/>
+                    <a:lstStyle/>
+                    <a:p>
+                      <a:pPr algn="r" fontAlgn="b"/>
+                      <a:r>
+                        <a:rPr lang="en-AT" sz="1100" b="0" i="0" u="none" strike="noStrike">
+                          <a:solidFill>
+                            <a:srgbClr val="000000"/>
+                          </a:solidFill>
+                          <a:effectLst/>
+                          <a:latin typeface="Calibri" panose="020F0502020204030204" pitchFamily="34" charset="0"/>
+                        </a:rPr>
+                        <a:t>50</a:t>
+                      </a:r>
+                    </a:p>
+                  </a:txBody>
+                  <a:tcPr marL="7620" marR="7620" marT="7620" marB="0" anchor="b">
+                    <a:lnL>
+                      <a:noFill/>
+                    </a:lnL>
+                    <a:lnR>
+                      <a:noFill/>
+                    </a:lnR>
+                    <a:lnT>
+                      <a:noFill/>
+                    </a:lnT>
+                    <a:lnB>
+                      <a:noFill/>
+                    </a:lnB>
+                  </a:tcPr>
+                </a:tc>
+                <a:tc>
+                  <a:txBody>
+                    <a:bodyPr/>
+                    <a:lstStyle/>
+                    <a:p>
+                      <a:pPr algn="r" fontAlgn="b"/>
+                      <a:r>
+                        <a:rPr lang="en-AT" sz="1100" b="0" i="0" u="none" strike="noStrike">
+                          <a:solidFill>
+                            <a:srgbClr val="000000"/>
+                          </a:solidFill>
+                          <a:effectLst/>
+                          <a:latin typeface="Calibri" panose="020F0502020204030204" pitchFamily="34" charset="0"/>
+                        </a:rPr>
+                        <a:t>0.76</a:t>
+                      </a:r>
+                    </a:p>
+                  </a:txBody>
+                  <a:tcPr marL="7620" marR="7620" marT="7620" marB="0" anchor="b">
+                    <a:lnL>
+                      <a:noFill/>
+                    </a:lnL>
+                    <a:lnR>
+                      <a:noFill/>
+                    </a:lnR>
+                    <a:lnT>
+                      <a:noFill/>
+                    </a:lnT>
+                    <a:lnB>
+                      <a:noFill/>
+                    </a:lnB>
+                  </a:tcPr>
+                </a:tc>
+                <a:extLst>
+                  <a:ext uri="{0D108BD9-81ED-4DB2-BD59-A6C34878D82A}">
+                    <a16:rowId xmlns:a16="http://schemas.microsoft.com/office/drawing/2014/main" val="1959470385"/>
+                  </a:ext>
+                </a:extLst>
+              </a:tr>
+              <a:tr h="211081">
+                <a:tc>
+                  <a:txBody>
+                    <a:bodyPr/>
+                    <a:lstStyle/>
+                    <a:p>
+                      <a:pPr algn="l" fontAlgn="b"/>
+                      <a:r>
+                        <a:rPr lang="en-GB" sz="1100" b="0" i="0" u="none" strike="noStrike">
+                          <a:solidFill>
+                            <a:srgbClr val="000000"/>
+                          </a:solidFill>
+                          <a:effectLst/>
+                          <a:latin typeface="Calibri" panose="020F0502020204030204" pitchFamily="34" charset="0"/>
+                        </a:rPr>
+                        <a:t>md-536d6b30ee830138aa060242ac120003</a:t>
+                      </a:r>
+                    </a:p>
+                  </a:txBody>
+                  <a:tcPr marL="7620" marR="7620" marT="7620" marB="0" anchor="b">
+                    <a:lnL>
+                      <a:noFill/>
+                    </a:lnL>
+                    <a:lnR>
+                      <a:noFill/>
+                    </a:lnR>
+                    <a:lnT>
+                      <a:noFill/>
+                    </a:lnT>
+                    <a:lnB>
+                      <a:noFill/>
+                    </a:lnB>
+                  </a:tcPr>
+                </a:tc>
+                <a:tc>
+                  <a:txBody>
+                    <a:bodyPr/>
+                    <a:lstStyle/>
+                    <a:p>
+                      <a:pPr algn="l" fontAlgn="b"/>
+                      <a:r>
+                        <a:rPr lang="en-GB" sz="1100" b="0" i="0" u="none" strike="noStrike">
+                          <a:solidFill>
+                            <a:srgbClr val="000000"/>
+                          </a:solidFill>
+                          <a:effectLst/>
+                          <a:latin typeface="Calibri" panose="020F0502020204030204" pitchFamily="34" charset="0"/>
+                        </a:rPr>
+                        <a:t>NA</a:t>
+                      </a:r>
+                    </a:p>
+                  </a:txBody>
+                  <a:tcPr marL="7620" marR="7620" marT="7620" marB="0" anchor="b">
+                    <a:lnL>
+                      <a:noFill/>
+                    </a:lnL>
+                    <a:lnR>
+                      <a:noFill/>
+                    </a:lnR>
+                    <a:lnT>
+                      <a:noFill/>
+                    </a:lnT>
+                    <a:lnB>
+                      <a:noFill/>
+                    </a:lnB>
+                  </a:tcPr>
+                </a:tc>
+                <a:tc>
+                  <a:txBody>
+                    <a:bodyPr/>
+                    <a:lstStyle/>
+                    <a:p>
+                      <a:pPr algn="l" fontAlgn="b"/>
+                      <a:r>
+                        <a:rPr lang="en-GB" sz="1100" b="0" i="0" u="none" strike="noStrike">
+                          <a:solidFill>
+                            <a:srgbClr val="000000"/>
+                          </a:solidFill>
+                          <a:effectLst/>
+                          <a:latin typeface="Calibri" panose="020F0502020204030204" pitchFamily="34" charset="0"/>
+                        </a:rPr>
+                        <a:t>NA</a:t>
+                      </a:r>
+                    </a:p>
+                  </a:txBody>
+                  <a:tcPr marL="7620" marR="7620" marT="7620" marB="0" anchor="b">
+                    <a:lnL>
+                      <a:noFill/>
+                    </a:lnL>
+                    <a:lnR>
+                      <a:noFill/>
+                    </a:lnR>
+                    <a:lnT>
+                      <a:noFill/>
+                    </a:lnT>
+                    <a:lnB>
+                      <a:noFill/>
+                    </a:lnB>
+                  </a:tcPr>
+                </a:tc>
+                <a:tc>
+                  <a:txBody>
+                    <a:bodyPr/>
+                    <a:lstStyle/>
+                    <a:p>
+                      <a:pPr algn="l" fontAlgn="b"/>
+                      <a:r>
+                        <a:rPr lang="en-GB" sz="1100" b="0" i="0" u="none" strike="noStrike">
+                          <a:solidFill>
+                            <a:srgbClr val="000000"/>
+                          </a:solidFill>
+                          <a:effectLst/>
+                          <a:latin typeface="Calibri" panose="020F0502020204030204" pitchFamily="34" charset="0"/>
+                        </a:rPr>
+                        <a:t>NA</a:t>
+                      </a:r>
+                    </a:p>
+                  </a:txBody>
+                  <a:tcPr marL="7620" marR="7620" marT="7620" marB="0" anchor="b">
+                    <a:lnL>
+                      <a:noFill/>
+                    </a:lnL>
+                    <a:lnR>
+                      <a:noFill/>
+                    </a:lnR>
+                    <a:lnT>
+                      <a:noFill/>
+                    </a:lnT>
+                    <a:lnB>
+                      <a:noFill/>
+                    </a:lnB>
+                  </a:tcPr>
+                </a:tc>
+                <a:tc>
+                  <a:txBody>
+                    <a:bodyPr/>
+                    <a:lstStyle/>
+                    <a:p>
+                      <a:pPr algn="r" fontAlgn="b"/>
+                      <a:r>
+                        <a:rPr lang="en-AT" sz="1100" b="0" i="0" u="none" strike="noStrike">
+                          <a:solidFill>
+                            <a:srgbClr val="000000"/>
+                          </a:solidFill>
+                          <a:effectLst/>
+                          <a:latin typeface="Calibri" panose="020F0502020204030204" pitchFamily="34" charset="0"/>
+                        </a:rPr>
+                        <a:t>80</a:t>
+                      </a:r>
+                    </a:p>
+                  </a:txBody>
+                  <a:tcPr marL="7620" marR="7620" marT="7620" marB="0" anchor="b">
+                    <a:lnL>
+                      <a:noFill/>
+                    </a:lnL>
+                    <a:lnR>
+                      <a:noFill/>
+                    </a:lnR>
+                    <a:lnT>
+                      <a:noFill/>
+                    </a:lnT>
+                    <a:lnB>
+                      <a:noFill/>
+                    </a:lnB>
+                  </a:tcPr>
+                </a:tc>
+                <a:tc>
+                  <a:txBody>
+                    <a:bodyPr/>
+                    <a:lstStyle/>
+                    <a:p>
+                      <a:pPr algn="r" fontAlgn="b"/>
+                      <a:r>
+                        <a:rPr lang="en-AT" sz="1100" b="0" i="0" u="none" strike="noStrike">
+                          <a:solidFill>
+                            <a:srgbClr val="000000"/>
+                          </a:solidFill>
+                          <a:effectLst/>
+                          <a:latin typeface="Calibri" panose="020F0502020204030204" pitchFamily="34" charset="0"/>
+                        </a:rPr>
+                        <a:t>0.79</a:t>
+                      </a:r>
+                    </a:p>
+                  </a:txBody>
+                  <a:tcPr marL="7620" marR="7620" marT="7620" marB="0" anchor="b">
+                    <a:lnL>
+                      <a:noFill/>
+                    </a:lnL>
+                    <a:lnR>
+                      <a:noFill/>
+                    </a:lnR>
+                    <a:lnT>
+                      <a:noFill/>
+                    </a:lnT>
+                    <a:lnB>
+                      <a:noFill/>
+                    </a:lnB>
+                  </a:tcPr>
+                </a:tc>
+                <a:extLst>
+                  <a:ext uri="{0D108BD9-81ED-4DB2-BD59-A6C34878D82A}">
+                    <a16:rowId xmlns:a16="http://schemas.microsoft.com/office/drawing/2014/main" val="398325911"/>
+                  </a:ext>
+                </a:extLst>
+              </a:tr>
+              <a:tr h="211081">
+                <a:tc>
+                  <a:txBody>
+                    <a:bodyPr/>
+                    <a:lstStyle/>
+                    <a:p>
+                      <a:pPr algn="l" fontAlgn="b"/>
+                      <a:r>
+                        <a:rPr lang="en-GB" sz="1100" b="0" i="0" u="none" strike="noStrike">
+                          <a:solidFill>
+                            <a:srgbClr val="000000"/>
+                          </a:solidFill>
+                          <a:effectLst/>
+                          <a:latin typeface="Calibri" panose="020F0502020204030204" pitchFamily="34" charset="0"/>
+                        </a:rPr>
+                        <a:t>md-5e1476f033cf0139aa6a0242ac120003</a:t>
+                      </a:r>
+                    </a:p>
+                  </a:txBody>
+                  <a:tcPr marL="7620" marR="7620" marT="7620" marB="0" anchor="b">
+                    <a:lnL>
+                      <a:noFill/>
+                    </a:lnL>
+                    <a:lnR>
+                      <a:noFill/>
+                    </a:lnR>
+                    <a:lnT>
+                      <a:noFill/>
+                    </a:lnT>
+                    <a:lnB>
+                      <a:noFill/>
+                    </a:lnB>
+                  </a:tcPr>
+                </a:tc>
+                <a:tc>
+                  <a:txBody>
+                    <a:bodyPr/>
+                    <a:lstStyle/>
+                    <a:p>
+                      <a:pPr algn="l" fontAlgn="b"/>
+                      <a:r>
+                        <a:rPr lang="en-GB" sz="1100" b="0" i="0" u="none" strike="noStrike">
+                          <a:solidFill>
+                            <a:srgbClr val="000000"/>
+                          </a:solidFill>
+                          <a:effectLst/>
+                          <a:latin typeface="Calibri" panose="020F0502020204030204" pitchFamily="34" charset="0"/>
+                        </a:rPr>
+                        <a:t>NA</a:t>
+                      </a:r>
+                    </a:p>
+                  </a:txBody>
+                  <a:tcPr marL="7620" marR="7620" marT="7620" marB="0" anchor="b">
+                    <a:lnL>
+                      <a:noFill/>
+                    </a:lnL>
+                    <a:lnR>
+                      <a:noFill/>
+                    </a:lnR>
+                    <a:lnT>
+                      <a:noFill/>
+                    </a:lnT>
+                    <a:lnB>
+                      <a:noFill/>
+                    </a:lnB>
+                  </a:tcPr>
+                </a:tc>
+                <a:tc>
+                  <a:txBody>
+                    <a:bodyPr/>
+                    <a:lstStyle/>
+                    <a:p>
+                      <a:pPr algn="l" fontAlgn="b"/>
+                      <a:r>
+                        <a:rPr lang="en-GB" sz="1100" b="0" i="0" u="none" strike="noStrike">
+                          <a:solidFill>
+                            <a:srgbClr val="000000"/>
+                          </a:solidFill>
+                          <a:effectLst/>
+                          <a:latin typeface="Calibri" panose="020F0502020204030204" pitchFamily="34" charset="0"/>
+                        </a:rPr>
+                        <a:t>NA</a:t>
+                      </a:r>
+                    </a:p>
+                  </a:txBody>
+                  <a:tcPr marL="7620" marR="7620" marT="7620" marB="0" anchor="b">
+                    <a:lnL>
+                      <a:noFill/>
+                    </a:lnL>
+                    <a:lnR>
+                      <a:noFill/>
+                    </a:lnR>
+                    <a:lnT>
+                      <a:noFill/>
+                    </a:lnT>
+                    <a:lnB>
+                      <a:noFill/>
+                    </a:lnB>
+                  </a:tcPr>
+                </a:tc>
+                <a:tc>
+                  <a:txBody>
+                    <a:bodyPr/>
+                    <a:lstStyle/>
+                    <a:p>
+                      <a:pPr algn="l" fontAlgn="b"/>
+                      <a:r>
+                        <a:rPr lang="en-GB" sz="1100" b="0" i="0" u="none" strike="noStrike">
+                          <a:solidFill>
+                            <a:srgbClr val="000000"/>
+                          </a:solidFill>
+                          <a:effectLst/>
+                          <a:latin typeface="Calibri" panose="020F0502020204030204" pitchFamily="34" charset="0"/>
+                        </a:rPr>
+                        <a:t>NA</a:t>
+                      </a:r>
+                    </a:p>
+                  </a:txBody>
+                  <a:tcPr marL="7620" marR="7620" marT="7620" marB="0" anchor="b">
+                    <a:lnL>
+                      <a:noFill/>
+                    </a:lnL>
+                    <a:lnR>
+                      <a:noFill/>
+                    </a:lnR>
+                    <a:lnT>
+                      <a:noFill/>
+                    </a:lnT>
+                    <a:lnB>
+                      <a:noFill/>
+                    </a:lnB>
+                  </a:tcPr>
+                </a:tc>
+                <a:tc>
+                  <a:txBody>
+                    <a:bodyPr/>
+                    <a:lstStyle/>
+                    <a:p>
+                      <a:pPr algn="r" fontAlgn="b"/>
+                      <a:r>
+                        <a:rPr lang="en-AT" sz="1100" b="0" i="0" u="none" strike="noStrike">
+                          <a:solidFill>
+                            <a:srgbClr val="000000"/>
+                          </a:solidFill>
+                          <a:effectLst/>
+                          <a:latin typeface="Calibri" panose="020F0502020204030204" pitchFamily="34" charset="0"/>
+                        </a:rPr>
+                        <a:t>20</a:t>
+                      </a:r>
+                    </a:p>
+                  </a:txBody>
+                  <a:tcPr marL="7620" marR="7620" marT="7620" marB="0" anchor="b">
+                    <a:lnL>
+                      <a:noFill/>
+                    </a:lnL>
+                    <a:lnR>
+                      <a:noFill/>
+                    </a:lnR>
+                    <a:lnT>
+                      <a:noFill/>
+                    </a:lnT>
+                    <a:lnB>
+                      <a:noFill/>
+                    </a:lnB>
+                  </a:tcPr>
+                </a:tc>
+                <a:tc>
+                  <a:txBody>
+                    <a:bodyPr/>
+                    <a:lstStyle/>
+                    <a:p>
+                      <a:pPr algn="r" fontAlgn="b"/>
+                      <a:r>
+                        <a:rPr lang="en-AT" sz="1100" b="0" i="0" u="none" strike="noStrike">
+                          <a:solidFill>
+                            <a:srgbClr val="000000"/>
+                          </a:solidFill>
+                          <a:effectLst/>
+                          <a:latin typeface="Calibri" panose="020F0502020204030204" pitchFamily="34" charset="0"/>
+                        </a:rPr>
+                        <a:t>0.5</a:t>
+                      </a:r>
+                    </a:p>
+                  </a:txBody>
+                  <a:tcPr marL="7620" marR="7620" marT="7620" marB="0" anchor="b">
+                    <a:lnL>
+                      <a:noFill/>
+                    </a:lnL>
+                    <a:lnR>
+                      <a:noFill/>
+                    </a:lnR>
+                    <a:lnT>
+                      <a:noFill/>
+                    </a:lnT>
+                    <a:lnB>
+                      <a:noFill/>
+                    </a:lnB>
+                  </a:tcPr>
+                </a:tc>
+                <a:extLst>
+                  <a:ext uri="{0D108BD9-81ED-4DB2-BD59-A6C34878D82A}">
+                    <a16:rowId xmlns:a16="http://schemas.microsoft.com/office/drawing/2014/main" val="164406804"/>
+                  </a:ext>
+                </a:extLst>
+              </a:tr>
+              <a:tr h="211081">
+                <a:tc>
+                  <a:txBody>
+                    <a:bodyPr/>
+                    <a:lstStyle/>
+                    <a:p>
+                      <a:pPr algn="l" fontAlgn="b"/>
+                      <a:r>
+                        <a:rPr lang="en-GB" sz="1100" b="0" i="0" u="none" strike="noStrike">
+                          <a:solidFill>
+                            <a:srgbClr val="000000"/>
+                          </a:solidFill>
+                          <a:effectLst/>
+                          <a:latin typeface="Calibri" panose="020F0502020204030204" pitchFamily="34" charset="0"/>
+                        </a:rPr>
+                        <a:t>md-66f2ad10922b013a52bb0242ac120004</a:t>
+                      </a:r>
+                    </a:p>
+                  </a:txBody>
+                  <a:tcPr marL="7620" marR="7620" marT="7620" marB="0" anchor="b">
+                    <a:lnL>
+                      <a:noFill/>
+                    </a:lnL>
+                    <a:lnR>
+                      <a:noFill/>
+                    </a:lnR>
+                    <a:lnT>
+                      <a:noFill/>
+                    </a:lnT>
+                    <a:lnB>
+                      <a:noFill/>
+                    </a:lnB>
+                  </a:tcPr>
+                </a:tc>
+                <a:tc>
+                  <a:txBody>
+                    <a:bodyPr/>
+                    <a:lstStyle/>
+                    <a:p>
+                      <a:pPr algn="l" fontAlgn="b"/>
+                      <a:r>
+                        <a:rPr lang="en-GB" sz="1100" b="0" i="0" u="none" strike="noStrike">
+                          <a:solidFill>
+                            <a:srgbClr val="000000"/>
+                          </a:solidFill>
+                          <a:effectLst/>
+                          <a:latin typeface="Calibri" panose="020F0502020204030204" pitchFamily="34" charset="0"/>
+                        </a:rPr>
+                        <a:t>NA</a:t>
+                      </a:r>
+                    </a:p>
+                  </a:txBody>
+                  <a:tcPr marL="7620" marR="7620" marT="7620" marB="0" anchor="b">
+                    <a:lnL>
+                      <a:noFill/>
+                    </a:lnL>
+                    <a:lnR>
+                      <a:noFill/>
+                    </a:lnR>
+                    <a:lnT>
+                      <a:noFill/>
+                    </a:lnT>
+                    <a:lnB>
+                      <a:noFill/>
+                    </a:lnB>
+                  </a:tcPr>
+                </a:tc>
+                <a:tc>
+                  <a:txBody>
+                    <a:bodyPr/>
+                    <a:lstStyle/>
+                    <a:p>
+                      <a:pPr algn="l" fontAlgn="b"/>
+                      <a:r>
+                        <a:rPr lang="en-GB" sz="1100" b="0" i="0" u="none" strike="noStrike">
+                          <a:solidFill>
+                            <a:srgbClr val="000000"/>
+                          </a:solidFill>
+                          <a:effectLst/>
+                          <a:latin typeface="Calibri" panose="020F0502020204030204" pitchFamily="34" charset="0"/>
+                        </a:rPr>
+                        <a:t>NA</a:t>
+                      </a:r>
+                    </a:p>
+                  </a:txBody>
+                  <a:tcPr marL="7620" marR="7620" marT="7620" marB="0" anchor="b">
+                    <a:lnL>
+                      <a:noFill/>
+                    </a:lnL>
+                    <a:lnR>
+                      <a:noFill/>
+                    </a:lnR>
+                    <a:lnT>
+                      <a:noFill/>
+                    </a:lnT>
+                    <a:lnB>
+                      <a:noFill/>
+                    </a:lnB>
+                  </a:tcPr>
+                </a:tc>
+                <a:tc>
+                  <a:txBody>
+                    <a:bodyPr/>
+                    <a:lstStyle/>
+                    <a:p>
+                      <a:pPr algn="l" fontAlgn="b"/>
+                      <a:r>
+                        <a:rPr lang="en-GB" sz="1100" b="0" i="0" u="none" strike="noStrike">
+                          <a:solidFill>
+                            <a:srgbClr val="000000"/>
+                          </a:solidFill>
+                          <a:effectLst/>
+                          <a:latin typeface="Calibri" panose="020F0502020204030204" pitchFamily="34" charset="0"/>
+                        </a:rPr>
+                        <a:t>NA</a:t>
+                      </a:r>
+                    </a:p>
+                  </a:txBody>
+                  <a:tcPr marL="7620" marR="7620" marT="7620" marB="0" anchor="b">
+                    <a:lnL>
+                      <a:noFill/>
+                    </a:lnL>
+                    <a:lnR>
+                      <a:noFill/>
+                    </a:lnR>
+                    <a:lnT>
+                      <a:noFill/>
+                    </a:lnT>
+                    <a:lnB>
+                      <a:noFill/>
+                    </a:lnB>
+                  </a:tcPr>
+                </a:tc>
+                <a:tc>
+                  <a:txBody>
+                    <a:bodyPr/>
+                    <a:lstStyle/>
+                    <a:p>
+                      <a:pPr algn="r" fontAlgn="b"/>
+                      <a:r>
+                        <a:rPr lang="en-AT" sz="1100" b="0" i="0" u="none" strike="noStrike">
+                          <a:solidFill>
+                            <a:srgbClr val="000000"/>
+                          </a:solidFill>
+                          <a:effectLst/>
+                          <a:latin typeface="Calibri" panose="020F0502020204030204" pitchFamily="34" charset="0"/>
+                        </a:rPr>
+                        <a:t>50</a:t>
+                      </a:r>
+                    </a:p>
+                  </a:txBody>
+                  <a:tcPr marL="7620" marR="7620" marT="7620" marB="0" anchor="b">
+                    <a:lnL>
+                      <a:noFill/>
+                    </a:lnL>
+                    <a:lnR>
+                      <a:noFill/>
+                    </a:lnR>
+                    <a:lnT>
+                      <a:noFill/>
+                    </a:lnT>
+                    <a:lnB>
+                      <a:noFill/>
+                    </a:lnB>
+                  </a:tcPr>
+                </a:tc>
+                <a:tc>
+                  <a:txBody>
+                    <a:bodyPr/>
+                    <a:lstStyle/>
+                    <a:p>
+                      <a:pPr algn="r" fontAlgn="b"/>
+                      <a:r>
+                        <a:rPr lang="en-AT" sz="1100" b="0" i="0" u="none" strike="noStrike">
+                          <a:solidFill>
+                            <a:srgbClr val="000000"/>
+                          </a:solidFill>
+                          <a:effectLst/>
+                          <a:latin typeface="Calibri" panose="020F0502020204030204" pitchFamily="34" charset="0"/>
+                        </a:rPr>
+                        <a:t>0.56</a:t>
+                      </a:r>
+                    </a:p>
+                  </a:txBody>
+                  <a:tcPr marL="7620" marR="7620" marT="7620" marB="0" anchor="b">
+                    <a:lnL>
+                      <a:noFill/>
+                    </a:lnL>
+                    <a:lnR>
+                      <a:noFill/>
+                    </a:lnR>
+                    <a:lnT>
+                      <a:noFill/>
+                    </a:lnT>
+                    <a:lnB>
+                      <a:noFill/>
+                    </a:lnB>
+                  </a:tcPr>
+                </a:tc>
+                <a:extLst>
+                  <a:ext uri="{0D108BD9-81ED-4DB2-BD59-A6C34878D82A}">
+                    <a16:rowId xmlns:a16="http://schemas.microsoft.com/office/drawing/2014/main" val="2806466443"/>
+                  </a:ext>
+                </a:extLst>
+              </a:tr>
+              <a:tr h="211081">
+                <a:tc>
+                  <a:txBody>
+                    <a:bodyPr/>
+                    <a:lstStyle/>
+                    <a:p>
+                      <a:pPr algn="l" fontAlgn="b"/>
+                      <a:r>
+                        <a:rPr lang="en-GB" sz="1100" b="0" i="0" u="none" strike="noStrike">
+                          <a:solidFill>
+                            <a:srgbClr val="000000"/>
+                          </a:solidFill>
+                          <a:effectLst/>
+                          <a:latin typeface="Calibri" panose="020F0502020204030204" pitchFamily="34" charset="0"/>
+                        </a:rPr>
+                        <a:t>md-6a3b44202e210138a7a20242ac120002</a:t>
+                      </a:r>
+                    </a:p>
+                  </a:txBody>
+                  <a:tcPr marL="7620" marR="7620" marT="7620" marB="0" anchor="b">
+                    <a:lnL>
+                      <a:noFill/>
+                    </a:lnL>
+                    <a:lnR>
+                      <a:noFill/>
+                    </a:lnR>
+                    <a:lnT>
+                      <a:noFill/>
+                    </a:lnT>
+                    <a:lnB>
+                      <a:noFill/>
+                    </a:lnB>
+                  </a:tcPr>
+                </a:tc>
+                <a:tc>
+                  <a:txBody>
+                    <a:bodyPr/>
+                    <a:lstStyle/>
+                    <a:p>
+                      <a:pPr algn="l" fontAlgn="b"/>
+                      <a:r>
+                        <a:rPr lang="en-GB" sz="1100" b="0" i="0" u="none" strike="noStrike">
+                          <a:solidFill>
+                            <a:srgbClr val="000000"/>
+                          </a:solidFill>
+                          <a:effectLst/>
+                          <a:latin typeface="Calibri" panose="020F0502020204030204" pitchFamily="34" charset="0"/>
+                        </a:rPr>
+                        <a:t>NA</a:t>
+                      </a:r>
+                    </a:p>
+                  </a:txBody>
+                  <a:tcPr marL="7620" marR="7620" marT="7620" marB="0" anchor="b">
+                    <a:lnL>
+                      <a:noFill/>
+                    </a:lnL>
+                    <a:lnR>
+                      <a:noFill/>
+                    </a:lnR>
+                    <a:lnT>
+                      <a:noFill/>
+                    </a:lnT>
+                    <a:lnB>
+                      <a:noFill/>
+                    </a:lnB>
+                  </a:tcPr>
+                </a:tc>
+                <a:tc>
+                  <a:txBody>
+                    <a:bodyPr/>
+                    <a:lstStyle/>
+                    <a:p>
+                      <a:pPr algn="l" fontAlgn="b"/>
+                      <a:r>
+                        <a:rPr lang="en-GB" sz="1100" b="0" i="0" u="none" strike="noStrike">
+                          <a:solidFill>
+                            <a:srgbClr val="000000"/>
+                          </a:solidFill>
+                          <a:effectLst/>
+                          <a:latin typeface="Calibri" panose="020F0502020204030204" pitchFamily="34" charset="0"/>
+                        </a:rPr>
+                        <a:t>NA</a:t>
+                      </a:r>
+                    </a:p>
+                  </a:txBody>
+                  <a:tcPr marL="7620" marR="7620" marT="7620" marB="0" anchor="b">
+                    <a:lnL>
+                      <a:noFill/>
+                    </a:lnL>
+                    <a:lnR>
+                      <a:noFill/>
+                    </a:lnR>
+                    <a:lnT>
+                      <a:noFill/>
+                    </a:lnT>
+                    <a:lnB>
+                      <a:noFill/>
+                    </a:lnB>
+                  </a:tcPr>
+                </a:tc>
+                <a:tc>
+                  <a:txBody>
+                    <a:bodyPr/>
+                    <a:lstStyle/>
+                    <a:p>
+                      <a:pPr algn="l" fontAlgn="b"/>
+                      <a:r>
+                        <a:rPr lang="en-GB" sz="1100" b="0" i="0" u="none" strike="noStrike">
+                          <a:solidFill>
+                            <a:srgbClr val="000000"/>
+                          </a:solidFill>
+                          <a:effectLst/>
+                          <a:latin typeface="Calibri" panose="020F0502020204030204" pitchFamily="34" charset="0"/>
+                        </a:rPr>
+                        <a:t>NA</a:t>
+                      </a:r>
+                    </a:p>
+                  </a:txBody>
+                  <a:tcPr marL="7620" marR="7620" marT="7620" marB="0" anchor="b">
+                    <a:lnL>
+                      <a:noFill/>
+                    </a:lnL>
+                    <a:lnR>
+                      <a:noFill/>
+                    </a:lnR>
+                    <a:lnT>
+                      <a:noFill/>
+                    </a:lnT>
+                    <a:lnB>
+                      <a:noFill/>
+                    </a:lnB>
+                  </a:tcPr>
+                </a:tc>
+                <a:tc>
+                  <a:txBody>
+                    <a:bodyPr/>
+                    <a:lstStyle/>
+                    <a:p>
+                      <a:pPr algn="r" fontAlgn="b"/>
+                      <a:r>
+                        <a:rPr lang="en-AT" sz="1100" b="0" i="0" u="none" strike="noStrike">
+                          <a:solidFill>
+                            <a:srgbClr val="000000"/>
+                          </a:solidFill>
+                          <a:effectLst/>
+                          <a:latin typeface="Calibri" panose="020F0502020204030204" pitchFamily="34" charset="0"/>
+                        </a:rPr>
+                        <a:t>141</a:t>
+                      </a:r>
+                    </a:p>
+                  </a:txBody>
+                  <a:tcPr marL="7620" marR="7620" marT="7620" marB="0" anchor="b">
+                    <a:lnL>
+                      <a:noFill/>
+                    </a:lnL>
+                    <a:lnR>
+                      <a:noFill/>
+                    </a:lnR>
+                    <a:lnT>
+                      <a:noFill/>
+                    </a:lnT>
+                    <a:lnB>
+                      <a:noFill/>
+                    </a:lnB>
+                  </a:tcPr>
+                </a:tc>
+                <a:tc>
+                  <a:txBody>
+                    <a:bodyPr/>
+                    <a:lstStyle/>
+                    <a:p>
+                      <a:pPr algn="r" fontAlgn="b"/>
+                      <a:r>
+                        <a:rPr lang="en-AT" sz="1100" b="0" i="0" u="none" strike="noStrike">
+                          <a:solidFill>
+                            <a:srgbClr val="000000"/>
+                          </a:solidFill>
+                          <a:effectLst/>
+                          <a:latin typeface="Calibri" panose="020F0502020204030204" pitchFamily="34" charset="0"/>
+                        </a:rPr>
+                        <a:t>0.85</a:t>
+                      </a:r>
+                    </a:p>
+                  </a:txBody>
+                  <a:tcPr marL="7620" marR="7620" marT="7620" marB="0" anchor="b">
+                    <a:lnL>
+                      <a:noFill/>
+                    </a:lnL>
+                    <a:lnR>
+                      <a:noFill/>
+                    </a:lnR>
+                    <a:lnT>
+                      <a:noFill/>
+                    </a:lnT>
+                    <a:lnB>
+                      <a:noFill/>
+                    </a:lnB>
+                  </a:tcPr>
+                </a:tc>
+                <a:extLst>
+                  <a:ext uri="{0D108BD9-81ED-4DB2-BD59-A6C34878D82A}">
+                    <a16:rowId xmlns:a16="http://schemas.microsoft.com/office/drawing/2014/main" val="1626852374"/>
+                  </a:ext>
+                </a:extLst>
+              </a:tr>
+              <a:tr h="211081">
+                <a:tc>
+                  <a:txBody>
+                    <a:bodyPr/>
+                    <a:lstStyle/>
+                    <a:p>
+                      <a:pPr algn="l" fontAlgn="b"/>
+                      <a:r>
+                        <a:rPr lang="en-GB" sz="1100" b="0" i="0" u="none" strike="noStrike">
+                          <a:solidFill>
+                            <a:srgbClr val="000000"/>
+                          </a:solidFill>
+                          <a:effectLst/>
+                          <a:latin typeface="Calibri" panose="020F0502020204030204" pitchFamily="34" charset="0"/>
+                        </a:rPr>
+                        <a:t>md-79f620a098a6013a52bb0242ac120004</a:t>
+                      </a:r>
+                    </a:p>
+                  </a:txBody>
+                  <a:tcPr marL="7620" marR="7620" marT="7620" marB="0" anchor="b">
+                    <a:lnL>
+                      <a:noFill/>
+                    </a:lnL>
+                    <a:lnR>
+                      <a:noFill/>
+                    </a:lnR>
+                    <a:lnT>
+                      <a:noFill/>
+                    </a:lnT>
+                    <a:lnB>
+                      <a:noFill/>
+                    </a:lnB>
+                  </a:tcPr>
+                </a:tc>
+                <a:tc>
+                  <a:txBody>
+                    <a:bodyPr/>
+                    <a:lstStyle/>
+                    <a:p>
+                      <a:pPr algn="l" fontAlgn="b"/>
+                      <a:r>
+                        <a:rPr lang="en-GB" sz="1100" b="0" i="0" u="none" strike="noStrike">
+                          <a:solidFill>
+                            <a:srgbClr val="000000"/>
+                          </a:solidFill>
+                          <a:effectLst/>
+                          <a:latin typeface="Calibri" panose="020F0502020204030204" pitchFamily="34" charset="0"/>
+                        </a:rPr>
+                        <a:t>NA</a:t>
+                      </a:r>
+                    </a:p>
+                  </a:txBody>
+                  <a:tcPr marL="7620" marR="7620" marT="7620" marB="0" anchor="b">
+                    <a:lnL>
+                      <a:noFill/>
+                    </a:lnL>
+                    <a:lnR>
+                      <a:noFill/>
+                    </a:lnR>
+                    <a:lnT>
+                      <a:noFill/>
+                    </a:lnT>
+                    <a:lnB>
+                      <a:noFill/>
+                    </a:lnB>
+                  </a:tcPr>
+                </a:tc>
+                <a:tc>
+                  <a:txBody>
+                    <a:bodyPr/>
+                    <a:lstStyle/>
+                    <a:p>
+                      <a:pPr algn="l" fontAlgn="b"/>
+                      <a:r>
+                        <a:rPr lang="en-GB" sz="1100" b="0" i="0" u="none" strike="noStrike">
+                          <a:solidFill>
+                            <a:srgbClr val="000000"/>
+                          </a:solidFill>
+                          <a:effectLst/>
+                          <a:latin typeface="Calibri" panose="020F0502020204030204" pitchFamily="34" charset="0"/>
+                        </a:rPr>
+                        <a:t>NA</a:t>
+                      </a:r>
+                    </a:p>
+                  </a:txBody>
+                  <a:tcPr marL="7620" marR="7620" marT="7620" marB="0" anchor="b">
+                    <a:lnL>
+                      <a:noFill/>
+                    </a:lnL>
+                    <a:lnR>
+                      <a:noFill/>
+                    </a:lnR>
+                    <a:lnT>
+                      <a:noFill/>
+                    </a:lnT>
+                    <a:lnB>
+                      <a:noFill/>
+                    </a:lnB>
+                  </a:tcPr>
+                </a:tc>
+                <a:tc>
+                  <a:txBody>
+                    <a:bodyPr/>
+                    <a:lstStyle/>
+                    <a:p>
+                      <a:pPr algn="l" fontAlgn="b"/>
+                      <a:r>
+                        <a:rPr lang="en-GB" sz="1100" b="0" i="0" u="none" strike="noStrike">
+                          <a:solidFill>
+                            <a:srgbClr val="000000"/>
+                          </a:solidFill>
+                          <a:effectLst/>
+                          <a:latin typeface="Calibri" panose="020F0502020204030204" pitchFamily="34" charset="0"/>
+                        </a:rPr>
+                        <a:t>NA</a:t>
+                      </a:r>
+                    </a:p>
+                  </a:txBody>
+                  <a:tcPr marL="7620" marR="7620" marT="7620" marB="0" anchor="b">
+                    <a:lnL>
+                      <a:noFill/>
+                    </a:lnL>
+                    <a:lnR>
+                      <a:noFill/>
+                    </a:lnR>
+                    <a:lnT>
+                      <a:noFill/>
+                    </a:lnT>
+                    <a:lnB>
+                      <a:noFill/>
+                    </a:lnB>
+                  </a:tcPr>
+                </a:tc>
+                <a:tc>
+                  <a:txBody>
+                    <a:bodyPr/>
+                    <a:lstStyle/>
+                    <a:p>
+                      <a:pPr algn="r" fontAlgn="b"/>
+                      <a:r>
+                        <a:rPr lang="en-AT" sz="1100" b="0" i="0" u="none" strike="noStrike">
+                          <a:solidFill>
+                            <a:srgbClr val="000000"/>
+                          </a:solidFill>
+                          <a:effectLst/>
+                          <a:latin typeface="Calibri" panose="020F0502020204030204" pitchFamily="34" charset="0"/>
+                        </a:rPr>
+                        <a:t>5</a:t>
+                      </a:r>
+                    </a:p>
+                  </a:txBody>
+                  <a:tcPr marL="7620" marR="7620" marT="7620" marB="0" anchor="b">
+                    <a:lnL>
+                      <a:noFill/>
+                    </a:lnL>
+                    <a:lnR>
+                      <a:noFill/>
+                    </a:lnR>
+                    <a:lnT>
+                      <a:noFill/>
+                    </a:lnT>
+                    <a:lnB>
+                      <a:noFill/>
+                    </a:lnB>
+                  </a:tcPr>
+                </a:tc>
+                <a:tc>
+                  <a:txBody>
+                    <a:bodyPr/>
+                    <a:lstStyle/>
+                    <a:p>
+                      <a:pPr algn="r" fontAlgn="b"/>
+                      <a:r>
+                        <a:rPr lang="en-AT" sz="1100" b="0" i="0" u="none" strike="noStrike">
+                          <a:solidFill>
+                            <a:srgbClr val="000000"/>
+                          </a:solidFill>
+                          <a:effectLst/>
+                          <a:latin typeface="Calibri" panose="020F0502020204030204" pitchFamily="34" charset="0"/>
+                        </a:rPr>
+                        <a:t>0</a:t>
+                      </a:r>
+                    </a:p>
+                  </a:txBody>
+                  <a:tcPr marL="7620" marR="7620" marT="7620" marB="0" anchor="b">
+                    <a:lnL>
+                      <a:noFill/>
+                    </a:lnL>
+                    <a:lnR>
+                      <a:noFill/>
+                    </a:lnR>
+                    <a:lnT>
+                      <a:noFill/>
+                    </a:lnT>
+                    <a:lnB>
+                      <a:noFill/>
+                    </a:lnB>
+                  </a:tcPr>
+                </a:tc>
+                <a:extLst>
+                  <a:ext uri="{0D108BD9-81ED-4DB2-BD59-A6C34878D82A}">
+                    <a16:rowId xmlns:a16="http://schemas.microsoft.com/office/drawing/2014/main" val="1397416305"/>
+                  </a:ext>
+                </a:extLst>
+              </a:tr>
+              <a:tr h="211081">
+                <a:tc>
+                  <a:txBody>
+                    <a:bodyPr/>
+                    <a:lstStyle/>
+                    <a:p>
+                      <a:pPr algn="l" fontAlgn="b"/>
+                      <a:r>
+                        <a:rPr lang="en-GB" sz="1100" b="0" i="0" u="none" strike="noStrike">
+                          <a:solidFill>
+                            <a:srgbClr val="000000"/>
+                          </a:solidFill>
+                          <a:effectLst/>
+                          <a:latin typeface="Calibri" panose="020F0502020204030204" pitchFamily="34" charset="0"/>
+                        </a:rPr>
+                        <a:t>md-84e2701038cd013accf80242ac120004</a:t>
+                      </a:r>
+                    </a:p>
+                  </a:txBody>
+                  <a:tcPr marL="7620" marR="7620" marT="7620" marB="0" anchor="b">
+                    <a:lnL>
+                      <a:noFill/>
+                    </a:lnL>
+                    <a:lnR>
+                      <a:noFill/>
+                    </a:lnR>
+                    <a:lnT>
+                      <a:noFill/>
+                    </a:lnT>
+                    <a:lnB>
+                      <a:noFill/>
+                    </a:lnB>
+                  </a:tcPr>
+                </a:tc>
+                <a:tc>
+                  <a:txBody>
+                    <a:bodyPr/>
+                    <a:lstStyle/>
+                    <a:p>
+                      <a:pPr algn="l" fontAlgn="b"/>
+                      <a:r>
+                        <a:rPr lang="en-GB" sz="1100" b="0" i="0" u="none" strike="noStrike">
+                          <a:solidFill>
+                            <a:srgbClr val="000000"/>
+                          </a:solidFill>
+                          <a:effectLst/>
+                          <a:latin typeface="Calibri" panose="020F0502020204030204" pitchFamily="34" charset="0"/>
+                        </a:rPr>
+                        <a:t>NA</a:t>
+                      </a:r>
+                    </a:p>
+                  </a:txBody>
+                  <a:tcPr marL="7620" marR="7620" marT="7620" marB="0" anchor="b">
+                    <a:lnL>
+                      <a:noFill/>
+                    </a:lnL>
+                    <a:lnR>
+                      <a:noFill/>
+                    </a:lnR>
+                    <a:lnT>
+                      <a:noFill/>
+                    </a:lnT>
+                    <a:lnB>
+                      <a:noFill/>
+                    </a:lnB>
+                  </a:tcPr>
+                </a:tc>
+                <a:tc>
+                  <a:txBody>
+                    <a:bodyPr/>
+                    <a:lstStyle/>
+                    <a:p>
+                      <a:pPr algn="l" fontAlgn="b"/>
+                      <a:r>
+                        <a:rPr lang="en-GB" sz="1100" b="0" i="0" u="none" strike="noStrike">
+                          <a:solidFill>
+                            <a:srgbClr val="000000"/>
+                          </a:solidFill>
+                          <a:effectLst/>
+                          <a:latin typeface="Calibri" panose="020F0502020204030204" pitchFamily="34" charset="0"/>
+                        </a:rPr>
+                        <a:t>NA</a:t>
+                      </a:r>
+                    </a:p>
+                  </a:txBody>
+                  <a:tcPr marL="7620" marR="7620" marT="7620" marB="0" anchor="b">
+                    <a:lnL>
+                      <a:noFill/>
+                    </a:lnL>
+                    <a:lnR>
+                      <a:noFill/>
+                    </a:lnR>
+                    <a:lnT>
+                      <a:noFill/>
+                    </a:lnT>
+                    <a:lnB>
+                      <a:noFill/>
+                    </a:lnB>
+                  </a:tcPr>
+                </a:tc>
+                <a:tc>
+                  <a:txBody>
+                    <a:bodyPr/>
+                    <a:lstStyle/>
+                    <a:p>
+                      <a:pPr algn="l" fontAlgn="b"/>
+                      <a:r>
+                        <a:rPr lang="en-GB" sz="1100" b="0" i="0" u="none" strike="noStrike">
+                          <a:solidFill>
+                            <a:srgbClr val="000000"/>
+                          </a:solidFill>
+                          <a:effectLst/>
+                          <a:latin typeface="Calibri" panose="020F0502020204030204" pitchFamily="34" charset="0"/>
+                        </a:rPr>
+                        <a:t>NA</a:t>
+                      </a:r>
+                    </a:p>
+                  </a:txBody>
+                  <a:tcPr marL="7620" marR="7620" marT="7620" marB="0" anchor="b">
+                    <a:lnL>
+                      <a:noFill/>
+                    </a:lnL>
+                    <a:lnR>
+                      <a:noFill/>
+                    </a:lnR>
+                    <a:lnT>
+                      <a:noFill/>
+                    </a:lnT>
+                    <a:lnB>
+                      <a:noFill/>
+                    </a:lnB>
+                  </a:tcPr>
+                </a:tc>
+                <a:tc>
+                  <a:txBody>
+                    <a:bodyPr/>
+                    <a:lstStyle/>
+                    <a:p>
+                      <a:pPr algn="r" fontAlgn="b"/>
+                      <a:r>
+                        <a:rPr lang="en-AT" sz="1100" b="0" i="0" u="none" strike="noStrike">
+                          <a:solidFill>
+                            <a:srgbClr val="000000"/>
+                          </a:solidFill>
+                          <a:effectLst/>
+                          <a:latin typeface="Calibri" panose="020F0502020204030204" pitchFamily="34" charset="0"/>
+                        </a:rPr>
+                        <a:t>5</a:t>
+                      </a:r>
+                    </a:p>
+                  </a:txBody>
+                  <a:tcPr marL="7620" marR="7620" marT="7620" marB="0" anchor="b">
+                    <a:lnL>
+                      <a:noFill/>
+                    </a:lnL>
+                    <a:lnR>
+                      <a:noFill/>
+                    </a:lnR>
+                    <a:lnT>
+                      <a:noFill/>
+                    </a:lnT>
+                    <a:lnB>
+                      <a:noFill/>
+                    </a:lnB>
+                  </a:tcPr>
+                </a:tc>
+                <a:tc>
+                  <a:txBody>
+                    <a:bodyPr/>
+                    <a:lstStyle/>
+                    <a:p>
+                      <a:pPr algn="r" fontAlgn="b"/>
+                      <a:r>
+                        <a:rPr lang="en-AT" sz="1100" b="0" i="0" u="none" strike="noStrike">
+                          <a:solidFill>
+                            <a:srgbClr val="000000"/>
+                          </a:solidFill>
+                          <a:effectLst/>
+                          <a:latin typeface="Calibri" panose="020F0502020204030204" pitchFamily="34" charset="0"/>
+                        </a:rPr>
+                        <a:t>0</a:t>
+                      </a:r>
+                    </a:p>
+                  </a:txBody>
+                  <a:tcPr marL="7620" marR="7620" marT="7620" marB="0" anchor="b">
+                    <a:lnL>
+                      <a:noFill/>
+                    </a:lnL>
+                    <a:lnR>
+                      <a:noFill/>
+                    </a:lnR>
+                    <a:lnT>
+                      <a:noFill/>
+                    </a:lnT>
+                    <a:lnB>
+                      <a:noFill/>
+                    </a:lnB>
+                  </a:tcPr>
+                </a:tc>
+                <a:extLst>
+                  <a:ext uri="{0D108BD9-81ED-4DB2-BD59-A6C34878D82A}">
+                    <a16:rowId xmlns:a16="http://schemas.microsoft.com/office/drawing/2014/main" val="3205333492"/>
+                  </a:ext>
+                </a:extLst>
+              </a:tr>
+              <a:tr h="211081">
+                <a:tc>
+                  <a:txBody>
+                    <a:bodyPr/>
+                    <a:lstStyle/>
+                    <a:p>
+                      <a:pPr algn="l" fontAlgn="b"/>
+                      <a:r>
+                        <a:rPr lang="en-GB" sz="1100" b="0" i="0" u="none" strike="noStrike">
+                          <a:solidFill>
+                            <a:srgbClr val="000000"/>
+                          </a:solidFill>
+                          <a:effectLst/>
+                          <a:latin typeface="Calibri" panose="020F0502020204030204" pitchFamily="34" charset="0"/>
+                        </a:rPr>
+                        <a:t>md-85cc2730205d013a771d0242ac120003</a:t>
+                      </a:r>
+                    </a:p>
+                  </a:txBody>
+                  <a:tcPr marL="7620" marR="7620" marT="7620" marB="0" anchor="b">
+                    <a:lnL>
+                      <a:noFill/>
+                    </a:lnL>
+                    <a:lnR>
+                      <a:noFill/>
+                    </a:lnR>
+                    <a:lnT>
+                      <a:noFill/>
+                    </a:lnT>
+                    <a:lnB>
+                      <a:noFill/>
+                    </a:lnB>
+                  </a:tcPr>
+                </a:tc>
+                <a:tc>
+                  <a:txBody>
+                    <a:bodyPr/>
+                    <a:lstStyle/>
+                    <a:p>
+                      <a:pPr algn="l" fontAlgn="b"/>
+                      <a:r>
+                        <a:rPr lang="en-GB" sz="1100" b="0" i="0" u="none" strike="noStrike">
+                          <a:solidFill>
+                            <a:srgbClr val="000000"/>
+                          </a:solidFill>
+                          <a:effectLst/>
+                          <a:latin typeface="Calibri" panose="020F0502020204030204" pitchFamily="34" charset="0"/>
+                        </a:rPr>
+                        <a:t>NA</a:t>
+                      </a:r>
+                    </a:p>
+                  </a:txBody>
+                  <a:tcPr marL="7620" marR="7620" marT="7620" marB="0" anchor="b">
+                    <a:lnL>
+                      <a:noFill/>
+                    </a:lnL>
+                    <a:lnR>
+                      <a:noFill/>
+                    </a:lnR>
+                    <a:lnT>
+                      <a:noFill/>
+                    </a:lnT>
+                    <a:lnB>
+                      <a:noFill/>
+                    </a:lnB>
+                  </a:tcPr>
+                </a:tc>
+                <a:tc>
+                  <a:txBody>
+                    <a:bodyPr/>
+                    <a:lstStyle/>
+                    <a:p>
+                      <a:pPr algn="l" fontAlgn="b"/>
+                      <a:r>
+                        <a:rPr lang="en-GB" sz="1100" b="0" i="0" u="none" strike="noStrike">
+                          <a:solidFill>
+                            <a:srgbClr val="000000"/>
+                          </a:solidFill>
+                          <a:effectLst/>
+                          <a:latin typeface="Calibri" panose="020F0502020204030204" pitchFamily="34" charset="0"/>
+                        </a:rPr>
+                        <a:t>NA</a:t>
+                      </a:r>
+                    </a:p>
+                  </a:txBody>
+                  <a:tcPr marL="7620" marR="7620" marT="7620" marB="0" anchor="b">
+                    <a:lnL>
+                      <a:noFill/>
+                    </a:lnL>
+                    <a:lnR>
+                      <a:noFill/>
+                    </a:lnR>
+                    <a:lnT>
+                      <a:noFill/>
+                    </a:lnT>
+                    <a:lnB>
+                      <a:noFill/>
+                    </a:lnB>
+                  </a:tcPr>
+                </a:tc>
+                <a:tc>
+                  <a:txBody>
+                    <a:bodyPr/>
+                    <a:lstStyle/>
+                    <a:p>
+                      <a:pPr algn="l" fontAlgn="b"/>
+                      <a:r>
+                        <a:rPr lang="en-GB" sz="1100" b="0" i="0" u="none" strike="noStrike">
+                          <a:solidFill>
+                            <a:srgbClr val="000000"/>
+                          </a:solidFill>
+                          <a:effectLst/>
+                          <a:latin typeface="Calibri" panose="020F0502020204030204" pitchFamily="34" charset="0"/>
+                        </a:rPr>
+                        <a:t>NA</a:t>
+                      </a:r>
+                    </a:p>
+                  </a:txBody>
+                  <a:tcPr marL="7620" marR="7620" marT="7620" marB="0" anchor="b">
+                    <a:lnL>
+                      <a:noFill/>
+                    </a:lnL>
+                    <a:lnR>
+                      <a:noFill/>
+                    </a:lnR>
+                    <a:lnT>
+                      <a:noFill/>
+                    </a:lnT>
+                    <a:lnB>
+                      <a:noFill/>
+                    </a:lnB>
+                  </a:tcPr>
+                </a:tc>
+                <a:tc>
+                  <a:txBody>
+                    <a:bodyPr/>
+                    <a:lstStyle/>
+                    <a:p>
+                      <a:pPr algn="r" fontAlgn="b"/>
+                      <a:r>
+                        <a:rPr lang="en-AT" sz="1100" b="0" i="0" u="none" strike="noStrike">
+                          <a:solidFill>
+                            <a:srgbClr val="000000"/>
+                          </a:solidFill>
+                          <a:effectLst/>
+                          <a:latin typeface="Calibri" panose="020F0502020204030204" pitchFamily="34" charset="0"/>
+                        </a:rPr>
+                        <a:t>5</a:t>
+                      </a:r>
+                    </a:p>
+                  </a:txBody>
+                  <a:tcPr marL="7620" marR="7620" marT="7620" marB="0" anchor="b">
+                    <a:lnL>
+                      <a:noFill/>
+                    </a:lnL>
+                    <a:lnR>
+                      <a:noFill/>
+                    </a:lnR>
+                    <a:lnT>
+                      <a:noFill/>
+                    </a:lnT>
+                    <a:lnB>
+                      <a:noFill/>
+                    </a:lnB>
+                  </a:tcPr>
+                </a:tc>
+                <a:tc>
+                  <a:txBody>
+                    <a:bodyPr/>
+                    <a:lstStyle/>
+                    <a:p>
+                      <a:pPr algn="r" fontAlgn="b"/>
+                      <a:r>
+                        <a:rPr lang="en-AT" sz="1100" b="0" i="0" u="none" strike="noStrike">
+                          <a:solidFill>
+                            <a:srgbClr val="000000"/>
+                          </a:solidFill>
+                          <a:effectLst/>
+                          <a:latin typeface="Calibri" panose="020F0502020204030204" pitchFamily="34" charset="0"/>
+                        </a:rPr>
+                        <a:t>0</a:t>
+                      </a:r>
+                    </a:p>
+                  </a:txBody>
+                  <a:tcPr marL="7620" marR="7620" marT="7620" marB="0" anchor="b">
+                    <a:lnL>
+                      <a:noFill/>
+                    </a:lnL>
+                    <a:lnR>
+                      <a:noFill/>
+                    </a:lnR>
+                    <a:lnT>
+                      <a:noFill/>
+                    </a:lnT>
+                    <a:lnB>
+                      <a:noFill/>
+                    </a:lnB>
+                  </a:tcPr>
+                </a:tc>
+                <a:extLst>
+                  <a:ext uri="{0D108BD9-81ED-4DB2-BD59-A6C34878D82A}">
+                    <a16:rowId xmlns:a16="http://schemas.microsoft.com/office/drawing/2014/main" val="758496668"/>
+                  </a:ext>
+                </a:extLst>
+              </a:tr>
+              <a:tr h="211081">
+                <a:tc>
+                  <a:txBody>
+                    <a:bodyPr/>
+                    <a:lstStyle/>
+                    <a:p>
+                      <a:pPr algn="l" fontAlgn="b"/>
+                      <a:r>
+                        <a:rPr lang="en-GB" sz="1100" b="0" i="0" u="none" strike="noStrike">
+                          <a:solidFill>
+                            <a:srgbClr val="000000"/>
+                          </a:solidFill>
+                          <a:effectLst/>
+                          <a:latin typeface="Calibri" panose="020F0502020204030204" pitchFamily="34" charset="0"/>
+                        </a:rPr>
+                        <a:t>md-aa0ca330a99d0139b98d0242ac120002</a:t>
+                      </a:r>
+                    </a:p>
+                  </a:txBody>
+                  <a:tcPr marL="7620" marR="7620" marT="7620" marB="0" anchor="b">
+                    <a:lnL>
+                      <a:noFill/>
+                    </a:lnL>
+                    <a:lnR>
+                      <a:noFill/>
+                    </a:lnR>
+                    <a:lnT>
+                      <a:noFill/>
+                    </a:lnT>
+                    <a:lnB>
+                      <a:noFill/>
+                    </a:lnB>
+                  </a:tcPr>
+                </a:tc>
+                <a:tc>
+                  <a:txBody>
+                    <a:bodyPr/>
+                    <a:lstStyle/>
+                    <a:p>
+                      <a:pPr algn="l" fontAlgn="b"/>
+                      <a:r>
+                        <a:rPr lang="en-GB" sz="1100" b="0" i="0" u="none" strike="noStrike">
+                          <a:solidFill>
+                            <a:srgbClr val="000000"/>
+                          </a:solidFill>
+                          <a:effectLst/>
+                          <a:latin typeface="Calibri" panose="020F0502020204030204" pitchFamily="34" charset="0"/>
+                        </a:rPr>
+                        <a:t>NA</a:t>
+                      </a:r>
+                    </a:p>
+                  </a:txBody>
+                  <a:tcPr marL="7620" marR="7620" marT="7620" marB="0" anchor="b">
+                    <a:lnL>
+                      <a:noFill/>
+                    </a:lnL>
+                    <a:lnR>
+                      <a:noFill/>
+                    </a:lnR>
+                    <a:lnT>
+                      <a:noFill/>
+                    </a:lnT>
+                    <a:lnB>
+                      <a:noFill/>
+                    </a:lnB>
+                  </a:tcPr>
+                </a:tc>
+                <a:tc>
+                  <a:txBody>
+                    <a:bodyPr/>
+                    <a:lstStyle/>
+                    <a:p>
+                      <a:pPr algn="l" fontAlgn="b"/>
+                      <a:r>
+                        <a:rPr lang="en-GB" sz="1100" b="0" i="0" u="none" strike="noStrike">
+                          <a:solidFill>
+                            <a:srgbClr val="000000"/>
+                          </a:solidFill>
+                          <a:effectLst/>
+                          <a:latin typeface="Calibri" panose="020F0502020204030204" pitchFamily="34" charset="0"/>
+                        </a:rPr>
+                        <a:t>NA</a:t>
+                      </a:r>
+                    </a:p>
+                  </a:txBody>
+                  <a:tcPr marL="7620" marR="7620" marT="7620" marB="0" anchor="b">
+                    <a:lnL>
+                      <a:noFill/>
+                    </a:lnL>
+                    <a:lnR>
+                      <a:noFill/>
+                    </a:lnR>
+                    <a:lnT>
+                      <a:noFill/>
+                    </a:lnT>
+                    <a:lnB>
+                      <a:noFill/>
+                    </a:lnB>
+                  </a:tcPr>
+                </a:tc>
+                <a:tc>
+                  <a:txBody>
+                    <a:bodyPr/>
+                    <a:lstStyle/>
+                    <a:p>
+                      <a:pPr algn="l" fontAlgn="b"/>
+                      <a:r>
+                        <a:rPr lang="en-GB" sz="1100" b="0" i="0" u="none" strike="noStrike">
+                          <a:solidFill>
+                            <a:srgbClr val="000000"/>
+                          </a:solidFill>
+                          <a:effectLst/>
+                          <a:latin typeface="Calibri" panose="020F0502020204030204" pitchFamily="34" charset="0"/>
+                        </a:rPr>
+                        <a:t>NA</a:t>
+                      </a:r>
+                    </a:p>
+                  </a:txBody>
+                  <a:tcPr marL="7620" marR="7620" marT="7620" marB="0" anchor="b">
+                    <a:lnL>
+                      <a:noFill/>
+                    </a:lnL>
+                    <a:lnR>
+                      <a:noFill/>
+                    </a:lnR>
+                    <a:lnT>
+                      <a:noFill/>
+                    </a:lnT>
+                    <a:lnB>
+                      <a:noFill/>
+                    </a:lnB>
+                  </a:tcPr>
+                </a:tc>
+                <a:tc>
+                  <a:txBody>
+                    <a:bodyPr/>
+                    <a:lstStyle/>
+                    <a:p>
+                      <a:pPr algn="r" fontAlgn="b"/>
+                      <a:r>
+                        <a:rPr lang="en-AT" sz="1100" b="0" i="0" u="none" strike="noStrike">
+                          <a:solidFill>
+                            <a:srgbClr val="000000"/>
+                          </a:solidFill>
+                          <a:effectLst/>
+                          <a:latin typeface="Calibri" panose="020F0502020204030204" pitchFamily="34" charset="0"/>
+                        </a:rPr>
+                        <a:t>70</a:t>
+                      </a:r>
+                    </a:p>
+                  </a:txBody>
+                  <a:tcPr marL="7620" marR="7620" marT="7620" marB="0" anchor="b">
+                    <a:lnL>
+                      <a:noFill/>
+                    </a:lnL>
+                    <a:lnR>
+                      <a:noFill/>
+                    </a:lnR>
+                    <a:lnT>
+                      <a:noFill/>
+                    </a:lnT>
+                    <a:lnB>
+                      <a:noFill/>
+                    </a:lnB>
+                  </a:tcPr>
+                </a:tc>
+                <a:tc>
+                  <a:txBody>
+                    <a:bodyPr/>
+                    <a:lstStyle/>
+                    <a:p>
+                      <a:pPr algn="r" fontAlgn="b"/>
+                      <a:r>
+                        <a:rPr lang="en-AT" sz="1100" b="0" i="0" u="none" strike="noStrike">
+                          <a:solidFill>
+                            <a:srgbClr val="000000"/>
+                          </a:solidFill>
+                          <a:effectLst/>
+                          <a:latin typeface="Calibri" panose="020F0502020204030204" pitchFamily="34" charset="0"/>
+                        </a:rPr>
+                        <a:t>0.39</a:t>
+                      </a:r>
+                    </a:p>
+                  </a:txBody>
+                  <a:tcPr marL="7620" marR="7620" marT="7620" marB="0" anchor="b">
+                    <a:lnL>
+                      <a:noFill/>
+                    </a:lnL>
+                    <a:lnR>
+                      <a:noFill/>
+                    </a:lnR>
+                    <a:lnT>
+                      <a:noFill/>
+                    </a:lnT>
+                    <a:lnB>
+                      <a:noFill/>
+                    </a:lnB>
+                  </a:tcPr>
+                </a:tc>
+                <a:extLst>
+                  <a:ext uri="{0D108BD9-81ED-4DB2-BD59-A6C34878D82A}">
+                    <a16:rowId xmlns:a16="http://schemas.microsoft.com/office/drawing/2014/main" val="2116185401"/>
+                  </a:ext>
+                </a:extLst>
+              </a:tr>
+              <a:tr h="211081">
+                <a:tc>
+                  <a:txBody>
+                    <a:bodyPr/>
+                    <a:lstStyle/>
+                    <a:p>
+                      <a:pPr algn="l" fontAlgn="b"/>
+                      <a:r>
+                        <a:rPr lang="en-GB" sz="1100" b="0" i="0" u="none" strike="noStrike">
+                          <a:solidFill>
+                            <a:srgbClr val="000000"/>
+                          </a:solidFill>
+                          <a:effectLst/>
+                          <a:latin typeface="Calibri" panose="020F0502020204030204" pitchFamily="34" charset="0"/>
+                        </a:rPr>
+                        <a:t>md-e90480c0a99f0139b98d0242ac120002</a:t>
+                      </a:r>
+                    </a:p>
+                  </a:txBody>
+                  <a:tcPr marL="7620" marR="7620" marT="7620" marB="0" anchor="b">
+                    <a:lnL>
+                      <a:noFill/>
+                    </a:lnL>
+                    <a:lnR>
+                      <a:noFill/>
+                    </a:lnR>
+                    <a:lnT>
+                      <a:noFill/>
+                    </a:lnT>
+                    <a:lnB>
+                      <a:noFill/>
+                    </a:lnB>
+                  </a:tcPr>
+                </a:tc>
+                <a:tc>
+                  <a:txBody>
+                    <a:bodyPr/>
+                    <a:lstStyle/>
+                    <a:p>
+                      <a:pPr algn="l" fontAlgn="b"/>
+                      <a:r>
+                        <a:rPr lang="en-GB" sz="1100" b="0" i="0" u="none" strike="noStrike">
+                          <a:solidFill>
+                            <a:srgbClr val="000000"/>
+                          </a:solidFill>
+                          <a:effectLst/>
+                          <a:latin typeface="Calibri" panose="020F0502020204030204" pitchFamily="34" charset="0"/>
+                        </a:rPr>
+                        <a:t>NA</a:t>
+                      </a:r>
+                    </a:p>
+                  </a:txBody>
+                  <a:tcPr marL="7620" marR="7620" marT="7620" marB="0" anchor="b">
+                    <a:lnL>
+                      <a:noFill/>
+                    </a:lnL>
+                    <a:lnR>
+                      <a:noFill/>
+                    </a:lnR>
+                    <a:lnT>
+                      <a:noFill/>
+                    </a:lnT>
+                    <a:lnB>
+                      <a:noFill/>
+                    </a:lnB>
+                  </a:tcPr>
+                </a:tc>
+                <a:tc>
+                  <a:txBody>
+                    <a:bodyPr/>
+                    <a:lstStyle/>
+                    <a:p>
+                      <a:pPr algn="l" fontAlgn="b"/>
+                      <a:r>
+                        <a:rPr lang="en-GB" sz="1100" b="0" i="0" u="none" strike="noStrike">
+                          <a:solidFill>
+                            <a:srgbClr val="000000"/>
+                          </a:solidFill>
+                          <a:effectLst/>
+                          <a:latin typeface="Calibri" panose="020F0502020204030204" pitchFamily="34" charset="0"/>
+                        </a:rPr>
+                        <a:t>NA</a:t>
+                      </a:r>
+                    </a:p>
+                  </a:txBody>
+                  <a:tcPr marL="7620" marR="7620" marT="7620" marB="0" anchor="b">
+                    <a:lnL>
+                      <a:noFill/>
+                    </a:lnL>
+                    <a:lnR>
+                      <a:noFill/>
+                    </a:lnR>
+                    <a:lnT>
+                      <a:noFill/>
+                    </a:lnT>
+                    <a:lnB>
+                      <a:noFill/>
+                    </a:lnB>
+                  </a:tcPr>
+                </a:tc>
+                <a:tc>
+                  <a:txBody>
+                    <a:bodyPr/>
+                    <a:lstStyle/>
+                    <a:p>
+                      <a:pPr algn="l" fontAlgn="b"/>
+                      <a:r>
+                        <a:rPr lang="en-GB" sz="1100" b="0" i="0" u="none" strike="noStrike">
+                          <a:solidFill>
+                            <a:srgbClr val="000000"/>
+                          </a:solidFill>
+                          <a:effectLst/>
+                          <a:latin typeface="Calibri" panose="020F0502020204030204" pitchFamily="34" charset="0"/>
+                        </a:rPr>
+                        <a:t>NA</a:t>
+                      </a:r>
+                    </a:p>
+                  </a:txBody>
+                  <a:tcPr marL="7620" marR="7620" marT="7620" marB="0" anchor="b">
+                    <a:lnL>
+                      <a:noFill/>
+                    </a:lnL>
+                    <a:lnR>
+                      <a:noFill/>
+                    </a:lnR>
+                    <a:lnT>
+                      <a:noFill/>
+                    </a:lnT>
+                    <a:lnB>
+                      <a:noFill/>
+                    </a:lnB>
+                  </a:tcPr>
+                </a:tc>
+                <a:tc>
+                  <a:txBody>
+                    <a:bodyPr/>
+                    <a:lstStyle/>
+                    <a:p>
+                      <a:pPr algn="r" fontAlgn="b"/>
+                      <a:r>
+                        <a:rPr lang="en-AT" sz="1100" b="0" i="0" u="none" strike="noStrike">
+                          <a:solidFill>
+                            <a:srgbClr val="000000"/>
+                          </a:solidFill>
+                          <a:effectLst/>
+                          <a:latin typeface="Calibri" panose="020F0502020204030204" pitchFamily="34" charset="0"/>
+                        </a:rPr>
+                        <a:t>52</a:t>
+                      </a:r>
+                    </a:p>
+                  </a:txBody>
+                  <a:tcPr marL="7620" marR="7620" marT="7620" marB="0" anchor="b">
+                    <a:lnL>
+                      <a:noFill/>
+                    </a:lnL>
+                    <a:lnR>
+                      <a:noFill/>
+                    </a:lnR>
+                    <a:lnT>
+                      <a:noFill/>
+                    </a:lnT>
+                    <a:lnB>
+                      <a:noFill/>
+                    </a:lnB>
+                  </a:tcPr>
+                </a:tc>
+                <a:tc>
+                  <a:txBody>
+                    <a:bodyPr/>
+                    <a:lstStyle/>
+                    <a:p>
+                      <a:pPr algn="r" fontAlgn="b"/>
+                      <a:r>
+                        <a:rPr lang="en-AT" sz="1100" b="0" i="0" u="none" strike="noStrike">
+                          <a:solidFill>
+                            <a:srgbClr val="000000"/>
+                          </a:solidFill>
+                          <a:effectLst/>
+                          <a:latin typeface="Calibri" panose="020F0502020204030204" pitchFamily="34" charset="0"/>
+                        </a:rPr>
+                        <a:t>0.04</a:t>
+                      </a:r>
+                    </a:p>
+                  </a:txBody>
+                  <a:tcPr marL="7620" marR="7620" marT="7620" marB="0" anchor="b">
+                    <a:lnL>
+                      <a:noFill/>
+                    </a:lnL>
+                    <a:lnR>
+                      <a:noFill/>
+                    </a:lnR>
+                    <a:lnT>
+                      <a:noFill/>
+                    </a:lnT>
+                    <a:lnB>
+                      <a:noFill/>
+                    </a:lnB>
+                  </a:tcPr>
+                </a:tc>
+                <a:extLst>
+                  <a:ext uri="{0D108BD9-81ED-4DB2-BD59-A6C34878D82A}">
+                    <a16:rowId xmlns:a16="http://schemas.microsoft.com/office/drawing/2014/main" val="3509807795"/>
+                  </a:ext>
+                </a:extLst>
+              </a:tr>
+              <a:tr h="211081">
+                <a:tc>
+                  <a:txBody>
+                    <a:bodyPr/>
+                    <a:lstStyle/>
+                    <a:p>
+                      <a:pPr algn="l" fontAlgn="b"/>
+                      <a:r>
+                        <a:rPr lang="en-GB" sz="1100" b="0" i="0" u="none" strike="noStrike">
+                          <a:solidFill>
+                            <a:srgbClr val="000000"/>
+                          </a:solidFill>
+                          <a:effectLst/>
+                          <a:latin typeface="Calibri" panose="020F0502020204030204" pitchFamily="34" charset="0"/>
+                        </a:rPr>
+                        <a:t>md-f7c1ec804d180139964d0242ac120004</a:t>
+                      </a:r>
+                    </a:p>
+                  </a:txBody>
+                  <a:tcPr marL="7620" marR="7620" marT="7620" marB="0" anchor="b">
+                    <a:lnL>
+                      <a:noFill/>
+                    </a:lnL>
+                    <a:lnR>
+                      <a:noFill/>
+                    </a:lnR>
+                    <a:lnT>
+                      <a:noFill/>
+                    </a:lnT>
+                    <a:lnB>
+                      <a:noFill/>
+                    </a:lnB>
+                  </a:tcPr>
+                </a:tc>
+                <a:tc>
+                  <a:txBody>
+                    <a:bodyPr/>
+                    <a:lstStyle/>
+                    <a:p>
+                      <a:pPr algn="l" fontAlgn="b"/>
+                      <a:r>
+                        <a:rPr lang="en-GB" sz="1100" b="0" i="0" u="none" strike="noStrike">
+                          <a:solidFill>
+                            <a:srgbClr val="000000"/>
+                          </a:solidFill>
+                          <a:effectLst/>
+                          <a:latin typeface="Calibri" panose="020F0502020204030204" pitchFamily="34" charset="0"/>
+                        </a:rPr>
+                        <a:t>NA</a:t>
+                      </a:r>
+                    </a:p>
+                  </a:txBody>
+                  <a:tcPr marL="7620" marR="7620" marT="7620" marB="0" anchor="b">
+                    <a:lnL>
+                      <a:noFill/>
+                    </a:lnL>
+                    <a:lnR>
+                      <a:noFill/>
+                    </a:lnR>
+                    <a:lnT>
+                      <a:noFill/>
+                    </a:lnT>
+                    <a:lnB>
+                      <a:noFill/>
+                    </a:lnB>
+                  </a:tcPr>
+                </a:tc>
+                <a:tc>
+                  <a:txBody>
+                    <a:bodyPr/>
+                    <a:lstStyle/>
+                    <a:p>
+                      <a:pPr algn="l" fontAlgn="b"/>
+                      <a:r>
+                        <a:rPr lang="en-GB" sz="1100" b="0" i="0" u="none" strike="noStrike">
+                          <a:solidFill>
+                            <a:srgbClr val="000000"/>
+                          </a:solidFill>
+                          <a:effectLst/>
+                          <a:latin typeface="Calibri" panose="020F0502020204030204" pitchFamily="34" charset="0"/>
+                        </a:rPr>
+                        <a:t>NA</a:t>
+                      </a:r>
+                    </a:p>
+                  </a:txBody>
+                  <a:tcPr marL="7620" marR="7620" marT="7620" marB="0" anchor="b">
+                    <a:lnL>
+                      <a:noFill/>
+                    </a:lnL>
+                    <a:lnR>
+                      <a:noFill/>
+                    </a:lnR>
+                    <a:lnT>
+                      <a:noFill/>
+                    </a:lnT>
+                    <a:lnB>
+                      <a:noFill/>
+                    </a:lnB>
+                  </a:tcPr>
+                </a:tc>
+                <a:tc>
+                  <a:txBody>
+                    <a:bodyPr/>
+                    <a:lstStyle/>
+                    <a:p>
+                      <a:pPr algn="l" fontAlgn="b"/>
+                      <a:r>
+                        <a:rPr lang="en-GB" sz="1100" b="0" i="0" u="none" strike="noStrike">
+                          <a:solidFill>
+                            <a:srgbClr val="000000"/>
+                          </a:solidFill>
+                          <a:effectLst/>
+                          <a:latin typeface="Calibri" panose="020F0502020204030204" pitchFamily="34" charset="0"/>
+                        </a:rPr>
+                        <a:t>NA</a:t>
+                      </a:r>
+                    </a:p>
+                  </a:txBody>
+                  <a:tcPr marL="7620" marR="7620" marT="7620" marB="0" anchor="b">
+                    <a:lnL>
+                      <a:noFill/>
+                    </a:lnL>
+                    <a:lnR>
+                      <a:noFill/>
+                    </a:lnR>
+                    <a:lnT>
+                      <a:noFill/>
+                    </a:lnT>
+                    <a:lnB>
+                      <a:noFill/>
+                    </a:lnB>
+                  </a:tcPr>
+                </a:tc>
+                <a:tc>
+                  <a:txBody>
+                    <a:bodyPr/>
+                    <a:lstStyle/>
+                    <a:p>
+                      <a:pPr algn="r" fontAlgn="b"/>
+                      <a:r>
+                        <a:rPr lang="en-AT" sz="1100" b="0" i="0" u="none" strike="noStrike">
+                          <a:solidFill>
+                            <a:srgbClr val="000000"/>
+                          </a:solidFill>
+                          <a:effectLst/>
+                          <a:latin typeface="Calibri" panose="020F0502020204030204" pitchFamily="34" charset="0"/>
+                        </a:rPr>
+                        <a:t>30</a:t>
+                      </a:r>
+                    </a:p>
+                  </a:txBody>
+                  <a:tcPr marL="7620" marR="7620" marT="7620" marB="0" anchor="b">
+                    <a:lnL>
+                      <a:noFill/>
+                    </a:lnL>
+                    <a:lnR>
+                      <a:noFill/>
+                    </a:lnR>
+                    <a:lnT>
+                      <a:noFill/>
+                    </a:lnT>
+                    <a:lnB>
+                      <a:noFill/>
+                    </a:lnB>
+                  </a:tcPr>
+                </a:tc>
+                <a:tc>
+                  <a:txBody>
+                    <a:bodyPr/>
+                    <a:lstStyle/>
+                    <a:p>
+                      <a:pPr algn="r" fontAlgn="b"/>
+                      <a:r>
+                        <a:rPr lang="en-AT" sz="1100" b="0" i="0" u="none" strike="noStrike" dirty="0">
+                          <a:solidFill>
+                            <a:srgbClr val="000000"/>
+                          </a:solidFill>
+                          <a:effectLst/>
+                          <a:latin typeface="Calibri" panose="020F0502020204030204" pitchFamily="34" charset="0"/>
+                        </a:rPr>
+                        <a:t>0.17</a:t>
+                      </a:r>
+                    </a:p>
+                  </a:txBody>
+                  <a:tcPr marL="7620" marR="7620" marT="7620" marB="0" anchor="b">
+                    <a:lnL>
+                      <a:noFill/>
+                    </a:lnL>
+                    <a:lnR>
+                      <a:noFill/>
+                    </a:lnR>
+                    <a:lnT>
+                      <a:noFill/>
+                    </a:lnT>
+                    <a:lnB>
+                      <a:noFill/>
+                    </a:lnB>
+                  </a:tcPr>
+                </a:tc>
+                <a:extLst>
+                  <a:ext uri="{0D108BD9-81ED-4DB2-BD59-A6C34878D82A}">
+                    <a16:rowId xmlns:a16="http://schemas.microsoft.com/office/drawing/2014/main" val="3088915235"/>
+                  </a:ext>
+                </a:extLst>
+              </a:tr>
+            </a:tbl>
+          </a:graphicData>
+        </a:graphic>
+      </p:graphicFrame>
+    </p:spTree>
+    <p:extLst>
+      <p:ext uri="{BB962C8B-B14F-4D97-AF65-F5344CB8AC3E}">
+        <p14:creationId xmlns:p14="http://schemas.microsoft.com/office/powerpoint/2010/main" val="2568047564"/>
+      </p:ext>
+    </p:extLst>
+  </p:cSld>
+  <p:clrMapOvr>
+    <a:masterClrMapping/>
+  </p:clrMapOvr>
+</p:sld>
+</file>
+
+<file path=ppt/slides/slide4.xml><?xml version="1.0" encoding="utf-8"?>
+<p:sld xmlns:a="http://schemas.openxmlformats.org/drawingml/2006/main" xmlns:r="http://schemas.openxmlformats.org/officeDocument/2006/relationships" xmlns:p="http://schemas.openxmlformats.org/presentationml/2006/main">
+  <p:cSld>
+    <p:spTree>
+      <p:nvGrpSpPr>
+        <p:cNvPr id="1" name=""/>
+        <p:cNvGrpSpPr/>
+        <p:nvPr/>
+      </p:nvGrpSpPr>
+      <p:grpSpPr>
+        <a:xfrm>
+          <a:off x="0" y="0"/>
+          <a:ext cx="0" cy="0"/>
+          <a:chOff x="0" y="0"/>
+          <a:chExt cx="0" cy="0"/>
+        </a:xfrm>
+      </p:grpSpPr>
+      <p:sp>
+        <p:nvSpPr>
+          <p:cNvPr id="2" name="Title 1">
+            <a:extLst>
+              <a:ext uri="{FF2B5EF4-FFF2-40B4-BE49-F238E27FC236}">
+                <a16:creationId xmlns:a16="http://schemas.microsoft.com/office/drawing/2014/main" id="{928A83B3-1C27-F0D8-D093-6D7476F3E87C}"/>
+              </a:ext>
+            </a:extLst>
+          </p:cNvPr>
+          <p:cNvSpPr>
+            <a:spLocks noGrp="1"/>
+          </p:cNvSpPr>
+          <p:nvPr>
+            <p:ph type="title"/>
+          </p:nvPr>
+        </p:nvSpPr>
+        <p:spPr/>
+        <p:txBody>
+          <a:bodyPr/>
+          <a:lstStyle/>
+          <a:p>
+            <a:endParaRPr lang="en-AT"/>
           </a:p>
         </p:txBody>
       </p:sp>
       <p:pic>
         <p:nvPicPr>
-          <p:cNvPr id="9" name="Graphic 8" descr="Unicorn">
+          <p:cNvPr id="4" name="Picture 3">
             <a:extLst>
               <a:ext uri="{FF2B5EF4-FFF2-40B4-BE49-F238E27FC236}">
-                <a16:creationId xmlns:a16="http://schemas.microsoft.com/office/drawing/2014/main" id="{02FC9972-0D2D-4155-8356-D4BB440A4B12}"/>
+                <a16:creationId xmlns:a16="http://schemas.microsoft.com/office/drawing/2014/main" id="{E633A591-6887-45A6-AB08-4F7A3CC8B310}"/>
               </a:ext>
             </a:extLst>
           </p:cNvPr>
@@ -3513,36 +7498,57 @@
           <p:nvPr/>
         </p:nvPicPr>
         <p:blipFill>
-          <a:blip r:embed="rId4">
-            <a:extLst>
-              <a:ext uri="{28A0092B-C50C-407E-A947-70E740481C1C}">
-                <a14:useLocalDpi xmlns:a14="http://schemas.microsoft.com/office/drawing/2010/main" val="0"/>
-              </a:ext>
-              <a:ext uri="{96DAC541-7B7A-43D3-8B79-37D633B846F1}">
-                <asvg:svgBlip xmlns:asvg="http://schemas.microsoft.com/office/drawing/2016/SVG/main" r:embed="rId5"/>
-              </a:ext>
-            </a:extLst>
-          </a:blip>
+          <a:blip r:embed="rId2"/>
           <a:stretch>
             <a:fillRect/>
           </a:stretch>
         </p:blipFill>
         <p:spPr>
           <a:xfrm>
-            <a:off x="3758784" y="4149378"/>
-            <a:ext cx="914400" cy="914400"/>
+            <a:off x="101569" y="604382"/>
+            <a:ext cx="11782267" cy="5649236"/>
           </a:xfrm>
           <a:prstGeom prst="rect">
             <a:avLst/>
           </a:prstGeom>
         </p:spPr>
       </p:pic>
+    </p:spTree>
+    <p:extLst>
+      <p:ext uri="{BB962C8B-B14F-4D97-AF65-F5344CB8AC3E}">
+        <p14:creationId xmlns:p14="http://schemas.microsoft.com/office/powerpoint/2010/main" val="1711484321"/>
+      </p:ext>
+    </p:extLst>
+  </p:cSld>
+  <p:clrMapOvr>
+    <a:masterClrMapping/>
+  </p:clrMapOvr>
+</p:sld>
+</file>
+
+<file path=ppt/slides/slide5.xml><?xml version="1.0" encoding="utf-8"?>
+<p:sld xmlns:a="http://schemas.openxmlformats.org/drawingml/2006/main" xmlns:r="http://schemas.openxmlformats.org/officeDocument/2006/relationships" xmlns:p="http://schemas.openxmlformats.org/presentationml/2006/main">
+  <p:cSld>
+    <p:spTree>
+      <p:nvGrpSpPr>
+        <p:cNvPr id="1" name=""/>
+        <p:cNvGrpSpPr/>
+        <p:nvPr/>
+      </p:nvGrpSpPr>
+      <p:grpSpPr>
+        <a:xfrm>
+          <a:off x="0" y="0"/>
+          <a:ext cx="0" cy="0"/>
+          <a:chOff x="0" y="0"/>
+          <a:chExt cx="0" cy="0"/>
+        </a:xfrm>
+      </p:grpSpPr>
       <p:pic>
         <p:nvPicPr>
-          <p:cNvPr id="11" name="Graphic 10" descr="Monkey">
+          <p:cNvPr id="4" name="Picture 3">
             <a:extLst>
               <a:ext uri="{FF2B5EF4-FFF2-40B4-BE49-F238E27FC236}">
-                <a16:creationId xmlns:a16="http://schemas.microsoft.com/office/drawing/2014/main" id="{A227994F-426A-4EFC-855E-77E34B6C1DC2}"/>
+                <a16:creationId xmlns:a16="http://schemas.microsoft.com/office/drawing/2014/main" id="{14EC0162-4FFC-A6B4-DC89-FC50A1AC5CD2}"/>
               </a:ext>
             </a:extLst>
           </p:cNvPr>
@@ -3552,72 +7558,116 @@
           <p:nvPr/>
         </p:nvPicPr>
         <p:blipFill>
-          <a:blip r:embed="rId6">
-            <a:extLst>
-              <a:ext uri="{28A0092B-C50C-407E-A947-70E740481C1C}">
-                <a14:useLocalDpi xmlns:a14="http://schemas.microsoft.com/office/drawing/2010/main" val="0"/>
-              </a:ext>
-              <a:ext uri="{96DAC541-7B7A-43D3-8B79-37D633B846F1}">
-                <asvg:svgBlip xmlns:asvg="http://schemas.microsoft.com/office/drawing/2016/SVG/main" r:embed="rId7"/>
-              </a:ext>
-            </a:extLst>
-          </a:blip>
+          <a:blip r:embed="rId2"/>
           <a:stretch>
             <a:fillRect/>
           </a:stretch>
         </p:blipFill>
         <p:spPr>
           <a:xfrm>
-            <a:off x="1810064" y="4149378"/>
-            <a:ext cx="914400" cy="914400"/>
+            <a:off x="410218" y="849086"/>
+            <a:ext cx="11371563" cy="5457494"/>
           </a:xfrm>
           <a:prstGeom prst="rect">
             <a:avLst/>
           </a:prstGeom>
         </p:spPr>
       </p:pic>
-      <p:sp>
-        <p:nvSpPr>
-          <p:cNvPr id="12" name="TextBox 11">
+    </p:spTree>
+    <p:extLst>
+      <p:ext uri="{BB962C8B-B14F-4D97-AF65-F5344CB8AC3E}">
+        <p14:creationId xmlns:p14="http://schemas.microsoft.com/office/powerpoint/2010/main" val="3492450778"/>
+      </p:ext>
+    </p:extLst>
+  </p:cSld>
+  <p:clrMapOvr>
+    <a:masterClrMapping/>
+  </p:clrMapOvr>
+</p:sld>
+</file>
+
+<file path=ppt/slides/slide6.xml><?xml version="1.0" encoding="utf-8"?>
+<p:sld xmlns:a="http://schemas.openxmlformats.org/drawingml/2006/main" xmlns:r="http://schemas.openxmlformats.org/officeDocument/2006/relationships" xmlns:p="http://schemas.openxmlformats.org/presentationml/2006/main">
+  <p:cSld>
+    <p:spTree>
+      <p:nvGrpSpPr>
+        <p:cNvPr id="1" name=""/>
+        <p:cNvGrpSpPr/>
+        <p:nvPr/>
+      </p:nvGrpSpPr>
+      <p:grpSpPr>
+        <a:xfrm>
+          <a:off x="0" y="0"/>
+          <a:ext cx="0" cy="0"/>
+          <a:chOff x="0" y="0"/>
+          <a:chExt cx="0" cy="0"/>
+        </a:xfrm>
+      </p:grpSpPr>
+      <p:pic>
+        <p:nvPicPr>
+          <p:cNvPr id="4" name="Picture 3">
             <a:extLst>
               <a:ext uri="{FF2B5EF4-FFF2-40B4-BE49-F238E27FC236}">
-                <a16:creationId xmlns:a16="http://schemas.microsoft.com/office/drawing/2014/main" id="{F4104016-CBC7-4D1B-BE29-6A01CA0BCE0B}"/>
+                <a16:creationId xmlns:a16="http://schemas.microsoft.com/office/drawing/2014/main" id="{03796A41-0CCF-9F4B-A398-7EAD09C4528D}"/>
               </a:ext>
             </a:extLst>
           </p:cNvPr>
-          <p:cNvSpPr txBox="1"/>
+          <p:cNvPicPr>
+            <a:picLocks noChangeAspect="1"/>
+          </p:cNvPicPr>
           <p:nvPr/>
-        </p:nvSpPr>
+        </p:nvPicPr>
+        <p:blipFill rotWithShape="1">
+          <a:blip r:embed="rId2"/>
+          <a:srcRect b="26751"/>
+          <a:stretch/>
+        </p:blipFill>
         <p:spPr>
           <a:xfrm>
-            <a:off x="8069704" y="3174399"/>
-            <a:ext cx="1606446" cy="369332"/>
+            <a:off x="768565" y="1027906"/>
+            <a:ext cx="10963330" cy="4851919"/>
           </a:xfrm>
           <a:prstGeom prst="rect">
             <a:avLst/>
           </a:prstGeom>
-          <a:noFill/>
         </p:spPr>
-        <p:txBody>
-          <a:bodyPr wrap="square" rtlCol="0">
-            <a:spAutoFit/>
-          </a:bodyPr>
-          <a:lstStyle/>
-          <a:p>
-            <a:r>
-              <a:rPr lang="en-GB" dirty="0"/>
-              <a:t>23 participants</a:t>
-            </a:r>
-            <a:endParaRPr lang="en-AT" dirty="0"/>
-          </a:p>
-        </p:txBody>
-      </p:sp>
+      </p:pic>
+    </p:spTree>
+    <p:extLst>
+      <p:ext uri="{BB962C8B-B14F-4D97-AF65-F5344CB8AC3E}">
+        <p14:creationId xmlns:p14="http://schemas.microsoft.com/office/powerpoint/2010/main" val="1039539301"/>
+      </p:ext>
+    </p:extLst>
+  </p:cSld>
+  <p:clrMapOvr>
+    <a:masterClrMapping/>
+  </p:clrMapOvr>
+</p:sld>
+</file>
+
+<file path=ppt/slides/slide7.xml><?xml version="1.0" encoding="utf-8"?>
+<p:sld xmlns:a="http://schemas.openxmlformats.org/drawingml/2006/main" xmlns:r="http://schemas.openxmlformats.org/officeDocument/2006/relationships" xmlns:p="http://schemas.openxmlformats.org/presentationml/2006/main">
+  <p:cSld>
+    <p:spTree>
+      <p:nvGrpSpPr>
+        <p:cNvPr id="1" name=""/>
+        <p:cNvGrpSpPr/>
+        <p:nvPr/>
+      </p:nvGrpSpPr>
+      <p:grpSpPr>
+        <a:xfrm>
+          <a:off x="0" y="0"/>
+          <a:ext cx="0" cy="0"/>
+          <a:chOff x="0" y="0"/>
+          <a:chExt cx="0" cy="0"/>
+        </a:xfrm>
+      </p:grpSpPr>
       <p:pic>
         <p:nvPicPr>
-          <p:cNvPr id="14" name="Graphic 13" descr="Sad face with solid fill">
+          <p:cNvPr id="4" name="Picture 3">
             <a:extLst>
               <a:ext uri="{FF2B5EF4-FFF2-40B4-BE49-F238E27FC236}">
-                <a16:creationId xmlns:a16="http://schemas.microsoft.com/office/drawing/2014/main" id="{08276645-8E7D-4548-8FBD-5BED8F2FBD8B}"/>
+                <a16:creationId xmlns:a16="http://schemas.microsoft.com/office/drawing/2014/main" id="{6F6C8A60-D48B-B855-5AE7-9222EFEFAC55}"/>
               </a:ext>
             </a:extLst>
           </p:cNvPr>
@@ -3627,24 +7677,15 @@
           <p:nvPr/>
         </p:nvPicPr>
         <p:blipFill>
-          <a:blip r:embed="rId8">
-            <a:extLst>
-              <a:ext uri="{28A0092B-C50C-407E-A947-70E740481C1C}">
-                <a14:useLocalDpi xmlns:a14="http://schemas.microsoft.com/office/drawing/2010/main" val="0"/>
-              </a:ext>
-              <a:ext uri="{96DAC541-7B7A-43D3-8B79-37D633B846F1}">
-                <asvg:svgBlip xmlns:asvg="http://schemas.microsoft.com/office/drawing/2016/SVG/main" r:embed="rId9"/>
-              </a:ext>
-            </a:extLst>
-          </a:blip>
+          <a:blip r:embed="rId2"/>
           <a:stretch>
             <a:fillRect/>
           </a:stretch>
         </p:blipFill>
         <p:spPr>
           <a:xfrm>
-            <a:off x="2861873" y="2258763"/>
-            <a:ext cx="914400" cy="914400"/>
+            <a:off x="1046596" y="356902"/>
+            <a:ext cx="5786141" cy="2572912"/>
           </a:xfrm>
           <a:prstGeom prst="rect">
             <a:avLst/>
@@ -3653,10 +7694,10 @@
       </p:pic>
       <p:pic>
         <p:nvPicPr>
-          <p:cNvPr id="16" name="Graphic 15" descr="Smiling face with solid fill">
+          <p:cNvPr id="6" name="Picture 5">
             <a:extLst>
               <a:ext uri="{FF2B5EF4-FFF2-40B4-BE49-F238E27FC236}">
-                <a16:creationId xmlns:a16="http://schemas.microsoft.com/office/drawing/2014/main" id="{A9696D4A-BD01-414A-A123-0AC147E65DB7}"/>
+                <a16:creationId xmlns:a16="http://schemas.microsoft.com/office/drawing/2014/main" id="{E9D1A41B-2191-881C-5934-C318E6CA5D20}"/>
               </a:ext>
             </a:extLst>
           </p:cNvPr>
@@ -3666,133 +7707,75 @@
           <p:nvPr/>
         </p:nvPicPr>
         <p:blipFill>
-          <a:blip r:embed="rId10">
-            <a:extLst>
-              <a:ext uri="{28A0092B-C50C-407E-A947-70E740481C1C}">
-                <a14:useLocalDpi xmlns:a14="http://schemas.microsoft.com/office/drawing/2010/main" val="0"/>
-              </a:ext>
-              <a:ext uri="{96DAC541-7B7A-43D3-8B79-37D633B846F1}">
-                <asvg:svgBlip xmlns:asvg="http://schemas.microsoft.com/office/drawing/2016/SVG/main" r:embed="rId11"/>
-              </a:ext>
-            </a:extLst>
-          </a:blip>
+          <a:blip r:embed="rId3"/>
           <a:stretch>
             <a:fillRect/>
           </a:stretch>
         </p:blipFill>
         <p:spPr>
           <a:xfrm>
-            <a:off x="8452566" y="2258763"/>
-            <a:ext cx="914400" cy="914400"/>
+            <a:off x="4316047" y="3333366"/>
+            <a:ext cx="6400969" cy="2736198"/>
           </a:xfrm>
           <a:prstGeom prst="rect">
             <a:avLst/>
           </a:prstGeom>
         </p:spPr>
       </p:pic>
+    </p:spTree>
+    <p:extLst>
+      <p:ext uri="{BB962C8B-B14F-4D97-AF65-F5344CB8AC3E}">
+        <p14:creationId xmlns:p14="http://schemas.microsoft.com/office/powerpoint/2010/main" val="3852922974"/>
+      </p:ext>
+    </p:extLst>
+  </p:cSld>
+  <p:clrMapOvr>
+    <a:masterClrMapping/>
+  </p:clrMapOvr>
+</p:sld>
+</file>
+
+<file path=ppt/slides/slide8.xml><?xml version="1.0" encoding="utf-8"?>
+<p:sld xmlns:a="http://schemas.openxmlformats.org/drawingml/2006/main" xmlns:r="http://schemas.openxmlformats.org/officeDocument/2006/relationships" xmlns:p="http://schemas.openxmlformats.org/presentationml/2006/main">
+  <p:cSld>
+    <p:spTree>
+      <p:nvGrpSpPr>
+        <p:cNvPr id="1" name=""/>
+        <p:cNvGrpSpPr/>
+        <p:nvPr/>
+      </p:nvGrpSpPr>
+      <p:grpSpPr>
+        <a:xfrm>
+          <a:off x="0" y="0"/>
+          <a:ext cx="0" cy="0"/>
+          <a:chOff x="0" y="0"/>
+          <a:chExt cx="0" cy="0"/>
+        </a:xfrm>
+      </p:grpSpPr>
       <p:sp>
         <p:nvSpPr>
-          <p:cNvPr id="17" name="TextBox 16">
+          <p:cNvPr id="2" name="Title 1">
             <a:extLst>
               <a:ext uri="{FF2B5EF4-FFF2-40B4-BE49-F238E27FC236}">
-                <a16:creationId xmlns:a16="http://schemas.microsoft.com/office/drawing/2014/main" id="{0BB4D3CB-85A2-436F-A4E2-776B82C9BEBC}"/>
+                <a16:creationId xmlns:a16="http://schemas.microsoft.com/office/drawing/2014/main" id="{6765FACE-DEB0-CBD8-BA77-BEADB6189502}"/>
               </a:ext>
             </a:extLst>
           </p:cNvPr>
-          <p:cNvSpPr txBox="1"/>
-          <p:nvPr/>
+          <p:cNvSpPr>
+            <a:spLocks noGrp="1"/>
+          </p:cNvSpPr>
+          <p:nvPr>
+            <p:ph type="title"/>
+          </p:nvPr>
         </p:nvSpPr>
-        <p:spPr>
-          <a:xfrm>
-            <a:off x="2515851" y="3173163"/>
-            <a:ext cx="1606446" cy="369332"/>
-          </a:xfrm>
-          <a:prstGeom prst="rect">
-            <a:avLst/>
-          </a:prstGeom>
-          <a:noFill/>
-        </p:spPr>
+        <p:spPr/>
         <p:txBody>
-          <a:bodyPr wrap="square" rtlCol="0">
-            <a:spAutoFit/>
-          </a:bodyPr>
+          <a:bodyPr/>
           <a:lstStyle/>
           <a:p>
             <a:r>
               <a:rPr lang="en-GB" dirty="0"/>
-              <a:t>15 participants</a:t>
-            </a:r>
-            <a:endParaRPr lang="en-AT" dirty="0"/>
-          </a:p>
-        </p:txBody>
-      </p:sp>
-      <p:sp>
-        <p:nvSpPr>
-          <p:cNvPr id="18" name="TextBox 17">
-            <a:extLst>
-              <a:ext uri="{FF2B5EF4-FFF2-40B4-BE49-F238E27FC236}">
-                <a16:creationId xmlns:a16="http://schemas.microsoft.com/office/drawing/2014/main" id="{66E7BF88-A89B-4B47-9FCB-79FE47FF9793}"/>
-              </a:ext>
-            </a:extLst>
-          </p:cNvPr>
-          <p:cNvSpPr txBox="1"/>
-          <p:nvPr/>
-        </p:nvSpPr>
-        <p:spPr>
-          <a:xfrm>
-            <a:off x="1464041" y="5134981"/>
-            <a:ext cx="1606446" cy="369332"/>
-          </a:xfrm>
-          <a:prstGeom prst="rect">
-            <a:avLst/>
-          </a:prstGeom>
-          <a:noFill/>
-        </p:spPr>
-        <p:txBody>
-          <a:bodyPr wrap="square" rtlCol="0">
-            <a:spAutoFit/>
-          </a:bodyPr>
-          <a:lstStyle/>
-          <a:p>
-            <a:r>
-              <a:rPr lang="en-GB" dirty="0"/>
-              <a:t>12 participants</a:t>
-            </a:r>
-            <a:endParaRPr lang="en-AT" dirty="0"/>
-          </a:p>
-        </p:txBody>
-      </p:sp>
-      <p:sp>
-        <p:nvSpPr>
-          <p:cNvPr id="19" name="TextBox 18">
-            <a:extLst>
-              <a:ext uri="{FF2B5EF4-FFF2-40B4-BE49-F238E27FC236}">
-                <a16:creationId xmlns:a16="http://schemas.microsoft.com/office/drawing/2014/main" id="{709EA039-AE6D-4647-B262-0398B5ABB303}"/>
-              </a:ext>
-            </a:extLst>
-          </p:cNvPr>
-          <p:cNvSpPr txBox="1"/>
-          <p:nvPr/>
-        </p:nvSpPr>
-        <p:spPr>
-          <a:xfrm>
-            <a:off x="3412761" y="5134981"/>
-            <a:ext cx="1606446" cy="369332"/>
-          </a:xfrm>
-          <a:prstGeom prst="rect">
-            <a:avLst/>
-          </a:prstGeom>
-          <a:noFill/>
-        </p:spPr>
-        <p:txBody>
-          <a:bodyPr wrap="square" rtlCol="0">
-            <a:spAutoFit/>
-          </a:bodyPr>
-          <a:lstStyle/>
-          <a:p>
-            <a:r>
-              <a:rPr lang="en-GB" dirty="0"/>
-              <a:t>13 participants</a:t>
+              <a:t>SART data</a:t>
             </a:r>
             <a:endParaRPr lang="en-AT" dirty="0"/>
           </a:p>
@@ -3800,10 +7783,10 @@
       </p:sp>
       <p:pic>
         <p:nvPicPr>
-          <p:cNvPr id="20" name="Graphic 19" descr="Unicorn">
+          <p:cNvPr id="4" name="Picture 3">
             <a:extLst>
               <a:ext uri="{FF2B5EF4-FFF2-40B4-BE49-F238E27FC236}">
-                <a16:creationId xmlns:a16="http://schemas.microsoft.com/office/drawing/2014/main" id="{EA7C76AA-ACAA-4BDA-BD57-7DCB2752E8AF}"/>
+                <a16:creationId xmlns:a16="http://schemas.microsoft.com/office/drawing/2014/main" id="{0ADC1105-82A6-040C-B346-A8EA5D4FAC81}"/>
               </a:ext>
             </a:extLst>
           </p:cNvPr>
@@ -3813,24 +7796,15 @@
           <p:nvPr/>
         </p:nvPicPr>
         <p:blipFill>
-          <a:blip r:embed="rId4">
-            <a:extLst>
-              <a:ext uri="{28A0092B-C50C-407E-A947-70E740481C1C}">
-                <a14:useLocalDpi xmlns:a14="http://schemas.microsoft.com/office/drawing/2010/main" val="0"/>
-              </a:ext>
-              <a:ext uri="{96DAC541-7B7A-43D3-8B79-37D633B846F1}">
-                <asvg:svgBlip xmlns:asvg="http://schemas.microsoft.com/office/drawing/2016/SVG/main" r:embed="rId5"/>
-              </a:ext>
-            </a:extLst>
-          </a:blip>
+          <a:blip r:embed="rId2"/>
           <a:stretch>
             <a:fillRect/>
           </a:stretch>
         </p:blipFill>
         <p:spPr>
           <a:xfrm>
-            <a:off x="9467536" y="4149378"/>
-            <a:ext cx="914400" cy="914400"/>
+            <a:off x="838200" y="1950577"/>
+            <a:ext cx="3401001" cy="2518786"/>
           </a:xfrm>
           <a:prstGeom prst="rect">
             <a:avLst/>
@@ -3839,10 +7813,10 @@
       </p:pic>
       <p:pic>
         <p:nvPicPr>
-          <p:cNvPr id="21" name="Graphic 20" descr="Monkey">
+          <p:cNvPr id="6" name="Picture 5">
             <a:extLst>
               <a:ext uri="{FF2B5EF4-FFF2-40B4-BE49-F238E27FC236}">
-                <a16:creationId xmlns:a16="http://schemas.microsoft.com/office/drawing/2014/main" id="{20018ABA-FDAA-422C-988E-D6ABA199B90E}"/>
+                <a16:creationId xmlns:a16="http://schemas.microsoft.com/office/drawing/2014/main" id="{F0CF2923-8926-38FD-1503-3AF5369F5276}"/>
               </a:ext>
             </a:extLst>
           </p:cNvPr>
@@ -3852,106 +7826,25 @@
           <p:nvPr/>
         </p:nvPicPr>
         <p:blipFill>
-          <a:blip r:embed="rId6">
-            <a:extLst>
-              <a:ext uri="{28A0092B-C50C-407E-A947-70E740481C1C}">
-                <a14:useLocalDpi xmlns:a14="http://schemas.microsoft.com/office/drawing/2010/main" val="0"/>
-              </a:ext>
-              <a:ext uri="{96DAC541-7B7A-43D3-8B79-37D633B846F1}">
-                <asvg:svgBlip xmlns:asvg="http://schemas.microsoft.com/office/drawing/2016/SVG/main" r:embed="rId7"/>
-              </a:ext>
-            </a:extLst>
-          </a:blip>
+          <a:blip r:embed="rId3"/>
           <a:stretch>
             <a:fillRect/>
           </a:stretch>
         </p:blipFill>
         <p:spPr>
           <a:xfrm>
-            <a:off x="7518816" y="4149378"/>
-            <a:ext cx="914400" cy="914400"/>
+            <a:off x="4639189" y="1950577"/>
+            <a:ext cx="6714611" cy="2826696"/>
           </a:xfrm>
           <a:prstGeom prst="rect">
             <a:avLst/>
           </a:prstGeom>
         </p:spPr>
       </p:pic>
-      <p:sp>
-        <p:nvSpPr>
-          <p:cNvPr id="22" name="TextBox 21">
-            <a:extLst>
-              <a:ext uri="{FF2B5EF4-FFF2-40B4-BE49-F238E27FC236}">
-                <a16:creationId xmlns:a16="http://schemas.microsoft.com/office/drawing/2014/main" id="{CFADDDE7-BE79-4D1E-85D4-97877F4F9BBB}"/>
-              </a:ext>
-            </a:extLst>
-          </p:cNvPr>
-          <p:cNvSpPr txBox="1"/>
-          <p:nvPr/>
-        </p:nvSpPr>
-        <p:spPr>
-          <a:xfrm>
-            <a:off x="7172793" y="5134981"/>
-            <a:ext cx="1606446" cy="369332"/>
-          </a:xfrm>
-          <a:prstGeom prst="rect">
-            <a:avLst/>
-          </a:prstGeom>
-          <a:noFill/>
-        </p:spPr>
-        <p:txBody>
-          <a:bodyPr wrap="square" rtlCol="0">
-            <a:spAutoFit/>
-          </a:bodyPr>
-          <a:lstStyle/>
-          <a:p>
-            <a:r>
-              <a:rPr lang="en-GB" dirty="0"/>
-              <a:t>20 participants</a:t>
-            </a:r>
-            <a:endParaRPr lang="en-AT" dirty="0"/>
-          </a:p>
-        </p:txBody>
-      </p:sp>
-      <p:sp>
-        <p:nvSpPr>
-          <p:cNvPr id="23" name="TextBox 22">
-            <a:extLst>
-              <a:ext uri="{FF2B5EF4-FFF2-40B4-BE49-F238E27FC236}">
-                <a16:creationId xmlns:a16="http://schemas.microsoft.com/office/drawing/2014/main" id="{7B517BBE-9600-461F-8338-10BD3DD200F4}"/>
-              </a:ext>
-            </a:extLst>
-          </p:cNvPr>
-          <p:cNvSpPr txBox="1"/>
-          <p:nvPr/>
-        </p:nvSpPr>
-        <p:spPr>
-          <a:xfrm>
-            <a:off x="9121513" y="5134981"/>
-            <a:ext cx="1606446" cy="369332"/>
-          </a:xfrm>
-          <a:prstGeom prst="rect">
-            <a:avLst/>
-          </a:prstGeom>
-          <a:noFill/>
-        </p:spPr>
-        <p:txBody>
-          <a:bodyPr wrap="square" rtlCol="0">
-            <a:spAutoFit/>
-          </a:bodyPr>
-          <a:lstStyle/>
-          <a:p>
-            <a:r>
-              <a:rPr lang="en-GB" dirty="0"/>
-              <a:t>18 participants</a:t>
-            </a:r>
-            <a:endParaRPr lang="en-AT" dirty="0"/>
-          </a:p>
-        </p:txBody>
-      </p:sp>
     </p:spTree>
     <p:extLst>
       <p:ext uri="{BB962C8B-B14F-4D97-AF65-F5344CB8AC3E}">
-        <p14:creationId xmlns:p14="http://schemas.microsoft.com/office/powerpoint/2010/main" val="1029309397"/>
+        <p14:creationId xmlns:p14="http://schemas.microsoft.com/office/powerpoint/2010/main" val="3865375027"/>
       </p:ext>
     </p:extLst>
   </p:cSld>

--- a/Results_presentation.pptx
+++ b/Results_presentation.pptx
@@ -268,7 +268,7 @@
           <a:p>
             <a:fld id="{4A2FDB5B-C9D2-4FF8-8C39-B98838B722B0}" type="datetimeFigureOut">
               <a:rPr lang="en-AT" smtClean="0"/>
-              <a:t>03/05/2022</a:t>
+              <a:t>04/05/2022</a:t>
             </a:fld>
             <a:endParaRPr lang="en-AT"/>
           </a:p>
@@ -468,7 +468,7 @@
           <a:p>
             <a:fld id="{4A2FDB5B-C9D2-4FF8-8C39-B98838B722B0}" type="datetimeFigureOut">
               <a:rPr lang="en-AT" smtClean="0"/>
-              <a:t>03/05/2022</a:t>
+              <a:t>04/05/2022</a:t>
             </a:fld>
             <a:endParaRPr lang="en-AT"/>
           </a:p>
@@ -678,7 +678,7 @@
           <a:p>
             <a:fld id="{4A2FDB5B-C9D2-4FF8-8C39-B98838B722B0}" type="datetimeFigureOut">
               <a:rPr lang="en-AT" smtClean="0"/>
-              <a:t>03/05/2022</a:t>
+              <a:t>04/05/2022</a:t>
             </a:fld>
             <a:endParaRPr lang="en-AT"/>
           </a:p>
@@ -878,7 +878,7 @@
           <a:p>
             <a:fld id="{4A2FDB5B-C9D2-4FF8-8C39-B98838B722B0}" type="datetimeFigureOut">
               <a:rPr lang="en-AT" smtClean="0"/>
-              <a:t>03/05/2022</a:t>
+              <a:t>04/05/2022</a:t>
             </a:fld>
             <a:endParaRPr lang="en-AT"/>
           </a:p>
@@ -1154,7 +1154,7 @@
           <a:p>
             <a:fld id="{4A2FDB5B-C9D2-4FF8-8C39-B98838B722B0}" type="datetimeFigureOut">
               <a:rPr lang="en-AT" smtClean="0"/>
-              <a:t>03/05/2022</a:t>
+              <a:t>04/05/2022</a:t>
             </a:fld>
             <a:endParaRPr lang="en-AT"/>
           </a:p>
@@ -1422,7 +1422,7 @@
           <a:p>
             <a:fld id="{4A2FDB5B-C9D2-4FF8-8C39-B98838B722B0}" type="datetimeFigureOut">
               <a:rPr lang="en-AT" smtClean="0"/>
-              <a:t>03/05/2022</a:t>
+              <a:t>04/05/2022</a:t>
             </a:fld>
             <a:endParaRPr lang="en-AT"/>
           </a:p>
@@ -1837,7 +1837,7 @@
           <a:p>
             <a:fld id="{4A2FDB5B-C9D2-4FF8-8C39-B98838B722B0}" type="datetimeFigureOut">
               <a:rPr lang="en-AT" smtClean="0"/>
-              <a:t>03/05/2022</a:t>
+              <a:t>04/05/2022</a:t>
             </a:fld>
             <a:endParaRPr lang="en-AT"/>
           </a:p>
@@ -1979,7 +1979,7 @@
           <a:p>
             <a:fld id="{4A2FDB5B-C9D2-4FF8-8C39-B98838B722B0}" type="datetimeFigureOut">
               <a:rPr lang="en-AT" smtClean="0"/>
-              <a:t>03/05/2022</a:t>
+              <a:t>04/05/2022</a:t>
             </a:fld>
             <a:endParaRPr lang="en-AT"/>
           </a:p>
@@ -2092,7 +2092,7 @@
           <a:p>
             <a:fld id="{4A2FDB5B-C9D2-4FF8-8C39-B98838B722B0}" type="datetimeFigureOut">
               <a:rPr lang="en-AT" smtClean="0"/>
-              <a:t>03/05/2022</a:t>
+              <a:t>04/05/2022</a:t>
             </a:fld>
             <a:endParaRPr lang="en-AT"/>
           </a:p>
@@ -2405,7 +2405,7 @@
           <a:p>
             <a:fld id="{4A2FDB5B-C9D2-4FF8-8C39-B98838B722B0}" type="datetimeFigureOut">
               <a:rPr lang="en-AT" smtClean="0"/>
-              <a:t>03/05/2022</a:t>
+              <a:t>04/05/2022</a:t>
             </a:fld>
             <a:endParaRPr lang="en-AT"/>
           </a:p>
@@ -2694,7 +2694,7 @@
           <a:p>
             <a:fld id="{4A2FDB5B-C9D2-4FF8-8C39-B98838B722B0}" type="datetimeFigureOut">
               <a:rPr lang="en-AT" smtClean="0"/>
-              <a:t>03/05/2022</a:t>
+              <a:t>04/05/2022</a:t>
             </a:fld>
             <a:endParaRPr lang="en-AT"/>
           </a:p>
@@ -2937,7 +2937,7 @@
           <a:p>
             <a:fld id="{4A2FDB5B-C9D2-4FF8-8C39-B98838B722B0}" type="datetimeFigureOut">
               <a:rPr lang="en-AT" smtClean="0"/>
-              <a:t>03/05/2022</a:t>
+              <a:t>04/05/2022</a:t>
             </a:fld>
             <a:endParaRPr lang="en-AT"/>
           </a:p>
@@ -7565,8 +7565,38 @@
         </p:blipFill>
         <p:spPr>
           <a:xfrm>
-            <a:off x="410218" y="849086"/>
-            <a:ext cx="11371563" cy="5457494"/>
+            <a:off x="261256" y="375086"/>
+            <a:ext cx="7109927" cy="3412229"/>
+          </a:xfrm>
+          <a:prstGeom prst="rect">
+            <a:avLst/>
+          </a:prstGeom>
+        </p:spPr>
+      </p:pic>
+      <p:pic>
+        <p:nvPicPr>
+          <p:cNvPr id="3" name="Picture 2">
+            <a:extLst>
+              <a:ext uri="{FF2B5EF4-FFF2-40B4-BE49-F238E27FC236}">
+                <a16:creationId xmlns:a16="http://schemas.microsoft.com/office/drawing/2014/main" id="{42E1C342-E5FD-6BC9-B00A-2D0316A9BC30}"/>
+              </a:ext>
+            </a:extLst>
+          </p:cNvPr>
+          <p:cNvPicPr>
+            <a:picLocks noChangeAspect="1"/>
+          </p:cNvPicPr>
+          <p:nvPr/>
+        </p:nvPicPr>
+        <p:blipFill>
+          <a:blip r:embed="rId3"/>
+          <a:stretch>
+            <a:fillRect/>
+          </a:stretch>
+        </p:blipFill>
+        <p:spPr>
+          <a:xfrm>
+            <a:off x="5756988" y="3341555"/>
+            <a:ext cx="5806326" cy="3353560"/>
           </a:xfrm>
           <a:prstGeom prst="rect">
             <a:avLst/>

--- a/Results_presentation.pptx
+++ b/Results_presentation.pptx
@@ -268,7 +268,7 @@
           <a:p>
             <a:fld id="{4A2FDB5B-C9D2-4FF8-8C39-B98838B722B0}" type="datetimeFigureOut">
               <a:rPr lang="en-AT" smtClean="0"/>
-              <a:t>04/05/2022</a:t>
+              <a:t>13/05/2022</a:t>
             </a:fld>
             <a:endParaRPr lang="en-AT"/>
           </a:p>
@@ -468,7 +468,7 @@
           <a:p>
             <a:fld id="{4A2FDB5B-C9D2-4FF8-8C39-B98838B722B0}" type="datetimeFigureOut">
               <a:rPr lang="en-AT" smtClean="0"/>
-              <a:t>04/05/2022</a:t>
+              <a:t>13/05/2022</a:t>
             </a:fld>
             <a:endParaRPr lang="en-AT"/>
           </a:p>
@@ -678,7 +678,7 @@
           <a:p>
             <a:fld id="{4A2FDB5B-C9D2-4FF8-8C39-B98838B722B0}" type="datetimeFigureOut">
               <a:rPr lang="en-AT" smtClean="0"/>
-              <a:t>04/05/2022</a:t>
+              <a:t>13/05/2022</a:t>
             </a:fld>
             <a:endParaRPr lang="en-AT"/>
           </a:p>
@@ -878,7 +878,7 @@
           <a:p>
             <a:fld id="{4A2FDB5B-C9D2-4FF8-8C39-B98838B722B0}" type="datetimeFigureOut">
               <a:rPr lang="en-AT" smtClean="0"/>
-              <a:t>04/05/2022</a:t>
+              <a:t>13/05/2022</a:t>
             </a:fld>
             <a:endParaRPr lang="en-AT"/>
           </a:p>
@@ -1154,7 +1154,7 @@
           <a:p>
             <a:fld id="{4A2FDB5B-C9D2-4FF8-8C39-B98838B722B0}" type="datetimeFigureOut">
               <a:rPr lang="en-AT" smtClean="0"/>
-              <a:t>04/05/2022</a:t>
+              <a:t>13/05/2022</a:t>
             </a:fld>
             <a:endParaRPr lang="en-AT"/>
           </a:p>
@@ -1422,7 +1422,7 @@
           <a:p>
             <a:fld id="{4A2FDB5B-C9D2-4FF8-8C39-B98838B722B0}" type="datetimeFigureOut">
               <a:rPr lang="en-AT" smtClean="0"/>
-              <a:t>04/05/2022</a:t>
+              <a:t>13/05/2022</a:t>
             </a:fld>
             <a:endParaRPr lang="en-AT"/>
           </a:p>
@@ -1837,7 +1837,7 @@
           <a:p>
             <a:fld id="{4A2FDB5B-C9D2-4FF8-8C39-B98838B722B0}" type="datetimeFigureOut">
               <a:rPr lang="en-AT" smtClean="0"/>
-              <a:t>04/05/2022</a:t>
+              <a:t>13/05/2022</a:t>
             </a:fld>
             <a:endParaRPr lang="en-AT"/>
           </a:p>
@@ -1979,7 +1979,7 @@
           <a:p>
             <a:fld id="{4A2FDB5B-C9D2-4FF8-8C39-B98838B722B0}" type="datetimeFigureOut">
               <a:rPr lang="en-AT" smtClean="0"/>
-              <a:t>04/05/2022</a:t>
+              <a:t>13/05/2022</a:t>
             </a:fld>
             <a:endParaRPr lang="en-AT"/>
           </a:p>
@@ -2092,7 +2092,7 @@
           <a:p>
             <a:fld id="{4A2FDB5B-C9D2-4FF8-8C39-B98838B722B0}" type="datetimeFigureOut">
               <a:rPr lang="en-AT" smtClean="0"/>
-              <a:t>04/05/2022</a:t>
+              <a:t>13/05/2022</a:t>
             </a:fld>
             <a:endParaRPr lang="en-AT"/>
           </a:p>
@@ -2405,7 +2405,7 @@
           <a:p>
             <a:fld id="{4A2FDB5B-C9D2-4FF8-8C39-B98838B722B0}" type="datetimeFigureOut">
               <a:rPr lang="en-AT" smtClean="0"/>
-              <a:t>04/05/2022</a:t>
+              <a:t>13/05/2022</a:t>
             </a:fld>
             <a:endParaRPr lang="en-AT"/>
           </a:p>
@@ -2694,7 +2694,7 @@
           <a:p>
             <a:fld id="{4A2FDB5B-C9D2-4FF8-8C39-B98838B722B0}" type="datetimeFigureOut">
               <a:rPr lang="en-AT" smtClean="0"/>
-              <a:t>04/05/2022</a:t>
+              <a:t>13/05/2022</a:t>
             </a:fld>
             <a:endParaRPr lang="en-AT"/>
           </a:p>
@@ -2937,7 +2937,7 @@
           <a:p>
             <a:fld id="{4A2FDB5B-C9D2-4FF8-8C39-B98838B722B0}" type="datetimeFigureOut">
               <a:rPr lang="en-AT" smtClean="0"/>
-              <a:t>04/05/2022</a:t>
+              <a:t>13/05/2022</a:t>
             </a:fld>
             <a:endParaRPr lang="en-AT"/>
           </a:p>
@@ -3609,7 +3609,7 @@
 </file>
 
 <file path=ppt/slides/slide3.xml><?xml version="1.0" encoding="utf-8"?>
-<p:sld xmlns:a="http://schemas.openxmlformats.org/drawingml/2006/main" xmlns:r="http://schemas.openxmlformats.org/officeDocument/2006/relationships" xmlns:p="http://schemas.openxmlformats.org/presentationml/2006/main">
+<p:sld xmlns:a="http://schemas.openxmlformats.org/drawingml/2006/main" xmlns:r="http://schemas.openxmlformats.org/officeDocument/2006/relationships" xmlns:p="http://schemas.openxmlformats.org/presentationml/2006/main" show="0">
   <p:cSld>
     <p:spTree>
       <p:nvGrpSpPr>

--- a/Results_presentation.pptx
+++ b/Results_presentation.pptx
@@ -13,6 +13,17 @@
     <p:sldId id="260" r:id="rId7"/>
     <p:sldId id="263" r:id="rId8"/>
     <p:sldId id="259" r:id="rId9"/>
+    <p:sldId id="266" r:id="rId10"/>
+    <p:sldId id="264" r:id="rId11"/>
+    <p:sldId id="265" r:id="rId12"/>
+    <p:sldId id="267" r:id="rId13"/>
+    <p:sldId id="268" r:id="rId14"/>
+    <p:sldId id="269" r:id="rId15"/>
+    <p:sldId id="270" r:id="rId16"/>
+    <p:sldId id="271" r:id="rId17"/>
+    <p:sldId id="272" r:id="rId18"/>
+    <p:sldId id="273" r:id="rId19"/>
+    <p:sldId id="274" r:id="rId20"/>
   </p:sldIdLst>
   <p:sldSz cx="12192000" cy="6858000"/>
   <p:notesSz cx="6858000" cy="9144000"/>
@@ -268,7 +279,7 @@
           <a:p>
             <a:fld id="{4A2FDB5B-C9D2-4FF8-8C39-B98838B722B0}" type="datetimeFigureOut">
               <a:rPr lang="en-AT" smtClean="0"/>
-              <a:t>13/05/2022</a:t>
+              <a:t>17/05/2022</a:t>
             </a:fld>
             <a:endParaRPr lang="en-AT"/>
           </a:p>
@@ -468,7 +479,7 @@
           <a:p>
             <a:fld id="{4A2FDB5B-C9D2-4FF8-8C39-B98838B722B0}" type="datetimeFigureOut">
               <a:rPr lang="en-AT" smtClean="0"/>
-              <a:t>13/05/2022</a:t>
+              <a:t>17/05/2022</a:t>
             </a:fld>
             <a:endParaRPr lang="en-AT"/>
           </a:p>
@@ -678,7 +689,7 @@
           <a:p>
             <a:fld id="{4A2FDB5B-C9D2-4FF8-8C39-B98838B722B0}" type="datetimeFigureOut">
               <a:rPr lang="en-AT" smtClean="0"/>
-              <a:t>13/05/2022</a:t>
+              <a:t>17/05/2022</a:t>
             </a:fld>
             <a:endParaRPr lang="en-AT"/>
           </a:p>
@@ -878,7 +889,7 @@
           <a:p>
             <a:fld id="{4A2FDB5B-C9D2-4FF8-8C39-B98838B722B0}" type="datetimeFigureOut">
               <a:rPr lang="en-AT" smtClean="0"/>
-              <a:t>13/05/2022</a:t>
+              <a:t>17/05/2022</a:t>
             </a:fld>
             <a:endParaRPr lang="en-AT"/>
           </a:p>
@@ -1154,7 +1165,7 @@
           <a:p>
             <a:fld id="{4A2FDB5B-C9D2-4FF8-8C39-B98838B722B0}" type="datetimeFigureOut">
               <a:rPr lang="en-AT" smtClean="0"/>
-              <a:t>13/05/2022</a:t>
+              <a:t>17/05/2022</a:t>
             </a:fld>
             <a:endParaRPr lang="en-AT"/>
           </a:p>
@@ -1422,7 +1433,7 @@
           <a:p>
             <a:fld id="{4A2FDB5B-C9D2-4FF8-8C39-B98838B722B0}" type="datetimeFigureOut">
               <a:rPr lang="en-AT" smtClean="0"/>
-              <a:t>13/05/2022</a:t>
+              <a:t>17/05/2022</a:t>
             </a:fld>
             <a:endParaRPr lang="en-AT"/>
           </a:p>
@@ -1837,7 +1848,7 @@
           <a:p>
             <a:fld id="{4A2FDB5B-C9D2-4FF8-8C39-B98838B722B0}" type="datetimeFigureOut">
               <a:rPr lang="en-AT" smtClean="0"/>
-              <a:t>13/05/2022</a:t>
+              <a:t>17/05/2022</a:t>
             </a:fld>
             <a:endParaRPr lang="en-AT"/>
           </a:p>
@@ -1979,7 +1990,7 @@
           <a:p>
             <a:fld id="{4A2FDB5B-C9D2-4FF8-8C39-B98838B722B0}" type="datetimeFigureOut">
               <a:rPr lang="en-AT" smtClean="0"/>
-              <a:t>13/05/2022</a:t>
+              <a:t>17/05/2022</a:t>
             </a:fld>
             <a:endParaRPr lang="en-AT"/>
           </a:p>
@@ -2092,7 +2103,7 @@
           <a:p>
             <a:fld id="{4A2FDB5B-C9D2-4FF8-8C39-B98838B722B0}" type="datetimeFigureOut">
               <a:rPr lang="en-AT" smtClean="0"/>
-              <a:t>13/05/2022</a:t>
+              <a:t>17/05/2022</a:t>
             </a:fld>
             <a:endParaRPr lang="en-AT"/>
           </a:p>
@@ -2405,7 +2416,7 @@
           <a:p>
             <a:fld id="{4A2FDB5B-C9D2-4FF8-8C39-B98838B722B0}" type="datetimeFigureOut">
               <a:rPr lang="en-AT" smtClean="0"/>
-              <a:t>13/05/2022</a:t>
+              <a:t>17/05/2022</a:t>
             </a:fld>
             <a:endParaRPr lang="en-AT"/>
           </a:p>
@@ -2694,7 +2705,7 @@
           <a:p>
             <a:fld id="{4A2FDB5B-C9D2-4FF8-8C39-B98838B722B0}" type="datetimeFigureOut">
               <a:rPr lang="en-AT" smtClean="0"/>
-              <a:t>13/05/2022</a:t>
+              <a:t>17/05/2022</a:t>
             </a:fld>
             <a:endParaRPr lang="en-AT"/>
           </a:p>
@@ -2937,7 +2948,7 @@
           <a:p>
             <a:fld id="{4A2FDB5B-C9D2-4FF8-8C39-B98838B722B0}" type="datetimeFigureOut">
               <a:rPr lang="en-AT" smtClean="0"/>
-              <a:t>13/05/2022</a:t>
+              <a:t>17/05/2022</a:t>
             </a:fld>
             <a:endParaRPr lang="en-AT"/>
           </a:p>
@@ -3417,6 +3428,820 @@
 </p:sld>
 </file>
 
+<file path=ppt/slides/slide10.xml><?xml version="1.0" encoding="utf-8"?>
+<p:sld xmlns:a="http://schemas.openxmlformats.org/drawingml/2006/main" xmlns:r="http://schemas.openxmlformats.org/officeDocument/2006/relationships" xmlns:p="http://schemas.openxmlformats.org/presentationml/2006/main">
+  <p:cSld>
+    <p:spTree>
+      <p:nvGrpSpPr>
+        <p:cNvPr id="1" name=""/>
+        <p:cNvGrpSpPr/>
+        <p:nvPr/>
+      </p:nvGrpSpPr>
+      <p:grpSpPr>
+        <a:xfrm>
+          <a:off x="0" y="0"/>
+          <a:ext cx="0" cy="0"/>
+          <a:chOff x="0" y="0"/>
+          <a:chExt cx="0" cy="0"/>
+        </a:xfrm>
+      </p:grpSpPr>
+      <p:pic>
+        <p:nvPicPr>
+          <p:cNvPr id="4" name="Picture 3">
+            <a:extLst>
+              <a:ext uri="{FF2B5EF4-FFF2-40B4-BE49-F238E27FC236}">
+                <a16:creationId xmlns:a16="http://schemas.microsoft.com/office/drawing/2014/main" id="{FA2B3C64-BB65-13EA-A638-14F4416C00F8}"/>
+              </a:ext>
+            </a:extLst>
+          </p:cNvPr>
+          <p:cNvPicPr>
+            <a:picLocks noChangeAspect="1"/>
+          </p:cNvPicPr>
+          <p:nvPr/>
+        </p:nvPicPr>
+        <p:blipFill>
+          <a:blip r:embed="rId2"/>
+          <a:stretch>
+            <a:fillRect/>
+          </a:stretch>
+        </p:blipFill>
+        <p:spPr>
+          <a:xfrm>
+            <a:off x="997382" y="0"/>
+            <a:ext cx="10197235" cy="6858000"/>
+          </a:xfrm>
+          <a:prstGeom prst="rect">
+            <a:avLst/>
+          </a:prstGeom>
+        </p:spPr>
+      </p:pic>
+    </p:spTree>
+    <p:extLst>
+      <p:ext uri="{BB962C8B-B14F-4D97-AF65-F5344CB8AC3E}">
+        <p14:creationId xmlns:p14="http://schemas.microsoft.com/office/powerpoint/2010/main" val="3995485336"/>
+      </p:ext>
+    </p:extLst>
+  </p:cSld>
+  <p:clrMapOvr>
+    <a:masterClrMapping/>
+  </p:clrMapOvr>
+</p:sld>
+</file>
+
+<file path=ppt/slides/slide11.xml><?xml version="1.0" encoding="utf-8"?>
+<p:sld xmlns:a="http://schemas.openxmlformats.org/drawingml/2006/main" xmlns:r="http://schemas.openxmlformats.org/officeDocument/2006/relationships" xmlns:p="http://schemas.openxmlformats.org/presentationml/2006/main">
+  <p:cSld>
+    <p:spTree>
+      <p:nvGrpSpPr>
+        <p:cNvPr id="1" name=""/>
+        <p:cNvGrpSpPr/>
+        <p:nvPr/>
+      </p:nvGrpSpPr>
+      <p:grpSpPr>
+        <a:xfrm>
+          <a:off x="0" y="0"/>
+          <a:ext cx="0" cy="0"/>
+          <a:chOff x="0" y="0"/>
+          <a:chExt cx="0" cy="0"/>
+        </a:xfrm>
+      </p:grpSpPr>
+      <p:pic>
+        <p:nvPicPr>
+          <p:cNvPr id="4" name="Picture 3">
+            <a:extLst>
+              <a:ext uri="{FF2B5EF4-FFF2-40B4-BE49-F238E27FC236}">
+                <a16:creationId xmlns:a16="http://schemas.microsoft.com/office/drawing/2014/main" id="{5A900D8F-AAEB-7B49-371C-AFCB5B493FE9}"/>
+              </a:ext>
+            </a:extLst>
+          </p:cNvPr>
+          <p:cNvPicPr>
+            <a:picLocks noChangeAspect="1"/>
+          </p:cNvPicPr>
+          <p:nvPr/>
+        </p:nvPicPr>
+        <p:blipFill>
+          <a:blip r:embed="rId2"/>
+          <a:stretch>
+            <a:fillRect/>
+          </a:stretch>
+        </p:blipFill>
+        <p:spPr>
+          <a:xfrm>
+            <a:off x="1477460" y="0"/>
+            <a:ext cx="9237079" cy="6858000"/>
+          </a:xfrm>
+          <a:prstGeom prst="rect">
+            <a:avLst/>
+          </a:prstGeom>
+        </p:spPr>
+      </p:pic>
+    </p:spTree>
+    <p:extLst>
+      <p:ext uri="{BB962C8B-B14F-4D97-AF65-F5344CB8AC3E}">
+        <p14:creationId xmlns:p14="http://schemas.microsoft.com/office/powerpoint/2010/main" val="3142321669"/>
+      </p:ext>
+    </p:extLst>
+  </p:cSld>
+  <p:clrMapOvr>
+    <a:masterClrMapping/>
+  </p:clrMapOvr>
+</p:sld>
+</file>
+
+<file path=ppt/slides/slide12.xml><?xml version="1.0" encoding="utf-8"?>
+<p:sld xmlns:a="http://schemas.openxmlformats.org/drawingml/2006/main" xmlns:r="http://schemas.openxmlformats.org/officeDocument/2006/relationships" xmlns:p="http://schemas.openxmlformats.org/presentationml/2006/main">
+  <p:cSld>
+    <p:spTree>
+      <p:nvGrpSpPr>
+        <p:cNvPr id="1" name=""/>
+        <p:cNvGrpSpPr/>
+        <p:nvPr/>
+      </p:nvGrpSpPr>
+      <p:grpSpPr>
+        <a:xfrm>
+          <a:off x="0" y="0"/>
+          <a:ext cx="0" cy="0"/>
+          <a:chOff x="0" y="0"/>
+          <a:chExt cx="0" cy="0"/>
+        </a:xfrm>
+      </p:grpSpPr>
+      <p:pic>
+        <p:nvPicPr>
+          <p:cNvPr id="4" name="Picture 3">
+            <a:extLst>
+              <a:ext uri="{FF2B5EF4-FFF2-40B4-BE49-F238E27FC236}">
+                <a16:creationId xmlns:a16="http://schemas.microsoft.com/office/drawing/2014/main" id="{D40763B7-53FB-5B57-E10C-401C9DB03E7D}"/>
+              </a:ext>
+            </a:extLst>
+          </p:cNvPr>
+          <p:cNvPicPr>
+            <a:picLocks noChangeAspect="1"/>
+          </p:cNvPicPr>
+          <p:nvPr/>
+        </p:nvPicPr>
+        <p:blipFill>
+          <a:blip r:embed="rId2"/>
+          <a:stretch>
+            <a:fillRect/>
+          </a:stretch>
+        </p:blipFill>
+        <p:spPr>
+          <a:xfrm>
+            <a:off x="1513741" y="53873"/>
+            <a:ext cx="9164517" cy="6804127"/>
+          </a:xfrm>
+          <a:prstGeom prst="rect">
+            <a:avLst/>
+          </a:prstGeom>
+        </p:spPr>
+      </p:pic>
+    </p:spTree>
+    <p:extLst>
+      <p:ext uri="{BB962C8B-B14F-4D97-AF65-F5344CB8AC3E}">
+        <p14:creationId xmlns:p14="http://schemas.microsoft.com/office/powerpoint/2010/main" val="263052104"/>
+      </p:ext>
+    </p:extLst>
+  </p:cSld>
+  <p:clrMapOvr>
+    <a:masterClrMapping/>
+  </p:clrMapOvr>
+</p:sld>
+</file>
+
+<file path=ppt/slides/slide13.xml><?xml version="1.0" encoding="utf-8"?>
+<p:sld xmlns:a="http://schemas.openxmlformats.org/drawingml/2006/main" xmlns:r="http://schemas.openxmlformats.org/officeDocument/2006/relationships" xmlns:p="http://schemas.openxmlformats.org/presentationml/2006/main">
+  <p:cSld>
+    <p:spTree>
+      <p:nvGrpSpPr>
+        <p:cNvPr id="1" name=""/>
+        <p:cNvGrpSpPr/>
+        <p:nvPr/>
+      </p:nvGrpSpPr>
+      <p:grpSpPr>
+        <a:xfrm>
+          <a:off x="0" y="0"/>
+          <a:ext cx="0" cy="0"/>
+          <a:chOff x="0" y="0"/>
+          <a:chExt cx="0" cy="0"/>
+        </a:xfrm>
+      </p:grpSpPr>
+      <p:sp>
+        <p:nvSpPr>
+          <p:cNvPr id="2" name="Title 1">
+            <a:extLst>
+              <a:ext uri="{FF2B5EF4-FFF2-40B4-BE49-F238E27FC236}">
+                <a16:creationId xmlns:a16="http://schemas.microsoft.com/office/drawing/2014/main" id="{99EBA101-EEF8-C678-88F9-1E49978F897D}"/>
+              </a:ext>
+            </a:extLst>
+          </p:cNvPr>
+          <p:cNvSpPr>
+            <a:spLocks noGrp="1"/>
+          </p:cNvSpPr>
+          <p:nvPr>
+            <p:ph type="title"/>
+          </p:nvPr>
+        </p:nvSpPr>
+        <p:spPr/>
+        <p:txBody>
+          <a:bodyPr/>
+          <a:lstStyle/>
+          <a:p>
+            <a:endParaRPr lang="en-AT"/>
+          </a:p>
+        </p:txBody>
+      </p:sp>
+    </p:spTree>
+    <p:extLst>
+      <p:ext uri="{BB962C8B-B14F-4D97-AF65-F5344CB8AC3E}">
+        <p14:creationId xmlns:p14="http://schemas.microsoft.com/office/powerpoint/2010/main" val="3734291695"/>
+      </p:ext>
+    </p:extLst>
+  </p:cSld>
+  <p:clrMapOvr>
+    <a:masterClrMapping/>
+  </p:clrMapOvr>
+</p:sld>
+</file>
+
+<file path=ppt/slides/slide14.xml><?xml version="1.0" encoding="utf-8"?>
+<p:sld xmlns:a="http://schemas.openxmlformats.org/drawingml/2006/main" xmlns:r="http://schemas.openxmlformats.org/officeDocument/2006/relationships" xmlns:p="http://schemas.openxmlformats.org/presentationml/2006/main">
+  <p:cSld>
+    <p:spTree>
+      <p:nvGrpSpPr>
+        <p:cNvPr id="1" name=""/>
+        <p:cNvGrpSpPr/>
+        <p:nvPr/>
+      </p:nvGrpSpPr>
+      <p:grpSpPr>
+        <a:xfrm>
+          <a:off x="0" y="0"/>
+          <a:ext cx="0" cy="0"/>
+          <a:chOff x="0" y="0"/>
+          <a:chExt cx="0" cy="0"/>
+        </a:xfrm>
+      </p:grpSpPr>
+      <p:pic>
+        <p:nvPicPr>
+          <p:cNvPr id="10" name="Picture 9">
+            <a:extLst>
+              <a:ext uri="{FF2B5EF4-FFF2-40B4-BE49-F238E27FC236}">
+                <a16:creationId xmlns:a16="http://schemas.microsoft.com/office/drawing/2014/main" id="{4C63BCF8-F7A8-836D-08BA-3418E2C83A19}"/>
+              </a:ext>
+            </a:extLst>
+          </p:cNvPr>
+          <p:cNvPicPr>
+            <a:picLocks noChangeAspect="1"/>
+          </p:cNvPicPr>
+          <p:nvPr/>
+        </p:nvPicPr>
+        <p:blipFill>
+          <a:blip r:embed="rId2"/>
+          <a:stretch>
+            <a:fillRect/>
+          </a:stretch>
+        </p:blipFill>
+        <p:spPr>
+          <a:xfrm>
+            <a:off x="0" y="-174099"/>
+            <a:ext cx="5803641" cy="4075496"/>
+          </a:xfrm>
+          <a:prstGeom prst="rect">
+            <a:avLst/>
+          </a:prstGeom>
+        </p:spPr>
+      </p:pic>
+      <p:sp>
+        <p:nvSpPr>
+          <p:cNvPr id="7" name="TextBox 6">
+            <a:extLst>
+              <a:ext uri="{FF2B5EF4-FFF2-40B4-BE49-F238E27FC236}">
+                <a16:creationId xmlns:a16="http://schemas.microsoft.com/office/drawing/2014/main" id="{AD9335D8-3F51-AAFD-7E0C-103C2AFB778C}"/>
+              </a:ext>
+            </a:extLst>
+          </p:cNvPr>
+          <p:cNvSpPr txBox="1"/>
+          <p:nvPr/>
+        </p:nvSpPr>
+        <p:spPr>
+          <a:xfrm>
+            <a:off x="158620" y="3554963"/>
+            <a:ext cx="3340360" cy="369332"/>
+          </a:xfrm>
+          <a:prstGeom prst="rect">
+            <a:avLst/>
+          </a:prstGeom>
+          <a:noFill/>
+        </p:spPr>
+        <p:txBody>
+          <a:bodyPr wrap="square" rtlCol="0">
+            <a:spAutoFit/>
+          </a:bodyPr>
+          <a:lstStyle/>
+          <a:p>
+            <a:r>
+              <a:rPr lang="en-GB" dirty="0"/>
+              <a:t>Condition number: ~29.6</a:t>
+            </a:r>
+            <a:endParaRPr lang="en-AT" dirty="0"/>
+          </a:p>
+        </p:txBody>
+      </p:sp>
+      <p:pic>
+        <p:nvPicPr>
+          <p:cNvPr id="12" name="Picture 11">
+            <a:extLst>
+              <a:ext uri="{FF2B5EF4-FFF2-40B4-BE49-F238E27FC236}">
+                <a16:creationId xmlns:a16="http://schemas.microsoft.com/office/drawing/2014/main" id="{637FFD47-9404-5139-3853-61A4756B6014}"/>
+              </a:ext>
+            </a:extLst>
+          </p:cNvPr>
+          <p:cNvPicPr>
+            <a:picLocks noChangeAspect="1"/>
+          </p:cNvPicPr>
+          <p:nvPr/>
+        </p:nvPicPr>
+        <p:blipFill>
+          <a:blip r:embed="rId3"/>
+          <a:stretch>
+            <a:fillRect/>
+          </a:stretch>
+        </p:blipFill>
+        <p:spPr>
+          <a:xfrm>
+            <a:off x="5523722" y="2175330"/>
+            <a:ext cx="6668278" cy="4682670"/>
+          </a:xfrm>
+          <a:prstGeom prst="rect">
+            <a:avLst/>
+          </a:prstGeom>
+        </p:spPr>
+      </p:pic>
+      <p:sp>
+        <p:nvSpPr>
+          <p:cNvPr id="8" name="TextBox 7">
+            <a:extLst>
+              <a:ext uri="{FF2B5EF4-FFF2-40B4-BE49-F238E27FC236}">
+                <a16:creationId xmlns:a16="http://schemas.microsoft.com/office/drawing/2014/main" id="{51DEC32F-95FF-423F-8F2E-9F8FDC1DDDFB}"/>
+              </a:ext>
+            </a:extLst>
+          </p:cNvPr>
+          <p:cNvSpPr txBox="1"/>
+          <p:nvPr/>
+        </p:nvSpPr>
+        <p:spPr>
+          <a:xfrm>
+            <a:off x="8615265" y="1852164"/>
+            <a:ext cx="3340360" cy="646331"/>
+          </a:xfrm>
+          <a:prstGeom prst="rect">
+            <a:avLst/>
+          </a:prstGeom>
+          <a:noFill/>
+        </p:spPr>
+        <p:txBody>
+          <a:bodyPr wrap="square" rtlCol="0">
+            <a:spAutoFit/>
+          </a:bodyPr>
+          <a:lstStyle/>
+          <a:p>
+            <a:r>
+              <a:rPr lang="en-GB" dirty="0"/>
+              <a:t>Using </a:t>
+            </a:r>
+            <a:r>
+              <a:rPr lang="en-GB" dirty="0" err="1"/>
+              <a:t>sumNA</a:t>
+            </a:r>
+            <a:r>
+              <a:rPr lang="en-GB" dirty="0"/>
+              <a:t> and </a:t>
+            </a:r>
+            <a:r>
+              <a:rPr lang="en-GB" dirty="0" err="1"/>
+              <a:t>sumPA</a:t>
+            </a:r>
+            <a:br>
+              <a:rPr lang="en-GB" dirty="0"/>
+            </a:br>
+            <a:r>
+              <a:rPr lang="en-GB" dirty="0"/>
+              <a:t>Condition number: ~25.8</a:t>
+            </a:r>
+            <a:endParaRPr lang="en-AT" dirty="0"/>
+          </a:p>
+        </p:txBody>
+      </p:sp>
+    </p:spTree>
+    <p:extLst>
+      <p:ext uri="{BB962C8B-B14F-4D97-AF65-F5344CB8AC3E}">
+        <p14:creationId xmlns:p14="http://schemas.microsoft.com/office/powerpoint/2010/main" val="3327389475"/>
+      </p:ext>
+    </p:extLst>
+  </p:cSld>
+  <p:clrMapOvr>
+    <a:masterClrMapping/>
+  </p:clrMapOvr>
+</p:sld>
+</file>
+
+<file path=ppt/slides/slide15.xml><?xml version="1.0" encoding="utf-8"?>
+<p:sld xmlns:a="http://schemas.openxmlformats.org/drawingml/2006/main" xmlns:r="http://schemas.openxmlformats.org/officeDocument/2006/relationships" xmlns:p="http://schemas.openxmlformats.org/presentationml/2006/main">
+  <p:cSld>
+    <p:spTree>
+      <p:nvGrpSpPr>
+        <p:cNvPr id="1" name=""/>
+        <p:cNvGrpSpPr/>
+        <p:nvPr/>
+      </p:nvGrpSpPr>
+      <p:grpSpPr>
+        <a:xfrm>
+          <a:off x="0" y="0"/>
+          <a:ext cx="0" cy="0"/>
+          <a:chOff x="0" y="0"/>
+          <a:chExt cx="0" cy="0"/>
+        </a:xfrm>
+      </p:grpSpPr>
+      <p:sp>
+        <p:nvSpPr>
+          <p:cNvPr id="2" name="Title 1">
+            <a:extLst>
+              <a:ext uri="{FF2B5EF4-FFF2-40B4-BE49-F238E27FC236}">
+                <a16:creationId xmlns:a16="http://schemas.microsoft.com/office/drawing/2014/main" id="{9508ABAD-36D0-0175-C5B3-0C35BF77B159}"/>
+              </a:ext>
+            </a:extLst>
+          </p:cNvPr>
+          <p:cNvSpPr>
+            <a:spLocks noGrp="1"/>
+          </p:cNvSpPr>
+          <p:nvPr>
+            <p:ph type="title"/>
+          </p:nvPr>
+        </p:nvSpPr>
+        <p:spPr/>
+        <p:txBody>
+          <a:bodyPr/>
+          <a:lstStyle/>
+          <a:p>
+            <a:endParaRPr lang="en-AT"/>
+          </a:p>
+        </p:txBody>
+      </p:sp>
+    </p:spTree>
+    <p:extLst>
+      <p:ext uri="{BB962C8B-B14F-4D97-AF65-F5344CB8AC3E}">
+        <p14:creationId xmlns:p14="http://schemas.microsoft.com/office/powerpoint/2010/main" val="2264943652"/>
+      </p:ext>
+    </p:extLst>
+  </p:cSld>
+  <p:clrMapOvr>
+    <a:masterClrMapping/>
+  </p:clrMapOvr>
+</p:sld>
+</file>
+
+<file path=ppt/slides/slide16.xml><?xml version="1.0" encoding="utf-8"?>
+<p:sld xmlns:a="http://schemas.openxmlformats.org/drawingml/2006/main" xmlns:r="http://schemas.openxmlformats.org/officeDocument/2006/relationships" xmlns:p="http://schemas.openxmlformats.org/presentationml/2006/main">
+  <p:cSld>
+    <p:spTree>
+      <p:nvGrpSpPr>
+        <p:cNvPr id="1" name=""/>
+        <p:cNvGrpSpPr/>
+        <p:nvPr/>
+      </p:nvGrpSpPr>
+      <p:grpSpPr>
+        <a:xfrm>
+          <a:off x="0" y="0"/>
+          <a:ext cx="0" cy="0"/>
+          <a:chOff x="0" y="0"/>
+          <a:chExt cx="0" cy="0"/>
+        </a:xfrm>
+      </p:grpSpPr>
+      <p:sp>
+        <p:nvSpPr>
+          <p:cNvPr id="2" name="Title 1">
+            <a:extLst>
+              <a:ext uri="{FF2B5EF4-FFF2-40B4-BE49-F238E27FC236}">
+                <a16:creationId xmlns:a16="http://schemas.microsoft.com/office/drawing/2014/main" id="{4F70FCDA-9CF1-0C8C-488A-2FD7F6688E74}"/>
+              </a:ext>
+            </a:extLst>
+          </p:cNvPr>
+          <p:cNvSpPr>
+            <a:spLocks noGrp="1"/>
+          </p:cNvSpPr>
+          <p:nvPr>
+            <p:ph type="title"/>
+          </p:nvPr>
+        </p:nvSpPr>
+        <p:spPr/>
+        <p:txBody>
+          <a:bodyPr/>
+          <a:lstStyle/>
+          <a:p>
+            <a:endParaRPr lang="en-AT"/>
+          </a:p>
+        </p:txBody>
+      </p:sp>
+    </p:spTree>
+    <p:extLst>
+      <p:ext uri="{BB962C8B-B14F-4D97-AF65-F5344CB8AC3E}">
+        <p14:creationId xmlns:p14="http://schemas.microsoft.com/office/powerpoint/2010/main" val="3120278666"/>
+      </p:ext>
+    </p:extLst>
+  </p:cSld>
+  <p:clrMapOvr>
+    <a:masterClrMapping/>
+  </p:clrMapOvr>
+</p:sld>
+</file>
+
+<file path=ppt/slides/slide17.xml><?xml version="1.0" encoding="utf-8"?>
+<p:sld xmlns:a="http://schemas.openxmlformats.org/drawingml/2006/main" xmlns:r="http://schemas.openxmlformats.org/officeDocument/2006/relationships" xmlns:p="http://schemas.openxmlformats.org/presentationml/2006/main">
+  <p:cSld>
+    <p:spTree>
+      <p:nvGrpSpPr>
+        <p:cNvPr id="1" name=""/>
+        <p:cNvGrpSpPr/>
+        <p:nvPr/>
+      </p:nvGrpSpPr>
+      <p:grpSpPr>
+        <a:xfrm>
+          <a:off x="0" y="0"/>
+          <a:ext cx="0" cy="0"/>
+          <a:chOff x="0" y="0"/>
+          <a:chExt cx="0" cy="0"/>
+        </a:xfrm>
+      </p:grpSpPr>
+      <p:sp>
+        <p:nvSpPr>
+          <p:cNvPr id="2" name="Title 1">
+            <a:extLst>
+              <a:ext uri="{FF2B5EF4-FFF2-40B4-BE49-F238E27FC236}">
+                <a16:creationId xmlns:a16="http://schemas.microsoft.com/office/drawing/2014/main" id="{783647F6-1B39-EBB4-18F8-CF1EF3449532}"/>
+              </a:ext>
+            </a:extLst>
+          </p:cNvPr>
+          <p:cNvSpPr>
+            <a:spLocks noGrp="1"/>
+          </p:cNvSpPr>
+          <p:nvPr>
+            <p:ph type="title"/>
+          </p:nvPr>
+        </p:nvSpPr>
+        <p:spPr>
+          <a:xfrm>
+            <a:off x="634482" y="365126"/>
+            <a:ext cx="10719318" cy="418646"/>
+          </a:xfrm>
+        </p:spPr>
+        <p:txBody>
+          <a:bodyPr>
+            <a:normAutofit/>
+          </a:bodyPr>
+          <a:lstStyle/>
+          <a:p>
+            <a:r>
+              <a:rPr lang="en-GB" sz="2000" dirty="0"/>
+              <a:t>All participants</a:t>
+            </a:r>
+            <a:endParaRPr lang="en-AT" sz="2000" dirty="0"/>
+          </a:p>
+        </p:txBody>
+      </p:sp>
+      <p:pic>
+        <p:nvPicPr>
+          <p:cNvPr id="4" name="Picture 3">
+            <a:extLst>
+              <a:ext uri="{FF2B5EF4-FFF2-40B4-BE49-F238E27FC236}">
+                <a16:creationId xmlns:a16="http://schemas.microsoft.com/office/drawing/2014/main" id="{48EB0C4D-2C65-8A3F-3F2C-79B6A3B697B7}"/>
+              </a:ext>
+            </a:extLst>
+          </p:cNvPr>
+          <p:cNvPicPr>
+            <a:picLocks noChangeAspect="1"/>
+          </p:cNvPicPr>
+          <p:nvPr/>
+        </p:nvPicPr>
+        <p:blipFill>
+          <a:blip r:embed="rId2"/>
+          <a:stretch>
+            <a:fillRect/>
+          </a:stretch>
+        </p:blipFill>
+        <p:spPr>
+          <a:xfrm>
+            <a:off x="1561707" y="783772"/>
+            <a:ext cx="9068586" cy="5829805"/>
+          </a:xfrm>
+          <a:prstGeom prst="rect">
+            <a:avLst/>
+          </a:prstGeom>
+        </p:spPr>
+      </p:pic>
+    </p:spTree>
+    <p:extLst>
+      <p:ext uri="{BB962C8B-B14F-4D97-AF65-F5344CB8AC3E}">
+        <p14:creationId xmlns:p14="http://schemas.microsoft.com/office/powerpoint/2010/main" val="1848602586"/>
+      </p:ext>
+    </p:extLst>
+  </p:cSld>
+  <p:clrMapOvr>
+    <a:masterClrMapping/>
+  </p:clrMapOvr>
+</p:sld>
+</file>
+
+<file path=ppt/slides/slide18.xml><?xml version="1.0" encoding="utf-8"?>
+<p:sld xmlns:a="http://schemas.openxmlformats.org/drawingml/2006/main" xmlns:r="http://schemas.openxmlformats.org/officeDocument/2006/relationships" xmlns:p="http://schemas.openxmlformats.org/presentationml/2006/main">
+  <p:cSld>
+    <p:spTree>
+      <p:nvGrpSpPr>
+        <p:cNvPr id="1" name=""/>
+        <p:cNvGrpSpPr/>
+        <p:nvPr/>
+      </p:nvGrpSpPr>
+      <p:grpSpPr>
+        <a:xfrm>
+          <a:off x="0" y="0"/>
+          <a:ext cx="0" cy="0"/>
+          <a:chOff x="0" y="0"/>
+          <a:chExt cx="0" cy="0"/>
+        </a:xfrm>
+      </p:grpSpPr>
+      <p:pic>
+        <p:nvPicPr>
+          <p:cNvPr id="4" name="Picture 3">
+            <a:extLst>
+              <a:ext uri="{FF2B5EF4-FFF2-40B4-BE49-F238E27FC236}">
+                <a16:creationId xmlns:a16="http://schemas.microsoft.com/office/drawing/2014/main" id="{6D29AD5C-315C-9EFE-7C9D-1E9A592EE931}"/>
+              </a:ext>
+            </a:extLst>
+          </p:cNvPr>
+          <p:cNvPicPr>
+            <a:picLocks noChangeAspect="1"/>
+          </p:cNvPicPr>
+          <p:nvPr/>
+        </p:nvPicPr>
+        <p:blipFill>
+          <a:blip r:embed="rId2"/>
+          <a:stretch>
+            <a:fillRect/>
+          </a:stretch>
+        </p:blipFill>
+        <p:spPr>
+          <a:xfrm>
+            <a:off x="1961791" y="514097"/>
+            <a:ext cx="8268417" cy="5829805"/>
+          </a:xfrm>
+          <a:prstGeom prst="rect">
+            <a:avLst/>
+          </a:prstGeom>
+        </p:spPr>
+      </p:pic>
+      <p:sp>
+        <p:nvSpPr>
+          <p:cNvPr id="5" name="Title 1">
+            <a:extLst>
+              <a:ext uri="{FF2B5EF4-FFF2-40B4-BE49-F238E27FC236}">
+                <a16:creationId xmlns:a16="http://schemas.microsoft.com/office/drawing/2014/main" id="{A1F4311C-A384-3CD2-7E08-0C49CCE15C14}"/>
+              </a:ext>
+            </a:extLst>
+          </p:cNvPr>
+          <p:cNvSpPr>
+            <a:spLocks noGrp="1"/>
+          </p:cNvSpPr>
+          <p:nvPr>
+            <p:ph type="title"/>
+          </p:nvPr>
+        </p:nvSpPr>
+        <p:spPr>
+          <a:xfrm>
+            <a:off x="634482" y="365126"/>
+            <a:ext cx="10719318" cy="418646"/>
+          </a:xfrm>
+        </p:spPr>
+        <p:txBody>
+          <a:bodyPr>
+            <a:normAutofit/>
+          </a:bodyPr>
+          <a:lstStyle/>
+          <a:p>
+            <a:r>
+              <a:rPr lang="en-GB" sz="2000" dirty="0"/>
+              <a:t>Controls</a:t>
+            </a:r>
+            <a:endParaRPr lang="en-AT" sz="2000" dirty="0"/>
+          </a:p>
+        </p:txBody>
+      </p:sp>
+    </p:spTree>
+    <p:extLst>
+      <p:ext uri="{BB962C8B-B14F-4D97-AF65-F5344CB8AC3E}">
+        <p14:creationId xmlns:p14="http://schemas.microsoft.com/office/powerpoint/2010/main" val="1249007751"/>
+      </p:ext>
+    </p:extLst>
+  </p:cSld>
+  <p:clrMapOvr>
+    <a:masterClrMapping/>
+  </p:clrMapOvr>
+</p:sld>
+</file>
+
+<file path=ppt/slides/slide19.xml><?xml version="1.0" encoding="utf-8"?>
+<p:sld xmlns:a="http://schemas.openxmlformats.org/drawingml/2006/main" xmlns:r="http://schemas.openxmlformats.org/officeDocument/2006/relationships" xmlns:p="http://schemas.openxmlformats.org/presentationml/2006/main">
+  <p:cSld>
+    <p:spTree>
+      <p:nvGrpSpPr>
+        <p:cNvPr id="1" name=""/>
+        <p:cNvGrpSpPr/>
+        <p:nvPr/>
+      </p:nvGrpSpPr>
+      <p:grpSpPr>
+        <a:xfrm>
+          <a:off x="0" y="0"/>
+          <a:ext cx="0" cy="0"/>
+          <a:chOff x="0" y="0"/>
+          <a:chExt cx="0" cy="0"/>
+        </a:xfrm>
+      </p:grpSpPr>
+      <p:sp>
+        <p:nvSpPr>
+          <p:cNvPr id="3" name="Title 1">
+            <a:extLst>
+              <a:ext uri="{FF2B5EF4-FFF2-40B4-BE49-F238E27FC236}">
+                <a16:creationId xmlns:a16="http://schemas.microsoft.com/office/drawing/2014/main" id="{823A12A8-8A12-2DAC-582B-070F88F49186}"/>
+              </a:ext>
+            </a:extLst>
+          </p:cNvPr>
+          <p:cNvSpPr>
+            <a:spLocks noGrp="1"/>
+          </p:cNvSpPr>
+          <p:nvPr>
+            <p:ph type="title"/>
+          </p:nvPr>
+        </p:nvSpPr>
+        <p:spPr>
+          <a:xfrm>
+            <a:off x="634482" y="365126"/>
+            <a:ext cx="10719318" cy="418646"/>
+          </a:xfrm>
+        </p:spPr>
+        <p:txBody>
+          <a:bodyPr>
+            <a:normAutofit/>
+          </a:bodyPr>
+          <a:lstStyle/>
+          <a:p>
+            <a:r>
+              <a:rPr lang="en-GB" sz="2000" dirty="0"/>
+              <a:t>Remitted</a:t>
+            </a:r>
+            <a:endParaRPr lang="en-AT" sz="2000" dirty="0"/>
+          </a:p>
+        </p:txBody>
+      </p:sp>
+      <p:pic>
+        <p:nvPicPr>
+          <p:cNvPr id="5" name="Picture 4">
+            <a:extLst>
+              <a:ext uri="{FF2B5EF4-FFF2-40B4-BE49-F238E27FC236}">
+                <a16:creationId xmlns:a16="http://schemas.microsoft.com/office/drawing/2014/main" id="{BD8F4022-837C-D49E-5801-45785F9D2A1A}"/>
+              </a:ext>
+            </a:extLst>
+          </p:cNvPr>
+          <p:cNvPicPr>
+            <a:picLocks noChangeAspect="1"/>
+          </p:cNvPicPr>
+          <p:nvPr/>
+        </p:nvPicPr>
+        <p:blipFill>
+          <a:blip r:embed="rId2"/>
+          <a:stretch>
+            <a:fillRect/>
+          </a:stretch>
+        </p:blipFill>
+        <p:spPr>
+          <a:xfrm>
+            <a:off x="1961791" y="514097"/>
+            <a:ext cx="8268417" cy="5829805"/>
+          </a:xfrm>
+          <a:prstGeom prst="rect">
+            <a:avLst/>
+          </a:prstGeom>
+        </p:spPr>
+      </p:pic>
+    </p:spTree>
+    <p:extLst>
+      <p:ext uri="{BB962C8B-B14F-4D97-AF65-F5344CB8AC3E}">
+        <p14:creationId xmlns:p14="http://schemas.microsoft.com/office/powerpoint/2010/main" val="1150135237"/>
+      </p:ext>
+    </p:extLst>
+  </p:cSld>
+  <p:clrMapOvr>
+    <a:masterClrMapping/>
+  </p:clrMapOvr>
+</p:sld>
+</file>
+
 <file path=ppt/slides/slide2.xml><?xml version="1.0" encoding="utf-8"?>
 <p:sld xmlns:a="http://schemas.openxmlformats.org/drawingml/2006/main" xmlns:r="http://schemas.openxmlformats.org/officeDocument/2006/relationships" xmlns:p="http://schemas.openxmlformats.org/presentationml/2006/main">
   <p:cSld>
@@ -7527,7 +8352,7 @@
 </file>
 
 <file path=ppt/slides/slide5.xml><?xml version="1.0" encoding="utf-8"?>
-<p:sld xmlns:a="http://schemas.openxmlformats.org/drawingml/2006/main" xmlns:r="http://schemas.openxmlformats.org/officeDocument/2006/relationships" xmlns:p="http://schemas.openxmlformats.org/presentationml/2006/main">
+<p:sld xmlns:a="http://schemas.openxmlformats.org/drawingml/2006/main" xmlns:r="http://schemas.openxmlformats.org/officeDocument/2006/relationships" xmlns:p="http://schemas.openxmlformats.org/presentationml/2006/main" show="0">
   <p:cSld>
     <p:spTree>
       <p:nvGrpSpPr>
@@ -7633,35 +8458,6 @@
           <a:chExt cx="0" cy="0"/>
         </a:xfrm>
       </p:grpSpPr>
-      <p:pic>
-        <p:nvPicPr>
-          <p:cNvPr id="4" name="Picture 3">
-            <a:extLst>
-              <a:ext uri="{FF2B5EF4-FFF2-40B4-BE49-F238E27FC236}">
-                <a16:creationId xmlns:a16="http://schemas.microsoft.com/office/drawing/2014/main" id="{03796A41-0CCF-9F4B-A398-7EAD09C4528D}"/>
-              </a:ext>
-            </a:extLst>
-          </p:cNvPr>
-          <p:cNvPicPr>
-            <a:picLocks noChangeAspect="1"/>
-          </p:cNvPicPr>
-          <p:nvPr/>
-        </p:nvPicPr>
-        <p:blipFill rotWithShape="1">
-          <a:blip r:embed="rId2"/>
-          <a:srcRect b="26751"/>
-          <a:stretch/>
-        </p:blipFill>
-        <p:spPr>
-          <a:xfrm>
-            <a:off x="768565" y="1027906"/>
-            <a:ext cx="10963330" cy="4851919"/>
-          </a:xfrm>
-          <a:prstGeom prst="rect">
-            <a:avLst/>
-          </a:prstGeom>
-        </p:spPr>
-      </p:pic>
     </p:spTree>
     <p:extLst>
       <p:ext uri="{BB962C8B-B14F-4D97-AF65-F5344CB8AC3E}">
@@ -7813,10 +8609,10 @@
       </p:sp>
       <p:pic>
         <p:nvPicPr>
-          <p:cNvPr id="4" name="Picture 3">
-            <a:extLst>
-              <a:ext uri="{FF2B5EF4-FFF2-40B4-BE49-F238E27FC236}">
-                <a16:creationId xmlns:a16="http://schemas.microsoft.com/office/drawing/2014/main" id="{0ADC1105-82A6-040C-B346-A8EA5D4FAC81}"/>
+          <p:cNvPr id="5" name="Picture 4">
+            <a:extLst>
+              <a:ext uri="{FF2B5EF4-FFF2-40B4-BE49-F238E27FC236}">
+                <a16:creationId xmlns:a16="http://schemas.microsoft.com/office/drawing/2014/main" id="{EACABD60-170B-D8D3-EFF7-0EEA45656117}"/>
               </a:ext>
             </a:extLst>
           </p:cNvPr>
@@ -7833,38 +8629,8 @@
         </p:blipFill>
         <p:spPr>
           <a:xfrm>
-            <a:off x="838200" y="1950577"/>
-            <a:ext cx="3401001" cy="2518786"/>
-          </a:xfrm>
-          <a:prstGeom prst="rect">
-            <a:avLst/>
-          </a:prstGeom>
-        </p:spPr>
-      </p:pic>
-      <p:pic>
-        <p:nvPicPr>
-          <p:cNvPr id="6" name="Picture 5">
-            <a:extLst>
-              <a:ext uri="{FF2B5EF4-FFF2-40B4-BE49-F238E27FC236}">
-                <a16:creationId xmlns:a16="http://schemas.microsoft.com/office/drawing/2014/main" id="{F0CF2923-8926-38FD-1503-3AF5369F5276}"/>
-              </a:ext>
-            </a:extLst>
-          </p:cNvPr>
-          <p:cNvPicPr>
-            <a:picLocks noChangeAspect="1"/>
-          </p:cNvPicPr>
-          <p:nvPr/>
-        </p:nvPicPr>
-        <p:blipFill>
-          <a:blip r:embed="rId3"/>
-          <a:stretch>
-            <a:fillRect/>
-          </a:stretch>
-        </p:blipFill>
-        <p:spPr>
-          <a:xfrm>
-            <a:off x="4639189" y="1950577"/>
-            <a:ext cx="6714611" cy="2826696"/>
+            <a:off x="5057653" y="537193"/>
+            <a:ext cx="6745572" cy="981426"/>
           </a:xfrm>
           <a:prstGeom prst="rect">
             <a:avLst/>
@@ -7875,6 +8641,66 @@
     <p:extLst>
       <p:ext uri="{BB962C8B-B14F-4D97-AF65-F5344CB8AC3E}">
         <p14:creationId xmlns:p14="http://schemas.microsoft.com/office/powerpoint/2010/main" val="3865375027"/>
+      </p:ext>
+    </p:extLst>
+  </p:cSld>
+  <p:clrMapOvr>
+    <a:masterClrMapping/>
+  </p:clrMapOvr>
+</p:sld>
+</file>
+
+<file path=ppt/slides/slide9.xml><?xml version="1.0" encoding="utf-8"?>
+<p:sld xmlns:a="http://schemas.openxmlformats.org/drawingml/2006/main" xmlns:r="http://schemas.openxmlformats.org/officeDocument/2006/relationships" xmlns:p="http://schemas.openxmlformats.org/presentationml/2006/main">
+  <p:cSld>
+    <p:spTree>
+      <p:nvGrpSpPr>
+        <p:cNvPr id="1" name=""/>
+        <p:cNvGrpSpPr/>
+        <p:nvPr/>
+      </p:nvGrpSpPr>
+      <p:grpSpPr>
+        <a:xfrm>
+          <a:off x="0" y="0"/>
+          <a:ext cx="0" cy="0"/>
+          <a:chOff x="0" y="0"/>
+          <a:chExt cx="0" cy="0"/>
+        </a:xfrm>
+      </p:grpSpPr>
+      <p:pic>
+        <p:nvPicPr>
+          <p:cNvPr id="8" name="Picture 7">
+            <a:extLst>
+              <a:ext uri="{FF2B5EF4-FFF2-40B4-BE49-F238E27FC236}">
+                <a16:creationId xmlns:a16="http://schemas.microsoft.com/office/drawing/2014/main" id="{6F0BF296-908E-DA85-A2EB-77E838D18B93}"/>
+              </a:ext>
+            </a:extLst>
+          </p:cNvPr>
+          <p:cNvPicPr>
+            <a:picLocks noChangeAspect="1"/>
+          </p:cNvPicPr>
+          <p:nvPr/>
+        </p:nvPicPr>
+        <p:blipFill>
+          <a:blip r:embed="rId2"/>
+          <a:stretch>
+            <a:fillRect/>
+          </a:stretch>
+        </p:blipFill>
+        <p:spPr>
+          <a:xfrm>
+            <a:off x="1990268" y="409064"/>
+            <a:ext cx="7856901" cy="5517358"/>
+          </a:xfrm>
+          <a:prstGeom prst="rect">
+            <a:avLst/>
+          </a:prstGeom>
+        </p:spPr>
+      </p:pic>
+    </p:spTree>
+    <p:extLst>
+      <p:ext uri="{BB962C8B-B14F-4D97-AF65-F5344CB8AC3E}">
+        <p14:creationId xmlns:p14="http://schemas.microsoft.com/office/powerpoint/2010/main" val="1684589302"/>
       </p:ext>
     </p:extLst>
   </p:cSld>
